--- a/Slide/Web Design 2.pptx
+++ b/Slide/Web Design 2.pptx
@@ -13,10 +13,23 @@
     <p:sldId id="260" r:id="rId7"/>
     <p:sldId id="261" r:id="rId8"/>
     <p:sldId id="263" r:id="rId9"/>
-    <p:sldId id="264" r:id="rId10"/>
-    <p:sldId id="265" r:id="rId11"/>
-    <p:sldId id="266" r:id="rId12"/>
-    <p:sldId id="267" r:id="rId13"/>
+    <p:sldId id="281" r:id="rId10"/>
+    <p:sldId id="272" r:id="rId11"/>
+    <p:sldId id="265" r:id="rId12"/>
+    <p:sldId id="274" r:id="rId13"/>
+    <p:sldId id="266" r:id="rId14"/>
+    <p:sldId id="282" r:id="rId15"/>
+    <p:sldId id="275" r:id="rId16"/>
+    <p:sldId id="267" r:id="rId17"/>
+    <p:sldId id="276" r:id="rId18"/>
+    <p:sldId id="268" r:id="rId19"/>
+    <p:sldId id="277" r:id="rId20"/>
+    <p:sldId id="269" r:id="rId21"/>
+    <p:sldId id="278" r:id="rId22"/>
+    <p:sldId id="270" r:id="rId23"/>
+    <p:sldId id="279" r:id="rId24"/>
+    <p:sldId id="271" r:id="rId25"/>
+    <p:sldId id="280" r:id="rId26"/>
   </p:sldIdLst>
   <p:sldSz cx="12192000" cy="6858000"/>
   <p:notesSz cx="6858000" cy="9144000"/>
@@ -126,7 +139,7 @@
 <file path=ppt/revisionInfo.xml><?xml version="1.0" encoding="utf-8"?>
 <p1510:revInfo xmlns:a="http://schemas.openxmlformats.org/drawingml/2006/main" xmlns:r="http://schemas.openxmlformats.org/officeDocument/2006/relationships" xmlns:p1510="http://schemas.microsoft.com/office/powerpoint/2015/10/main">
   <p1510:revLst>
-    <p1510:client id="{0F61687B-2F3F-47F8-8EB1-337DF2D05EEF}" v="40" dt="2023-09-26T10:49:36.831"/>
+    <p1510:client id="{0F61687B-2F3F-47F8-8EB1-337DF2D05EEF}" v="66" dt="2023-09-26T11:57:55.289"/>
   </p1510:revLst>
 </p1510:revInfo>
 </file>
@@ -136,7 +149,7 @@
   <pc:docChgLst>
     <pc:chgData name="kheang ly" userId="0b0eb30075b8a81a" providerId="LiveId" clId="{0F61687B-2F3F-47F8-8EB1-337DF2D05EEF}"/>
     <pc:docChg chg="undo custSel addSld delSld modSld sldOrd">
-      <pc:chgData name="kheang ly" userId="0b0eb30075b8a81a" providerId="LiveId" clId="{0F61687B-2F3F-47F8-8EB1-337DF2D05EEF}" dt="2023-09-26T10:49:57.108" v="1474" actId="20577"/>
+      <pc:chgData name="kheang ly" userId="0b0eb30075b8a81a" providerId="LiveId" clId="{0F61687B-2F3F-47F8-8EB1-337DF2D05EEF}" dt="2023-09-26T12:00:22.167" v="2643" actId="403"/>
       <pc:docMkLst>
         <pc:docMk/>
       </pc:docMkLst>
@@ -211,13 +224,13 @@
         </pc:picChg>
       </pc:sldChg>
       <pc:sldChg chg="modSp add mod">
-        <pc:chgData name="kheang ly" userId="0b0eb30075b8a81a" providerId="LiveId" clId="{0F61687B-2F3F-47F8-8EB1-337DF2D05EEF}" dt="2023-09-26T09:18:40.339" v="252" actId="1076"/>
+        <pc:chgData name="kheang ly" userId="0b0eb30075b8a81a" providerId="LiveId" clId="{0F61687B-2F3F-47F8-8EB1-337DF2D05EEF}" dt="2023-09-26T11:24:43.003" v="1721" actId="1076"/>
         <pc:sldMkLst>
           <pc:docMk/>
           <pc:sldMk cId="622163670" sldId="259"/>
         </pc:sldMkLst>
         <pc:spChg chg="mod">
-          <ac:chgData name="kheang ly" userId="0b0eb30075b8a81a" providerId="LiveId" clId="{0F61687B-2F3F-47F8-8EB1-337DF2D05EEF}" dt="2023-09-26T09:18:40.339" v="252" actId="1076"/>
+          <ac:chgData name="kheang ly" userId="0b0eb30075b8a81a" providerId="LiveId" clId="{0F61687B-2F3F-47F8-8EB1-337DF2D05EEF}" dt="2023-09-26T11:24:43.003" v="1721" actId="1076"/>
           <ac:spMkLst>
             <pc:docMk/>
             <pc:sldMk cId="622163670" sldId="259"/>
@@ -256,13 +269,13 @@
         </pc:sldMkLst>
       </pc:sldChg>
       <pc:sldChg chg="modSp add mod">
-        <pc:chgData name="kheang ly" userId="0b0eb30075b8a81a" providerId="LiveId" clId="{0F61687B-2F3F-47F8-8EB1-337DF2D05EEF}" dt="2023-09-26T09:57:05.834" v="1349" actId="20577"/>
+        <pc:chgData name="kheang ly" userId="0b0eb30075b8a81a" providerId="LiveId" clId="{0F61687B-2F3F-47F8-8EB1-337DF2D05EEF}" dt="2023-09-26T11:23:35.614" v="1715" actId="20577"/>
         <pc:sldMkLst>
           <pc:docMk/>
           <pc:sldMk cId="2125863718" sldId="261"/>
         </pc:sldMkLst>
         <pc:spChg chg="mod">
-          <ac:chgData name="kheang ly" userId="0b0eb30075b8a81a" providerId="LiveId" clId="{0F61687B-2F3F-47F8-8EB1-337DF2D05EEF}" dt="2023-09-26T09:57:05.834" v="1349" actId="20577"/>
+          <ac:chgData name="kheang ly" userId="0b0eb30075b8a81a" providerId="LiveId" clId="{0F61687B-2F3F-47F8-8EB1-337DF2D05EEF}" dt="2023-09-26T11:23:35.614" v="1715" actId="20577"/>
           <ac:spMkLst>
             <pc:docMk/>
             <pc:sldMk cId="2125863718" sldId="261"/>
@@ -309,14 +322,14 @@
           </ac:picMkLst>
         </pc:picChg>
       </pc:sldChg>
-      <pc:sldChg chg="modSp add mod">
-        <pc:chgData name="kheang ly" userId="0b0eb30075b8a81a" providerId="LiveId" clId="{0F61687B-2F3F-47F8-8EB1-337DF2D05EEF}" dt="2023-09-26T09:57:43.287" v="1363" actId="20577"/>
+      <pc:sldChg chg="modSp add mod ord">
+        <pc:chgData name="kheang ly" userId="0b0eb30075b8a81a" providerId="LiveId" clId="{0F61687B-2F3F-47F8-8EB1-337DF2D05EEF}" dt="2023-09-26T11:34:51.604" v="1946"/>
         <pc:sldMkLst>
           <pc:docMk/>
           <pc:sldMk cId="3094841042" sldId="263"/>
         </pc:sldMkLst>
         <pc:spChg chg="mod">
-          <ac:chgData name="kheang ly" userId="0b0eb30075b8a81a" providerId="LiveId" clId="{0F61687B-2F3F-47F8-8EB1-337DF2D05EEF}" dt="2023-09-26T09:57:43.287" v="1363" actId="20577"/>
+          <ac:chgData name="kheang ly" userId="0b0eb30075b8a81a" providerId="LiveId" clId="{0F61687B-2F3F-47F8-8EB1-337DF2D05EEF}" dt="2023-09-26T11:34:33.543" v="1944" actId="1076"/>
           <ac:spMkLst>
             <pc:docMk/>
             <pc:sldMk cId="3094841042" sldId="263"/>
@@ -324,8 +337,8 @@
           </ac:spMkLst>
         </pc:spChg>
       </pc:sldChg>
-      <pc:sldChg chg="modSp add mod">
-        <pc:chgData name="kheang ly" userId="0b0eb30075b8a81a" providerId="LiveId" clId="{0F61687B-2F3F-47F8-8EB1-337DF2D05EEF}" dt="2023-09-26T10:47:04.507" v="1383" actId="20577"/>
+      <pc:sldChg chg="modSp add del mod">
+        <pc:chgData name="kheang ly" userId="0b0eb30075b8a81a" providerId="LiveId" clId="{0F61687B-2F3F-47F8-8EB1-337DF2D05EEF}" dt="2023-09-26T11:12:23.785" v="1488" actId="47"/>
         <pc:sldMkLst>
           <pc:docMk/>
           <pc:sldMk cId="3238177855" sldId="264"/>
@@ -340,13 +353,13 @@
         </pc:spChg>
       </pc:sldChg>
       <pc:sldChg chg="modSp add mod">
-        <pc:chgData name="kheang ly" userId="0b0eb30075b8a81a" providerId="LiveId" clId="{0F61687B-2F3F-47F8-8EB1-337DF2D05EEF}" dt="2023-09-26T10:48:13.028" v="1418" actId="20577"/>
+        <pc:chgData name="kheang ly" userId="0b0eb30075b8a81a" providerId="LiveId" clId="{0F61687B-2F3F-47F8-8EB1-337DF2D05EEF}" dt="2023-09-26T11:38:48.661" v="2045" actId="14100"/>
         <pc:sldMkLst>
           <pc:docMk/>
           <pc:sldMk cId="471552697" sldId="265"/>
         </pc:sldMkLst>
         <pc:spChg chg="mod">
-          <ac:chgData name="kheang ly" userId="0b0eb30075b8a81a" providerId="LiveId" clId="{0F61687B-2F3F-47F8-8EB1-337DF2D05EEF}" dt="2023-09-26T10:48:13.028" v="1418" actId="20577"/>
+          <ac:chgData name="kheang ly" userId="0b0eb30075b8a81a" providerId="LiveId" clId="{0F61687B-2F3F-47F8-8EB1-337DF2D05EEF}" dt="2023-09-26T11:38:48.661" v="2045" actId="14100"/>
           <ac:spMkLst>
             <pc:docMk/>
             <pc:sldMk cId="471552697" sldId="265"/>
@@ -355,19 +368,27 @@
         </pc:spChg>
       </pc:sldChg>
       <pc:sldChg chg="modSp add mod">
-        <pc:chgData name="kheang ly" userId="0b0eb30075b8a81a" providerId="LiveId" clId="{0F61687B-2F3F-47F8-8EB1-337DF2D05EEF}" dt="2023-09-26T10:49:06.572" v="1455" actId="20577"/>
+        <pc:chgData name="kheang ly" userId="0b0eb30075b8a81a" providerId="LiveId" clId="{0F61687B-2F3F-47F8-8EB1-337DF2D05EEF}" dt="2023-09-26T11:56:41.866" v="2423" actId="20577"/>
         <pc:sldMkLst>
           <pc:docMk/>
           <pc:sldMk cId="889913845" sldId="266"/>
         </pc:sldMkLst>
         <pc:spChg chg="mod">
-          <ac:chgData name="kheang ly" userId="0b0eb30075b8a81a" providerId="LiveId" clId="{0F61687B-2F3F-47F8-8EB1-337DF2D05EEF}" dt="2023-09-26T10:49:06.572" v="1455" actId="20577"/>
+          <ac:chgData name="kheang ly" userId="0b0eb30075b8a81a" providerId="LiveId" clId="{0F61687B-2F3F-47F8-8EB1-337DF2D05EEF}" dt="2023-09-26T11:56:41.866" v="2423" actId="20577"/>
           <ac:spMkLst>
             <pc:docMk/>
             <pc:sldMk cId="889913845" sldId="266"/>
             <ac:spMk id="2" creationId="{5366957A-F718-3CBF-05E0-59417ACEB6A8}"/>
           </ac:spMkLst>
         </pc:spChg>
+        <pc:picChg chg="mod">
+          <ac:chgData name="kheang ly" userId="0b0eb30075b8a81a" providerId="LiveId" clId="{0F61687B-2F3F-47F8-8EB1-337DF2D05EEF}" dt="2023-09-26T11:47:10.148" v="2269" actId="1076"/>
+          <ac:picMkLst>
+            <pc:docMk/>
+            <pc:sldMk cId="889913845" sldId="266"/>
+            <ac:picMk id="7" creationId="{26F87EE6-249B-FFEB-B903-3F54D0D4EA22}"/>
+          </ac:picMkLst>
+        </pc:picChg>
       </pc:sldChg>
       <pc:sldChg chg="modSp add mod">
         <pc:chgData name="kheang ly" userId="0b0eb30075b8a81a" providerId="LiveId" clId="{0F61687B-2F3F-47F8-8EB1-337DF2D05EEF}" dt="2023-09-26T10:49:57.108" v="1474" actId="20577"/>
@@ -383,6 +404,174 @@
             <ac:spMk id="2" creationId="{5366957A-F718-3CBF-05E0-59417ACEB6A8}"/>
           </ac:spMkLst>
         </pc:spChg>
+      </pc:sldChg>
+      <pc:sldChg chg="modSp add mod">
+        <pc:chgData name="kheang ly" userId="0b0eb30075b8a81a" providerId="LiveId" clId="{0F61687B-2F3F-47F8-8EB1-337DF2D05EEF}" dt="2023-09-26T11:11:55.220" v="1486" actId="20577"/>
+        <pc:sldMkLst>
+          <pc:docMk/>
+          <pc:sldMk cId="2317476096" sldId="268"/>
+        </pc:sldMkLst>
+        <pc:spChg chg="mod">
+          <ac:chgData name="kheang ly" userId="0b0eb30075b8a81a" providerId="LiveId" clId="{0F61687B-2F3F-47F8-8EB1-337DF2D05EEF}" dt="2023-09-26T11:11:55.220" v="1486" actId="20577"/>
+          <ac:spMkLst>
+            <pc:docMk/>
+            <pc:sldMk cId="2317476096" sldId="268"/>
+            <ac:spMk id="2" creationId="{5366957A-F718-3CBF-05E0-59417ACEB6A8}"/>
+          </ac:spMkLst>
+        </pc:spChg>
+      </pc:sldChg>
+      <pc:sldChg chg="modSp add mod">
+        <pc:chgData name="kheang ly" userId="0b0eb30075b8a81a" providerId="LiveId" clId="{0F61687B-2F3F-47F8-8EB1-337DF2D05EEF}" dt="2023-09-26T11:13:01.462" v="1515" actId="20577"/>
+        <pc:sldMkLst>
+          <pc:docMk/>
+          <pc:sldMk cId="3649901522" sldId="269"/>
+        </pc:sldMkLst>
+        <pc:spChg chg="mod">
+          <ac:chgData name="kheang ly" userId="0b0eb30075b8a81a" providerId="LiveId" clId="{0F61687B-2F3F-47F8-8EB1-337DF2D05EEF}" dt="2023-09-26T11:13:01.462" v="1515" actId="20577"/>
+          <ac:spMkLst>
+            <pc:docMk/>
+            <pc:sldMk cId="3649901522" sldId="269"/>
+            <ac:spMk id="2" creationId="{5366957A-F718-3CBF-05E0-59417ACEB6A8}"/>
+          </ac:spMkLst>
+        </pc:spChg>
+      </pc:sldChg>
+      <pc:sldChg chg="modSp add mod">
+        <pc:chgData name="kheang ly" userId="0b0eb30075b8a81a" providerId="LiveId" clId="{0F61687B-2F3F-47F8-8EB1-337DF2D05EEF}" dt="2023-09-26T11:13:31.467" v="1535" actId="20577"/>
+        <pc:sldMkLst>
+          <pc:docMk/>
+          <pc:sldMk cId="4004303302" sldId="270"/>
+        </pc:sldMkLst>
+        <pc:spChg chg="mod">
+          <ac:chgData name="kheang ly" userId="0b0eb30075b8a81a" providerId="LiveId" clId="{0F61687B-2F3F-47F8-8EB1-337DF2D05EEF}" dt="2023-09-26T11:13:31.467" v="1535" actId="20577"/>
+          <ac:spMkLst>
+            <pc:docMk/>
+            <pc:sldMk cId="4004303302" sldId="270"/>
+            <ac:spMk id="2" creationId="{5366957A-F718-3CBF-05E0-59417ACEB6A8}"/>
+          </ac:spMkLst>
+        </pc:spChg>
+      </pc:sldChg>
+      <pc:sldChg chg="modSp add mod">
+        <pc:chgData name="kheang ly" userId="0b0eb30075b8a81a" providerId="LiveId" clId="{0F61687B-2F3F-47F8-8EB1-337DF2D05EEF}" dt="2023-09-26T11:13:58.343" v="1546" actId="20577"/>
+        <pc:sldMkLst>
+          <pc:docMk/>
+          <pc:sldMk cId="3282565304" sldId="271"/>
+        </pc:sldMkLst>
+        <pc:spChg chg="mod">
+          <ac:chgData name="kheang ly" userId="0b0eb30075b8a81a" providerId="LiveId" clId="{0F61687B-2F3F-47F8-8EB1-337DF2D05EEF}" dt="2023-09-26T11:13:58.343" v="1546" actId="20577"/>
+          <ac:spMkLst>
+            <pc:docMk/>
+            <pc:sldMk cId="3282565304" sldId="271"/>
+            <ac:spMk id="2" creationId="{5366957A-F718-3CBF-05E0-59417ACEB6A8}"/>
+          </ac:spMkLst>
+        </pc:spChg>
+      </pc:sldChg>
+      <pc:sldChg chg="add">
+        <pc:chgData name="kheang ly" userId="0b0eb30075b8a81a" providerId="LiveId" clId="{0F61687B-2F3F-47F8-8EB1-337DF2D05EEF}" dt="2023-09-26T11:14:13.697" v="1547"/>
+        <pc:sldMkLst>
+          <pc:docMk/>
+          <pc:sldMk cId="3260709261" sldId="272"/>
+        </pc:sldMkLst>
+      </pc:sldChg>
+      <pc:sldChg chg="add del">
+        <pc:chgData name="kheang ly" userId="0b0eb30075b8a81a" providerId="LiveId" clId="{0F61687B-2F3F-47F8-8EB1-337DF2D05EEF}" dt="2023-09-26T11:34:57.691" v="1947" actId="47"/>
+        <pc:sldMkLst>
+          <pc:docMk/>
+          <pc:sldMk cId="767044810" sldId="273"/>
+        </pc:sldMkLst>
+      </pc:sldChg>
+      <pc:sldChg chg="add">
+        <pc:chgData name="kheang ly" userId="0b0eb30075b8a81a" providerId="LiveId" clId="{0F61687B-2F3F-47F8-8EB1-337DF2D05EEF}" dt="2023-09-26T11:14:21.627" v="1549"/>
+        <pc:sldMkLst>
+          <pc:docMk/>
+          <pc:sldMk cId="3756399535" sldId="274"/>
+        </pc:sldMkLst>
+      </pc:sldChg>
+      <pc:sldChg chg="add">
+        <pc:chgData name="kheang ly" userId="0b0eb30075b8a81a" providerId="LiveId" clId="{0F61687B-2F3F-47F8-8EB1-337DF2D05EEF}" dt="2023-09-26T11:14:25.986" v="1550"/>
+        <pc:sldMkLst>
+          <pc:docMk/>
+          <pc:sldMk cId="1420779334" sldId="275"/>
+        </pc:sldMkLst>
+      </pc:sldChg>
+      <pc:sldChg chg="add">
+        <pc:chgData name="kheang ly" userId="0b0eb30075b8a81a" providerId="LiveId" clId="{0F61687B-2F3F-47F8-8EB1-337DF2D05EEF}" dt="2023-09-26T11:14:29.197" v="1551"/>
+        <pc:sldMkLst>
+          <pc:docMk/>
+          <pc:sldMk cId="74297977" sldId="276"/>
+        </pc:sldMkLst>
+      </pc:sldChg>
+      <pc:sldChg chg="add">
+        <pc:chgData name="kheang ly" userId="0b0eb30075b8a81a" providerId="LiveId" clId="{0F61687B-2F3F-47F8-8EB1-337DF2D05EEF}" dt="2023-09-26T11:14:32.880" v="1552"/>
+        <pc:sldMkLst>
+          <pc:docMk/>
+          <pc:sldMk cId="1552306814" sldId="277"/>
+        </pc:sldMkLst>
+      </pc:sldChg>
+      <pc:sldChg chg="add">
+        <pc:chgData name="kheang ly" userId="0b0eb30075b8a81a" providerId="LiveId" clId="{0F61687B-2F3F-47F8-8EB1-337DF2D05EEF}" dt="2023-09-26T11:14:36.269" v="1553"/>
+        <pc:sldMkLst>
+          <pc:docMk/>
+          <pc:sldMk cId="1301531918" sldId="278"/>
+        </pc:sldMkLst>
+      </pc:sldChg>
+      <pc:sldChg chg="add">
+        <pc:chgData name="kheang ly" userId="0b0eb30075b8a81a" providerId="LiveId" clId="{0F61687B-2F3F-47F8-8EB1-337DF2D05EEF}" dt="2023-09-26T11:14:40.171" v="1554"/>
+        <pc:sldMkLst>
+          <pc:docMk/>
+          <pc:sldMk cId="3784241961" sldId="279"/>
+        </pc:sldMkLst>
+      </pc:sldChg>
+      <pc:sldChg chg="add">
+        <pc:chgData name="kheang ly" userId="0b0eb30075b8a81a" providerId="LiveId" clId="{0F61687B-2F3F-47F8-8EB1-337DF2D05EEF}" dt="2023-09-26T11:14:43.654" v="1555"/>
+        <pc:sldMkLst>
+          <pc:docMk/>
+          <pc:sldMk cId="1379005150" sldId="280"/>
+        </pc:sldMkLst>
+      </pc:sldChg>
+      <pc:sldChg chg="delSp modSp add mod">
+        <pc:chgData name="kheang ly" userId="0b0eb30075b8a81a" providerId="LiveId" clId="{0F61687B-2F3F-47F8-8EB1-337DF2D05EEF}" dt="2023-09-26T11:31:58.387" v="1737" actId="1076"/>
+        <pc:sldMkLst>
+          <pc:docMk/>
+          <pc:sldMk cId="2553412290" sldId="281"/>
+        </pc:sldMkLst>
+        <pc:spChg chg="mod">
+          <ac:chgData name="kheang ly" userId="0b0eb30075b8a81a" providerId="LiveId" clId="{0F61687B-2F3F-47F8-8EB1-337DF2D05EEF}" dt="2023-09-26T11:31:58.387" v="1737" actId="1076"/>
+          <ac:spMkLst>
+            <pc:docMk/>
+            <pc:sldMk cId="2553412290" sldId="281"/>
+            <ac:spMk id="2" creationId="{5366957A-F718-3CBF-05E0-59417ACEB6A8}"/>
+          </ac:spMkLst>
+        </pc:spChg>
+        <pc:picChg chg="del">
+          <ac:chgData name="kheang ly" userId="0b0eb30075b8a81a" providerId="LiveId" clId="{0F61687B-2F3F-47F8-8EB1-337DF2D05EEF}" dt="2023-09-26T11:31:13.170" v="1727" actId="478"/>
+          <ac:picMkLst>
+            <pc:docMk/>
+            <pc:sldMk cId="2553412290" sldId="281"/>
+            <ac:picMk id="7" creationId="{26F87EE6-249B-FFEB-B903-3F54D0D4EA22}"/>
+          </ac:picMkLst>
+        </pc:picChg>
+      </pc:sldChg>
+      <pc:sldChg chg="modSp add mod">
+        <pc:chgData name="kheang ly" userId="0b0eb30075b8a81a" providerId="LiveId" clId="{0F61687B-2F3F-47F8-8EB1-337DF2D05EEF}" dt="2023-09-26T12:00:22.167" v="2643" actId="403"/>
+        <pc:sldMkLst>
+          <pc:docMk/>
+          <pc:sldMk cId="830625319" sldId="282"/>
+        </pc:sldMkLst>
+        <pc:graphicFrameChg chg="mod modGraphic">
+          <ac:chgData name="kheang ly" userId="0b0eb30075b8a81a" providerId="LiveId" clId="{0F61687B-2F3F-47F8-8EB1-337DF2D05EEF}" dt="2023-09-26T12:00:22.167" v="2643" actId="403"/>
+          <ac:graphicFrameMkLst>
+            <pc:docMk/>
+            <pc:sldMk cId="830625319" sldId="282"/>
+            <ac:graphicFrameMk id="3" creationId="{6009125B-93AA-2778-179C-2ECB8BE2C7D3}"/>
+          </ac:graphicFrameMkLst>
+        </pc:graphicFrameChg>
+      </pc:sldChg>
+      <pc:sldChg chg="add del">
+        <pc:chgData name="kheang ly" userId="0b0eb30075b8a81a" providerId="LiveId" clId="{0F61687B-2F3F-47F8-8EB1-337DF2D05EEF}" dt="2023-09-26T11:30:34.784" v="1724"/>
+        <pc:sldMkLst>
+          <pc:docMk/>
+          <pc:sldMk cId="1950471989" sldId="282"/>
+        </pc:sldMkLst>
       </pc:sldChg>
     </pc:docChg>
   </pc:docChgLst>
@@ -3846,7 +4035,7 @@
         </p:blipFill>
         <p:spPr bwMode="auto">
           <a:xfrm>
-            <a:off x="723185" y="1769769"/>
+            <a:off x="1115070" y="1664302"/>
             <a:ext cx="3318461" cy="3318461"/>
           </a:xfrm>
           <a:prstGeom prst="rect">
@@ -3878,8 +4067,8 @@
         </p:nvSpPr>
         <p:spPr>
           <a:xfrm>
-            <a:off x="3957799" y="1769769"/>
-            <a:ext cx="7892079" cy="1508105"/>
+            <a:off x="5340221" y="2321004"/>
+            <a:ext cx="5557935" cy="2215991"/>
           </a:xfrm>
           <a:prstGeom prst="rect">
             <a:avLst/>
@@ -3894,54 +4083,19 @@
           <a:p>
             <a:pPr algn="ctr"/>
             <a:r>
-              <a:rPr lang="km-KH" sz="4800" b="1" dirty="0">
+              <a:rPr lang="en-US" sz="13800" b="1" dirty="0">
                 <a:latin typeface="Khmer OS Siemreap" panose="02000500000000020004" pitchFamily="2" charset="0"/>
                 <a:cs typeface="Khmer OS Siemreap" panose="02000500000000020004" pitchFamily="2" charset="0"/>
               </a:rPr>
-              <a:t>តើ</a:t>
-            </a:r>
-            <a:r>
-              <a:rPr lang="km-KH" sz="4400" b="1" dirty="0">
-                <a:latin typeface="Khmer OS Siemreap" panose="02000500000000020004" pitchFamily="2" charset="0"/>
-                <a:cs typeface="Khmer OS Siemreap" panose="02000500000000020004" pitchFamily="2" charset="0"/>
-              </a:rPr>
-              <a:t>អ្វីជា </a:t>
-            </a:r>
-            <a:r>
-              <a:rPr lang="en-US" sz="4400" b="1" dirty="0">
-                <a:latin typeface="Khmer OS Siemreap" panose="02000500000000020004" pitchFamily="2" charset="0"/>
-                <a:cs typeface="Khmer OS Siemreap" panose="02000500000000020004" pitchFamily="2" charset="0"/>
-              </a:rPr>
-              <a:t>Paragraph </a:t>
-            </a:r>
-            <a:r>
-              <a:rPr lang="km-KH" sz="4400" b="1" dirty="0">
-                <a:latin typeface="Khmer OS Siemreap" panose="02000500000000020004" pitchFamily="2" charset="0"/>
-                <a:cs typeface="Khmer OS Siemreap" panose="02000500000000020004" pitchFamily="2" charset="0"/>
-              </a:rPr>
-              <a:t>ក្នុង</a:t>
-            </a:r>
-            <a:r>
-              <a:rPr lang="en-US" sz="4400" b="1" dirty="0">
-                <a:latin typeface="Khmer OS Siemreap" panose="02000500000000020004" pitchFamily="2" charset="0"/>
-                <a:cs typeface="Khmer OS Siemreap" panose="02000500000000020004" pitchFamily="2" charset="0"/>
-              </a:rPr>
-              <a:t> HTML?</a:t>
-            </a:r>
-          </a:p>
-          <a:p>
-            <a:pPr algn="ctr"/>
-            <a:endParaRPr lang="km-KH" sz="4400" b="1" dirty="0">
-              <a:latin typeface="Khmer OS Siemreap" panose="02000500000000020004" pitchFamily="2" charset="0"/>
-              <a:cs typeface="Khmer OS Siemreap" panose="02000500000000020004" pitchFamily="2" charset="0"/>
-            </a:endParaRPr>
+              <a:t>Demo</a:t>
+            </a:r>
           </a:p>
         </p:txBody>
       </p:sp>
     </p:spTree>
     <p:extLst>
       <p:ext uri="{BB962C8B-B14F-4D97-AF65-F5344CB8AC3E}">
-        <p14:creationId xmlns:p14="http://schemas.microsoft.com/office/powerpoint/2010/main" val="471552697"/>
+        <p14:creationId xmlns:p14="http://schemas.microsoft.com/office/powerpoint/2010/main" val="3260709261"/>
       </p:ext>
     </p:extLst>
   </p:cSld>
@@ -4030,7 +4184,7 @@
         <p:spPr>
           <a:xfrm>
             <a:off x="3957799" y="1769769"/>
-            <a:ext cx="7892079" cy="2185214"/>
+            <a:ext cx="8116013" cy="3539430"/>
           </a:xfrm>
           <a:prstGeom prst="rect">
             <a:avLst/>
@@ -4063,7 +4217,7 @@
                 <a:latin typeface="Khmer OS Siemreap" panose="02000500000000020004" pitchFamily="2" charset="0"/>
                 <a:cs typeface="Khmer OS Siemreap" panose="02000500000000020004" pitchFamily="2" charset="0"/>
               </a:rPr>
-              <a:t>Text formatting </a:t>
+              <a:t>Paragraphs </a:t>
             </a:r>
             <a:r>
               <a:rPr lang="km-KH" sz="4400" b="1" dirty="0">
@@ -4079,6 +4233,62 @@
               </a:rPr>
               <a:t> HTML?</a:t>
             </a:r>
+          </a:p>
+          <a:p>
+            <a:pPr algn="ctr"/>
+            <a:endParaRPr lang="en-US" sz="4400" b="1" dirty="0">
+              <a:latin typeface="Khmer OS Siemreap" panose="02000500000000020004" pitchFamily="2" charset="0"/>
+              <a:cs typeface="Khmer OS Siemreap" panose="02000500000000020004" pitchFamily="2" charset="0"/>
+            </a:endParaRPr>
+          </a:p>
+          <a:p>
+            <a:pPr algn="ctr"/>
+            <a:r>
+              <a:rPr lang="en-US" sz="4400" b="1" dirty="0">
+                <a:latin typeface="Khmer OS Siemreap" panose="02000500000000020004" pitchFamily="2" charset="0"/>
+                <a:cs typeface="Khmer OS Siemreap" panose="02000500000000020004" pitchFamily="2" charset="0"/>
+              </a:rPr>
+              <a:t>Paragraphs </a:t>
+            </a:r>
+            <a:r>
+              <a:rPr lang="km-KH" sz="4400" b="1" dirty="0">
+                <a:latin typeface="Khmer OS Siemreap" panose="02000500000000020004" pitchFamily="2" charset="0"/>
+                <a:cs typeface="Khmer OS Siemreap" panose="02000500000000020004" pitchFamily="2" charset="0"/>
+              </a:rPr>
+              <a:t>គឺជា</a:t>
+            </a:r>
+            <a:r>
+              <a:rPr lang="en-US" sz="4400" b="1" dirty="0">
+                <a:latin typeface="Khmer OS Siemreap" panose="02000500000000020004" pitchFamily="2" charset="0"/>
+                <a:cs typeface="Khmer OS Siemreap" panose="02000500000000020004" pitchFamily="2" charset="0"/>
+              </a:rPr>
+              <a:t> element</a:t>
+            </a:r>
+            <a:r>
+              <a:rPr lang="km-KH" sz="4400" b="1" dirty="0">
+                <a:latin typeface="Khmer OS Siemreap" panose="02000500000000020004" pitchFamily="2" charset="0"/>
+                <a:cs typeface="Khmer OS Siemreap" panose="02000500000000020004" pitchFamily="2" charset="0"/>
+              </a:rPr>
+              <a:t> មួយ</a:t>
+            </a:r>
+            <a:r>
+              <a:rPr lang="en-US" sz="4400" b="1" dirty="0">
+                <a:latin typeface="Khmer OS Siemreap" panose="02000500000000020004" pitchFamily="2" charset="0"/>
+                <a:cs typeface="Khmer OS Siemreap" panose="02000500000000020004" pitchFamily="2" charset="0"/>
+              </a:rPr>
+              <a:t> </a:t>
+            </a:r>
+            <a:r>
+              <a:rPr lang="km-KH" sz="4400" b="1" dirty="0">
+                <a:latin typeface="Khmer OS Siemreap" panose="02000500000000020004" pitchFamily="2" charset="0"/>
+                <a:cs typeface="Khmer OS Siemreap" panose="02000500000000020004" pitchFamily="2" charset="0"/>
+              </a:rPr>
+              <a:t>សម្រាប់សសេរអត្ថបទក្នុង វេបសាយ។</a:t>
+            </a:r>
+            <a:endParaRPr lang="en-US" sz="4400" b="1" dirty="0">
+              <a:latin typeface="Khmer OS Siemreap" panose="02000500000000020004" pitchFamily="2" charset="0"/>
+              <a:cs typeface="Khmer OS Siemreap" panose="02000500000000020004" pitchFamily="2" charset="0"/>
+            </a:endParaRPr>
           </a:p>
           <a:p>
             <a:pPr algn="ctr"/>
@@ -4092,7 +4302,7 @@
     </p:spTree>
     <p:extLst>
       <p:ext uri="{BB962C8B-B14F-4D97-AF65-F5344CB8AC3E}">
-        <p14:creationId xmlns:p14="http://schemas.microsoft.com/office/powerpoint/2010/main" val="889913845"/>
+        <p14:creationId xmlns:p14="http://schemas.microsoft.com/office/powerpoint/2010/main" val="471552697"/>
       </p:ext>
     </p:extLst>
   </p:cSld>
@@ -4148,6 +4358,2117 @@
         </p:blipFill>
         <p:spPr bwMode="auto">
           <a:xfrm>
+            <a:off x="1115070" y="1664302"/>
+            <a:ext cx="3318461" cy="3318461"/>
+          </a:xfrm>
+          <a:prstGeom prst="rect">
+            <a:avLst/>
+          </a:prstGeom>
+          <a:noFill/>
+          <a:extLst>
+            <a:ext uri="{909E8E84-426E-40DD-AFC4-6F175D3DCCD1}">
+              <a14:hiddenFill xmlns:a14="http://schemas.microsoft.com/office/drawing/2010/main">
+                <a:solidFill>
+                  <a:srgbClr val="FFFFFF"/>
+                </a:solidFill>
+              </a14:hiddenFill>
+            </a:ext>
+          </a:extLst>
+        </p:spPr>
+      </p:pic>
+      <p:sp>
+        <p:nvSpPr>
+          <p:cNvPr id="2" name="TextBox 1">
+            <a:extLst>
+              <a:ext uri="{FF2B5EF4-FFF2-40B4-BE49-F238E27FC236}">
+                <a16:creationId xmlns:a16="http://schemas.microsoft.com/office/drawing/2014/main" id="{5366957A-F718-3CBF-05E0-59417ACEB6A8}"/>
+              </a:ext>
+            </a:extLst>
+          </p:cNvPr>
+          <p:cNvSpPr txBox="1"/>
+          <p:nvPr/>
+        </p:nvSpPr>
+        <p:spPr>
+          <a:xfrm>
+            <a:off x="5340221" y="2321004"/>
+            <a:ext cx="5557935" cy="2215991"/>
+          </a:xfrm>
+          <a:prstGeom prst="rect">
+            <a:avLst/>
+          </a:prstGeom>
+          <a:noFill/>
+        </p:spPr>
+        <p:txBody>
+          <a:bodyPr wrap="square" rtlCol="0">
+            <a:spAutoFit/>
+          </a:bodyPr>
+          <a:lstStyle/>
+          <a:p>
+            <a:pPr algn="ctr"/>
+            <a:r>
+              <a:rPr lang="en-US" sz="13800" b="1" dirty="0">
+                <a:latin typeface="Khmer OS Siemreap" panose="02000500000000020004" pitchFamily="2" charset="0"/>
+                <a:cs typeface="Khmer OS Siemreap" panose="02000500000000020004" pitchFamily="2" charset="0"/>
+              </a:rPr>
+              <a:t>Demo</a:t>
+            </a:r>
+          </a:p>
+        </p:txBody>
+      </p:sp>
+    </p:spTree>
+    <p:extLst>
+      <p:ext uri="{BB962C8B-B14F-4D97-AF65-F5344CB8AC3E}">
+        <p14:creationId xmlns:p14="http://schemas.microsoft.com/office/powerpoint/2010/main" val="3756399535"/>
+      </p:ext>
+    </p:extLst>
+  </p:cSld>
+  <p:clrMapOvr>
+    <a:masterClrMapping/>
+  </p:clrMapOvr>
+</p:sld>
+</file>
+
+<file path=ppt/slides/slide13.xml><?xml version="1.0" encoding="utf-8"?>
+<p:sld xmlns:a="http://schemas.openxmlformats.org/drawingml/2006/main" xmlns:r="http://schemas.openxmlformats.org/officeDocument/2006/relationships" xmlns:p="http://schemas.openxmlformats.org/presentationml/2006/main">
+  <p:cSld>
+    <p:spTree>
+      <p:nvGrpSpPr>
+        <p:cNvPr id="1" name=""/>
+        <p:cNvGrpSpPr/>
+        <p:nvPr/>
+      </p:nvGrpSpPr>
+      <p:grpSpPr>
+        <a:xfrm>
+          <a:off x="0" y="0"/>
+          <a:ext cx="0" cy="0"/>
+          <a:chOff x="0" y="0"/>
+          <a:chExt cx="0" cy="0"/>
+        </a:xfrm>
+      </p:grpSpPr>
+      <p:pic>
+        <p:nvPicPr>
+          <p:cNvPr id="7" name="Picture 8" descr="Html 5 Detailed Flat Circular Flat icon">
+            <a:extLst>
+              <a:ext uri="{FF2B5EF4-FFF2-40B4-BE49-F238E27FC236}">
+                <a16:creationId xmlns:a16="http://schemas.microsoft.com/office/drawing/2014/main" id="{26F87EE6-249B-FFEB-B903-3F54D0D4EA22}"/>
+              </a:ext>
+            </a:extLst>
+          </p:cNvPr>
+          <p:cNvPicPr>
+            <a:picLocks noChangeAspect="1" noChangeArrowheads="1"/>
+          </p:cNvPicPr>
+          <p:nvPr/>
+        </p:nvPicPr>
+        <p:blipFill>
+          <a:blip r:embed="rId2">
+            <a:extLst>
+              <a:ext uri="{28A0092B-C50C-407E-A947-70E740481C1C}">
+                <a14:useLocalDpi xmlns:a14="http://schemas.microsoft.com/office/drawing/2010/main" val="0"/>
+              </a:ext>
+            </a:extLst>
+          </a:blip>
+          <a:srcRect/>
+          <a:stretch>
+            <a:fillRect/>
+          </a:stretch>
+        </p:blipFill>
+        <p:spPr bwMode="auto">
+          <a:xfrm>
+            <a:off x="377952" y="1835083"/>
+            <a:ext cx="3318461" cy="3318461"/>
+          </a:xfrm>
+          <a:prstGeom prst="rect">
+            <a:avLst/>
+          </a:prstGeom>
+          <a:noFill/>
+          <a:extLst>
+            <a:ext uri="{909E8E84-426E-40DD-AFC4-6F175D3DCCD1}">
+              <a14:hiddenFill xmlns:a14="http://schemas.microsoft.com/office/drawing/2010/main">
+                <a:solidFill>
+                  <a:srgbClr val="FFFFFF"/>
+                </a:solidFill>
+              </a14:hiddenFill>
+            </a:ext>
+          </a:extLst>
+        </p:spPr>
+      </p:pic>
+      <p:sp>
+        <p:nvSpPr>
+          <p:cNvPr id="2" name="TextBox 1">
+            <a:extLst>
+              <a:ext uri="{FF2B5EF4-FFF2-40B4-BE49-F238E27FC236}">
+                <a16:creationId xmlns:a16="http://schemas.microsoft.com/office/drawing/2014/main" id="{5366957A-F718-3CBF-05E0-59417ACEB6A8}"/>
+              </a:ext>
+            </a:extLst>
+          </p:cNvPr>
+          <p:cNvSpPr txBox="1"/>
+          <p:nvPr/>
+        </p:nvSpPr>
+        <p:spPr>
+          <a:xfrm>
+            <a:off x="3797560" y="889843"/>
+            <a:ext cx="8193770" cy="5078313"/>
+          </a:xfrm>
+          <a:prstGeom prst="rect">
+            <a:avLst/>
+          </a:prstGeom>
+          <a:noFill/>
+        </p:spPr>
+        <p:txBody>
+          <a:bodyPr wrap="square" rtlCol="0">
+            <a:spAutoFit/>
+          </a:bodyPr>
+          <a:lstStyle/>
+          <a:p>
+            <a:pPr algn="ctr"/>
+            <a:r>
+              <a:rPr lang="km-KH" sz="4800" b="1" dirty="0">
+                <a:latin typeface="Khmer OS Siemreap" panose="02000500000000020004" pitchFamily="2" charset="0"/>
+                <a:cs typeface="Khmer OS Siemreap" panose="02000500000000020004" pitchFamily="2" charset="0"/>
+              </a:rPr>
+              <a:t>តើ</a:t>
+            </a:r>
+            <a:r>
+              <a:rPr lang="km-KH" sz="4400" b="1" dirty="0">
+                <a:latin typeface="Khmer OS Siemreap" panose="02000500000000020004" pitchFamily="2" charset="0"/>
+                <a:cs typeface="Khmer OS Siemreap" panose="02000500000000020004" pitchFamily="2" charset="0"/>
+              </a:rPr>
+              <a:t>អ្វីជា </a:t>
+            </a:r>
+            <a:r>
+              <a:rPr lang="en-US" sz="4400" b="1" dirty="0">
+                <a:latin typeface="Khmer OS Siemreap" panose="02000500000000020004" pitchFamily="2" charset="0"/>
+                <a:cs typeface="Khmer OS Siemreap" panose="02000500000000020004" pitchFamily="2" charset="0"/>
+              </a:rPr>
+              <a:t>Text formatting </a:t>
+            </a:r>
+            <a:r>
+              <a:rPr lang="km-KH" sz="4400" b="1" dirty="0">
+                <a:latin typeface="Khmer OS Siemreap" panose="02000500000000020004" pitchFamily="2" charset="0"/>
+                <a:cs typeface="Khmer OS Siemreap" panose="02000500000000020004" pitchFamily="2" charset="0"/>
+              </a:rPr>
+              <a:t>ក្នុង</a:t>
+            </a:r>
+            <a:r>
+              <a:rPr lang="en-US" sz="4400" b="1" dirty="0">
+                <a:latin typeface="Khmer OS Siemreap" panose="02000500000000020004" pitchFamily="2" charset="0"/>
+                <a:cs typeface="Khmer OS Siemreap" panose="02000500000000020004" pitchFamily="2" charset="0"/>
+              </a:rPr>
+              <a:t> HTML?</a:t>
+            </a:r>
+          </a:p>
+          <a:p>
+            <a:pPr algn="ctr"/>
+            <a:endParaRPr lang="en-US" sz="4400" b="1" dirty="0">
+              <a:latin typeface="Khmer OS Siemreap" panose="02000500000000020004" pitchFamily="2" charset="0"/>
+              <a:cs typeface="Khmer OS Siemreap" panose="02000500000000020004" pitchFamily="2" charset="0"/>
+            </a:endParaRPr>
+          </a:p>
+          <a:p>
+            <a:pPr algn="ctr">
+              <a:lnSpc>
+                <a:spcPct val="150000"/>
+              </a:lnSpc>
+            </a:pPr>
+            <a:r>
+              <a:rPr lang="en-US" sz="3200" b="1" dirty="0">
+                <a:latin typeface="Khmer OS Siemreap" panose="02000500000000020004" pitchFamily="2" charset="0"/>
+                <a:cs typeface="Khmer OS Siemreap" panose="02000500000000020004" pitchFamily="2" charset="0"/>
+              </a:rPr>
+              <a:t>Text formatting </a:t>
+            </a:r>
+            <a:r>
+              <a:rPr lang="km-KH" sz="3200" b="1" dirty="0">
+                <a:latin typeface="Khmer OS Siemreap" panose="02000500000000020004" pitchFamily="2" charset="0"/>
+                <a:cs typeface="Khmer OS Siemreap" panose="02000500000000020004" pitchFamily="2" charset="0"/>
+              </a:rPr>
+              <a:t>គឺជាប្រភេទលក្ខណៈអក្សរផ្សេងនៅក្នុង </a:t>
+            </a:r>
+            <a:r>
+              <a:rPr lang="en-US" sz="3200" b="1" dirty="0">
+                <a:latin typeface="Khmer OS Siemreap" panose="02000500000000020004" pitchFamily="2" charset="0"/>
+                <a:cs typeface="Khmer OS Siemreap" panose="02000500000000020004" pitchFamily="2" charset="0"/>
+              </a:rPr>
+              <a:t>HTML</a:t>
+            </a:r>
+            <a:r>
+              <a:rPr lang="km-KH" sz="3200" b="1" dirty="0">
+                <a:latin typeface="Khmer OS Siemreap" panose="02000500000000020004" pitchFamily="2" charset="0"/>
+                <a:cs typeface="Khmer OS Siemreap" panose="02000500000000020004" pitchFamily="2" charset="0"/>
+              </a:rPr>
+              <a:t> ដូចជា អក្សរដិត (</a:t>
+            </a:r>
+            <a:r>
+              <a:rPr lang="en-US" sz="3200" b="1" dirty="0">
+                <a:latin typeface="Khmer OS Siemreap" panose="02000500000000020004" pitchFamily="2" charset="0"/>
+                <a:cs typeface="Khmer OS Siemreap" panose="02000500000000020004" pitchFamily="2" charset="0"/>
+              </a:rPr>
+              <a:t>Bold), </a:t>
+            </a:r>
+            <a:r>
+              <a:rPr lang="km-KH" sz="3200" b="1" dirty="0">
+                <a:latin typeface="Khmer OS Siemreap" panose="02000500000000020004" pitchFamily="2" charset="0"/>
+                <a:cs typeface="Khmer OS Siemreap" panose="02000500000000020004" pitchFamily="2" charset="0"/>
+              </a:rPr>
+              <a:t>អក្សរទ្រេត </a:t>
+            </a:r>
+            <a:r>
+              <a:rPr lang="en-US" sz="3200" b="1" dirty="0">
+                <a:latin typeface="Khmer OS Siemreap" panose="02000500000000020004" pitchFamily="2" charset="0"/>
+                <a:cs typeface="Khmer OS Siemreap" panose="02000500000000020004" pitchFamily="2" charset="0"/>
+              </a:rPr>
+              <a:t>(Italic),…</a:t>
+            </a:r>
+            <a:r>
+              <a:rPr lang="km-KH" sz="3200" b="1" dirty="0">
+                <a:latin typeface="Khmer OS Siemreap" panose="02000500000000020004" pitchFamily="2" charset="0"/>
+                <a:cs typeface="Khmer OS Siemreap" panose="02000500000000020004" pitchFamily="2" charset="0"/>
+              </a:rPr>
+              <a:t> </a:t>
+            </a:r>
+            <a:endParaRPr lang="en-US" sz="3200" b="1" dirty="0">
+              <a:latin typeface="Khmer OS Siemreap" panose="02000500000000020004" pitchFamily="2" charset="0"/>
+              <a:cs typeface="Khmer OS Siemreap" panose="02000500000000020004" pitchFamily="2" charset="0"/>
+            </a:endParaRPr>
+          </a:p>
+          <a:p>
+            <a:pPr algn="ctr"/>
+            <a:endParaRPr lang="km-KH" sz="4400" b="1" dirty="0">
+              <a:latin typeface="Khmer OS Siemreap" panose="02000500000000020004" pitchFamily="2" charset="0"/>
+              <a:cs typeface="Khmer OS Siemreap" panose="02000500000000020004" pitchFamily="2" charset="0"/>
+            </a:endParaRPr>
+          </a:p>
+        </p:txBody>
+      </p:sp>
+    </p:spTree>
+    <p:extLst>
+      <p:ext uri="{BB962C8B-B14F-4D97-AF65-F5344CB8AC3E}">
+        <p14:creationId xmlns:p14="http://schemas.microsoft.com/office/powerpoint/2010/main" val="889913845"/>
+      </p:ext>
+    </p:extLst>
+  </p:cSld>
+  <p:clrMapOvr>
+    <a:masterClrMapping/>
+  </p:clrMapOvr>
+</p:sld>
+</file>
+
+<file path=ppt/slides/slide14.xml><?xml version="1.0" encoding="utf-8"?>
+<p:sld xmlns:a="http://schemas.openxmlformats.org/drawingml/2006/main" xmlns:r="http://schemas.openxmlformats.org/officeDocument/2006/relationships" xmlns:p="http://schemas.openxmlformats.org/presentationml/2006/main">
+  <p:cSld>
+    <p:spTree>
+      <p:nvGrpSpPr>
+        <p:cNvPr id="1" name=""/>
+        <p:cNvGrpSpPr/>
+        <p:nvPr/>
+      </p:nvGrpSpPr>
+      <p:grpSpPr>
+        <a:xfrm>
+          <a:off x="0" y="0"/>
+          <a:ext cx="0" cy="0"/>
+          <a:chOff x="0" y="0"/>
+          <a:chExt cx="0" cy="0"/>
+        </a:xfrm>
+      </p:grpSpPr>
+      <p:graphicFrame>
+        <p:nvGraphicFramePr>
+          <p:cNvPr id="3" name="Table 3">
+            <a:extLst>
+              <a:ext uri="{FF2B5EF4-FFF2-40B4-BE49-F238E27FC236}">
+                <a16:creationId xmlns:a16="http://schemas.microsoft.com/office/drawing/2014/main" id="{6009125B-93AA-2778-179C-2ECB8BE2C7D3}"/>
+              </a:ext>
+            </a:extLst>
+          </p:cNvPr>
+          <p:cNvGraphicFramePr>
+            <a:graphicFrameLocks noGrp="1"/>
+          </p:cNvGraphicFramePr>
+          <p:nvPr>
+            <p:extLst>
+              <p:ext uri="{D42A27DB-BD31-4B8C-83A1-F6EECF244321}">
+                <p14:modId xmlns:p14="http://schemas.microsoft.com/office/powerpoint/2010/main" val="2788109467"/>
+              </p:ext>
+            </p:extLst>
+          </p:nvPr>
+        </p:nvGraphicFramePr>
+        <p:xfrm>
+          <a:off x="986081" y="191278"/>
+          <a:ext cx="10219838" cy="6475443"/>
+        </p:xfrm>
+        <a:graphic>
+          <a:graphicData uri="http://schemas.openxmlformats.org/drawingml/2006/table">
+            <a:tbl>
+              <a:tblPr firstRow="1" bandRow="1">
+                <a:tableStyleId>{5C22544A-7EE6-4342-B048-85BDC9FD1C3A}</a:tableStyleId>
+              </a:tblPr>
+              <a:tblGrid>
+                <a:gridCol w="4248392">
+                  <a:extLst>
+                    <a:ext uri="{9D8B030D-6E8A-4147-A177-3AD203B41FA5}">
+                      <a16:colId xmlns:a16="http://schemas.microsoft.com/office/drawing/2014/main" val="897240784"/>
+                    </a:ext>
+                  </a:extLst>
+                </a:gridCol>
+                <a:gridCol w="5971446">
+                  <a:extLst>
+                    <a:ext uri="{9D8B030D-6E8A-4147-A177-3AD203B41FA5}">
+                      <a16:colId xmlns:a16="http://schemas.microsoft.com/office/drawing/2014/main" val="3323774975"/>
+                    </a:ext>
+                  </a:extLst>
+                </a:gridCol>
+              </a:tblGrid>
+              <a:tr h="846283">
+                <a:tc>
+                  <a:txBody>
+                    <a:bodyPr/>
+                    <a:lstStyle/>
+                    <a:p>
+                      <a:pPr algn="ctr"/>
+                      <a:r>
+                        <a:rPr lang="en-US" sz="3200" dirty="0">
+                          <a:solidFill>
+                            <a:schemeClr val="tx1"/>
+                          </a:solidFill>
+                          <a:latin typeface="Khmer OS Battambang" panose="02000500000000020004" pitchFamily="2" charset="0"/>
+                          <a:cs typeface="Khmer OS Battambang" panose="02000500000000020004" pitchFamily="2" charset="0"/>
+                        </a:rPr>
+                        <a:t>Code</a:t>
+                      </a:r>
+                    </a:p>
+                  </a:txBody>
+                  <a:tcPr anchor="ctr">
+                    <a:lnL w="12700" cap="flat" cmpd="sng" algn="ctr">
+                      <a:solidFill>
+                        <a:schemeClr val="tx1"/>
+                      </a:solidFill>
+                      <a:prstDash val="solid"/>
+                      <a:round/>
+                      <a:headEnd type="none" w="med" len="med"/>
+                      <a:tailEnd type="none" w="med" len="med"/>
+                    </a:lnL>
+                    <a:lnR w="12700" cap="flat" cmpd="sng" algn="ctr">
+                      <a:solidFill>
+                        <a:schemeClr val="tx1"/>
+                      </a:solidFill>
+                      <a:prstDash val="solid"/>
+                      <a:round/>
+                      <a:headEnd type="none" w="med" len="med"/>
+                      <a:tailEnd type="none" w="med" len="med"/>
+                    </a:lnR>
+                    <a:lnT w="12700" cap="flat" cmpd="sng" algn="ctr">
+                      <a:solidFill>
+                        <a:schemeClr val="tx1"/>
+                      </a:solidFill>
+                      <a:prstDash val="solid"/>
+                      <a:round/>
+                      <a:headEnd type="none" w="med" len="med"/>
+                      <a:tailEnd type="none" w="med" len="med"/>
+                    </a:lnT>
+                    <a:lnB w="12700" cap="flat" cmpd="sng" algn="ctr">
+                      <a:solidFill>
+                        <a:schemeClr val="tx1"/>
+                      </a:solidFill>
+                      <a:prstDash val="solid"/>
+                      <a:round/>
+                      <a:headEnd type="none" w="med" len="med"/>
+                      <a:tailEnd type="none" w="med" len="med"/>
+                    </a:lnB>
+                    <a:solidFill>
+                      <a:schemeClr val="bg1">
+                        <a:lumMod val="75000"/>
+                      </a:schemeClr>
+                    </a:solidFill>
+                  </a:tcPr>
+                </a:tc>
+                <a:tc>
+                  <a:txBody>
+                    <a:bodyPr/>
+                    <a:lstStyle/>
+                    <a:p>
+                      <a:pPr algn="ctr"/>
+                      <a:r>
+                        <a:rPr lang="km-KH" sz="3200" dirty="0">
+                          <a:solidFill>
+                            <a:schemeClr val="tx1"/>
+                          </a:solidFill>
+                          <a:latin typeface="Khmer OS Battambang" panose="02000500000000020004" pitchFamily="2" charset="0"/>
+                          <a:cs typeface="Khmer OS Battambang" panose="02000500000000020004" pitchFamily="2" charset="0"/>
+                        </a:rPr>
+                        <a:t>តួនាទី</a:t>
+                      </a:r>
+                      <a:endParaRPr lang="en-US" sz="3200" dirty="0">
+                        <a:solidFill>
+                          <a:schemeClr val="tx1"/>
+                        </a:solidFill>
+                        <a:latin typeface="Khmer OS Battambang" panose="02000500000000020004" pitchFamily="2" charset="0"/>
+                        <a:cs typeface="Khmer OS Battambang" panose="02000500000000020004" pitchFamily="2" charset="0"/>
+                      </a:endParaRPr>
+                    </a:p>
+                  </a:txBody>
+                  <a:tcPr anchor="ctr">
+                    <a:lnL w="12700" cap="flat" cmpd="sng" algn="ctr">
+                      <a:solidFill>
+                        <a:schemeClr val="tx1"/>
+                      </a:solidFill>
+                      <a:prstDash val="solid"/>
+                      <a:round/>
+                      <a:headEnd type="none" w="med" len="med"/>
+                      <a:tailEnd type="none" w="med" len="med"/>
+                    </a:lnL>
+                    <a:lnR w="12700" cap="flat" cmpd="sng" algn="ctr">
+                      <a:solidFill>
+                        <a:schemeClr val="tx1"/>
+                      </a:solidFill>
+                      <a:prstDash val="solid"/>
+                      <a:round/>
+                      <a:headEnd type="none" w="med" len="med"/>
+                      <a:tailEnd type="none" w="med" len="med"/>
+                    </a:lnR>
+                    <a:lnT w="12700" cap="flat" cmpd="sng" algn="ctr">
+                      <a:solidFill>
+                        <a:schemeClr val="tx1"/>
+                      </a:solidFill>
+                      <a:prstDash val="solid"/>
+                      <a:round/>
+                      <a:headEnd type="none" w="med" len="med"/>
+                      <a:tailEnd type="none" w="med" len="med"/>
+                    </a:lnT>
+                    <a:lnB w="12700" cap="flat" cmpd="sng" algn="ctr">
+                      <a:solidFill>
+                        <a:schemeClr val="tx1"/>
+                      </a:solidFill>
+                      <a:prstDash val="solid"/>
+                      <a:round/>
+                      <a:headEnd type="none" w="med" len="med"/>
+                      <a:tailEnd type="none" w="med" len="med"/>
+                    </a:lnB>
+                    <a:solidFill>
+                      <a:schemeClr val="bg1">
+                        <a:lumMod val="75000"/>
+                      </a:schemeClr>
+                    </a:solidFill>
+                  </a:tcPr>
+                </a:tc>
+                <a:extLst>
+                  <a:ext uri="{0D108BD9-81ED-4DB2-BD59-A6C34878D82A}">
+                    <a16:rowId xmlns:a16="http://schemas.microsoft.com/office/drawing/2014/main" val="3630400795"/>
+                  </a:ext>
+                </a:extLst>
+              </a:tr>
+              <a:tr h="562916">
+                <a:tc>
+                  <a:txBody>
+                    <a:bodyPr/>
+                    <a:lstStyle/>
+                    <a:p>
+                      <a:pPr algn="ctr"/>
+                      <a:r>
+                        <a:rPr lang="en-US" sz="1400" b="1" dirty="0">
+                          <a:solidFill>
+                            <a:schemeClr val="tx1"/>
+                          </a:solidFill>
+                          <a:latin typeface="Khmer OS Battambang" panose="02000500000000020004" pitchFamily="2" charset="0"/>
+                          <a:cs typeface="Khmer OS Battambang" panose="02000500000000020004" pitchFamily="2" charset="0"/>
+                        </a:rPr>
+                        <a:t>&lt;b&gt;</a:t>
+                      </a:r>
+                    </a:p>
+                  </a:txBody>
+                  <a:tcPr anchor="ctr">
+                    <a:lnL w="12700" cap="flat" cmpd="sng" algn="ctr">
+                      <a:solidFill>
+                        <a:schemeClr val="tx1"/>
+                      </a:solidFill>
+                      <a:prstDash val="solid"/>
+                      <a:round/>
+                      <a:headEnd type="none" w="med" len="med"/>
+                      <a:tailEnd type="none" w="med" len="med"/>
+                    </a:lnL>
+                    <a:lnR w="12700" cap="flat" cmpd="sng" algn="ctr">
+                      <a:solidFill>
+                        <a:schemeClr val="tx1"/>
+                      </a:solidFill>
+                      <a:prstDash val="solid"/>
+                      <a:round/>
+                      <a:headEnd type="none" w="med" len="med"/>
+                      <a:tailEnd type="none" w="med" len="med"/>
+                    </a:lnR>
+                    <a:lnT w="12700" cap="flat" cmpd="sng" algn="ctr">
+                      <a:solidFill>
+                        <a:schemeClr val="tx1"/>
+                      </a:solidFill>
+                      <a:prstDash val="solid"/>
+                      <a:round/>
+                      <a:headEnd type="none" w="med" len="med"/>
+                      <a:tailEnd type="none" w="med" len="med"/>
+                    </a:lnT>
+                    <a:lnB w="12700" cap="flat" cmpd="sng" algn="ctr">
+                      <a:solidFill>
+                        <a:schemeClr val="tx1"/>
+                      </a:solidFill>
+                      <a:prstDash val="solid"/>
+                      <a:round/>
+                      <a:headEnd type="none" w="med" len="med"/>
+                      <a:tailEnd type="none" w="med" len="med"/>
+                    </a:lnB>
+                    <a:noFill/>
+                  </a:tcPr>
+                </a:tc>
+                <a:tc>
+                  <a:txBody>
+                    <a:bodyPr/>
+                    <a:lstStyle/>
+                    <a:p>
+                      <a:pPr algn="ctr"/>
+                      <a:r>
+                        <a:rPr lang="km-KH" sz="1400" dirty="0">
+                          <a:solidFill>
+                            <a:schemeClr val="tx1"/>
+                          </a:solidFill>
+                          <a:latin typeface="Khmer OS Battambang" panose="02000500000000020004" pitchFamily="2" charset="0"/>
+                          <a:cs typeface="Khmer OS Battambang" panose="02000500000000020004" pitchFamily="2" charset="0"/>
+                        </a:rPr>
+                        <a:t>សម្រាប់អក្សរដិត</a:t>
+                      </a:r>
+                      <a:endParaRPr lang="en-US" sz="1400" dirty="0">
+                        <a:solidFill>
+                          <a:schemeClr val="tx1"/>
+                        </a:solidFill>
+                        <a:latin typeface="Khmer OS Battambang" panose="02000500000000020004" pitchFamily="2" charset="0"/>
+                        <a:cs typeface="Khmer OS Battambang" panose="02000500000000020004" pitchFamily="2" charset="0"/>
+                      </a:endParaRPr>
+                    </a:p>
+                  </a:txBody>
+                  <a:tcPr anchor="ctr">
+                    <a:lnL w="12700" cap="flat" cmpd="sng" algn="ctr">
+                      <a:solidFill>
+                        <a:schemeClr val="tx1"/>
+                      </a:solidFill>
+                      <a:prstDash val="solid"/>
+                      <a:round/>
+                      <a:headEnd type="none" w="med" len="med"/>
+                      <a:tailEnd type="none" w="med" len="med"/>
+                    </a:lnL>
+                    <a:lnR w="12700" cap="flat" cmpd="sng" algn="ctr">
+                      <a:solidFill>
+                        <a:schemeClr val="tx1"/>
+                      </a:solidFill>
+                      <a:prstDash val="solid"/>
+                      <a:round/>
+                      <a:headEnd type="none" w="med" len="med"/>
+                      <a:tailEnd type="none" w="med" len="med"/>
+                    </a:lnR>
+                    <a:lnT w="12700" cap="flat" cmpd="sng" algn="ctr">
+                      <a:solidFill>
+                        <a:schemeClr val="tx1"/>
+                      </a:solidFill>
+                      <a:prstDash val="solid"/>
+                      <a:round/>
+                      <a:headEnd type="none" w="med" len="med"/>
+                      <a:tailEnd type="none" w="med" len="med"/>
+                    </a:lnT>
+                    <a:lnB w="12700" cap="flat" cmpd="sng" algn="ctr">
+                      <a:solidFill>
+                        <a:schemeClr val="tx1"/>
+                      </a:solidFill>
+                      <a:prstDash val="solid"/>
+                      <a:round/>
+                      <a:headEnd type="none" w="med" len="med"/>
+                      <a:tailEnd type="none" w="med" len="med"/>
+                    </a:lnB>
+                    <a:noFill/>
+                  </a:tcPr>
+                </a:tc>
+                <a:extLst>
+                  <a:ext uri="{0D108BD9-81ED-4DB2-BD59-A6C34878D82A}">
+                    <a16:rowId xmlns:a16="http://schemas.microsoft.com/office/drawing/2014/main" val="2184539389"/>
+                  </a:ext>
+                </a:extLst>
+              </a:tr>
+              <a:tr h="562916">
+                <a:tc>
+                  <a:txBody>
+                    <a:bodyPr/>
+                    <a:lstStyle/>
+                    <a:p>
+                      <a:pPr marL="0" marR="0" lvl="0" indent="0" algn="ctr" defTabSz="914400" rtl="0" eaLnBrk="1" fontAlgn="auto" latinLnBrk="0" hangingPunct="1">
+                        <a:lnSpc>
+                          <a:spcPct val="100000"/>
+                        </a:lnSpc>
+                        <a:spcBef>
+                          <a:spcPts val="0"/>
+                        </a:spcBef>
+                        <a:spcAft>
+                          <a:spcPts val="0"/>
+                        </a:spcAft>
+                        <a:buClrTx/>
+                        <a:buSzTx/>
+                        <a:buFontTx/>
+                        <a:buNone/>
+                        <a:tabLst/>
+                        <a:defRPr/>
+                      </a:pPr>
+                      <a:r>
+                        <a:rPr lang="en-US" sz="1400" b="1" dirty="0">
+                          <a:solidFill>
+                            <a:schemeClr val="tx1"/>
+                          </a:solidFill>
+                          <a:latin typeface="Khmer OS Battambang" panose="02000500000000020004" pitchFamily="2" charset="0"/>
+                          <a:cs typeface="Khmer OS Battambang" panose="02000500000000020004" pitchFamily="2" charset="0"/>
+                        </a:rPr>
+                        <a:t>&lt;strong&gt;</a:t>
+                      </a:r>
+                    </a:p>
+                  </a:txBody>
+                  <a:tcPr anchor="ctr">
+                    <a:lnL w="12700" cap="flat" cmpd="sng" algn="ctr">
+                      <a:solidFill>
+                        <a:schemeClr val="tx1"/>
+                      </a:solidFill>
+                      <a:prstDash val="solid"/>
+                      <a:round/>
+                      <a:headEnd type="none" w="med" len="med"/>
+                      <a:tailEnd type="none" w="med" len="med"/>
+                    </a:lnL>
+                    <a:lnR w="12700" cap="flat" cmpd="sng" algn="ctr">
+                      <a:solidFill>
+                        <a:schemeClr val="tx1"/>
+                      </a:solidFill>
+                      <a:prstDash val="solid"/>
+                      <a:round/>
+                      <a:headEnd type="none" w="med" len="med"/>
+                      <a:tailEnd type="none" w="med" len="med"/>
+                    </a:lnR>
+                    <a:lnT w="12700" cap="flat" cmpd="sng" algn="ctr">
+                      <a:solidFill>
+                        <a:schemeClr val="tx1"/>
+                      </a:solidFill>
+                      <a:prstDash val="solid"/>
+                      <a:round/>
+                      <a:headEnd type="none" w="med" len="med"/>
+                      <a:tailEnd type="none" w="med" len="med"/>
+                    </a:lnT>
+                    <a:lnB w="12700" cap="flat" cmpd="sng" algn="ctr">
+                      <a:solidFill>
+                        <a:schemeClr val="tx1"/>
+                      </a:solidFill>
+                      <a:prstDash val="solid"/>
+                      <a:round/>
+                      <a:headEnd type="none" w="med" len="med"/>
+                      <a:tailEnd type="none" w="med" len="med"/>
+                    </a:lnB>
+                    <a:noFill/>
+                  </a:tcPr>
+                </a:tc>
+                <a:tc>
+                  <a:txBody>
+                    <a:bodyPr/>
+                    <a:lstStyle/>
+                    <a:p>
+                      <a:pPr marL="0" marR="0" lvl="0" indent="0" algn="ctr" defTabSz="914400" rtl="0" eaLnBrk="1" fontAlgn="auto" latinLnBrk="0" hangingPunct="1">
+                        <a:lnSpc>
+                          <a:spcPct val="100000"/>
+                        </a:lnSpc>
+                        <a:spcBef>
+                          <a:spcPts val="0"/>
+                        </a:spcBef>
+                        <a:spcAft>
+                          <a:spcPts val="0"/>
+                        </a:spcAft>
+                        <a:buClrTx/>
+                        <a:buSzTx/>
+                        <a:buFontTx/>
+                        <a:buNone/>
+                        <a:tabLst/>
+                        <a:defRPr/>
+                      </a:pPr>
+                      <a:r>
+                        <a:rPr lang="km-KH" sz="1400" dirty="0">
+                          <a:solidFill>
+                            <a:schemeClr val="tx1"/>
+                          </a:solidFill>
+                          <a:latin typeface="Khmer OS Battambang" panose="02000500000000020004" pitchFamily="2" charset="0"/>
+                          <a:cs typeface="Khmer OS Battambang" panose="02000500000000020004" pitchFamily="2" charset="0"/>
+                        </a:rPr>
+                        <a:t>សម្រាប់អក្សរដិត</a:t>
+                      </a:r>
+                      <a:endParaRPr lang="en-US" sz="1400" dirty="0">
+                        <a:solidFill>
+                          <a:schemeClr val="tx1"/>
+                        </a:solidFill>
+                        <a:latin typeface="Khmer OS Battambang" panose="02000500000000020004" pitchFamily="2" charset="0"/>
+                        <a:cs typeface="Khmer OS Battambang" panose="02000500000000020004" pitchFamily="2" charset="0"/>
+                      </a:endParaRPr>
+                    </a:p>
+                  </a:txBody>
+                  <a:tcPr anchor="ctr">
+                    <a:lnL w="12700" cap="flat" cmpd="sng" algn="ctr">
+                      <a:solidFill>
+                        <a:schemeClr val="tx1"/>
+                      </a:solidFill>
+                      <a:prstDash val="solid"/>
+                      <a:round/>
+                      <a:headEnd type="none" w="med" len="med"/>
+                      <a:tailEnd type="none" w="med" len="med"/>
+                    </a:lnL>
+                    <a:lnR w="12700" cap="flat" cmpd="sng" algn="ctr">
+                      <a:solidFill>
+                        <a:schemeClr val="tx1"/>
+                      </a:solidFill>
+                      <a:prstDash val="solid"/>
+                      <a:round/>
+                      <a:headEnd type="none" w="med" len="med"/>
+                      <a:tailEnd type="none" w="med" len="med"/>
+                    </a:lnR>
+                    <a:lnT w="12700" cap="flat" cmpd="sng" algn="ctr">
+                      <a:solidFill>
+                        <a:schemeClr val="tx1"/>
+                      </a:solidFill>
+                      <a:prstDash val="solid"/>
+                      <a:round/>
+                      <a:headEnd type="none" w="med" len="med"/>
+                      <a:tailEnd type="none" w="med" len="med"/>
+                    </a:lnT>
+                    <a:lnB w="12700" cap="flat" cmpd="sng" algn="ctr">
+                      <a:solidFill>
+                        <a:schemeClr val="tx1"/>
+                      </a:solidFill>
+                      <a:prstDash val="solid"/>
+                      <a:round/>
+                      <a:headEnd type="none" w="med" len="med"/>
+                      <a:tailEnd type="none" w="med" len="med"/>
+                    </a:lnB>
+                    <a:noFill/>
+                  </a:tcPr>
+                </a:tc>
+                <a:extLst>
+                  <a:ext uri="{0D108BD9-81ED-4DB2-BD59-A6C34878D82A}">
+                    <a16:rowId xmlns:a16="http://schemas.microsoft.com/office/drawing/2014/main" val="4190705622"/>
+                  </a:ext>
+                </a:extLst>
+              </a:tr>
+              <a:tr h="562916">
+                <a:tc>
+                  <a:txBody>
+                    <a:bodyPr/>
+                    <a:lstStyle/>
+                    <a:p>
+                      <a:pPr algn="ctr"/>
+                      <a:r>
+                        <a:rPr lang="en-US" sz="1400" b="1" dirty="0">
+                          <a:solidFill>
+                            <a:schemeClr val="tx1"/>
+                          </a:solidFill>
+                          <a:latin typeface="Khmer OS Battambang" panose="02000500000000020004" pitchFamily="2" charset="0"/>
+                          <a:cs typeface="Khmer OS Battambang" panose="02000500000000020004" pitchFamily="2" charset="0"/>
+                        </a:rPr>
+                        <a:t>&lt;</a:t>
+                      </a:r>
+                      <a:r>
+                        <a:rPr lang="en-US" sz="1400" b="1" dirty="0" err="1">
+                          <a:solidFill>
+                            <a:schemeClr val="tx1"/>
+                          </a:solidFill>
+                          <a:latin typeface="Khmer OS Battambang" panose="02000500000000020004" pitchFamily="2" charset="0"/>
+                          <a:cs typeface="Khmer OS Battambang" panose="02000500000000020004" pitchFamily="2" charset="0"/>
+                        </a:rPr>
+                        <a:t>i</a:t>
+                      </a:r>
+                      <a:r>
+                        <a:rPr lang="en-US" sz="1400" b="1" dirty="0">
+                          <a:solidFill>
+                            <a:schemeClr val="tx1"/>
+                          </a:solidFill>
+                          <a:latin typeface="Khmer OS Battambang" panose="02000500000000020004" pitchFamily="2" charset="0"/>
+                          <a:cs typeface="Khmer OS Battambang" panose="02000500000000020004" pitchFamily="2" charset="0"/>
+                        </a:rPr>
+                        <a:t>&gt;</a:t>
+                      </a:r>
+                    </a:p>
+                  </a:txBody>
+                  <a:tcPr anchor="ctr">
+                    <a:lnL w="12700" cap="flat" cmpd="sng" algn="ctr">
+                      <a:solidFill>
+                        <a:schemeClr val="tx1"/>
+                      </a:solidFill>
+                      <a:prstDash val="solid"/>
+                      <a:round/>
+                      <a:headEnd type="none" w="med" len="med"/>
+                      <a:tailEnd type="none" w="med" len="med"/>
+                    </a:lnL>
+                    <a:lnR w="12700" cap="flat" cmpd="sng" algn="ctr">
+                      <a:solidFill>
+                        <a:schemeClr val="tx1"/>
+                      </a:solidFill>
+                      <a:prstDash val="solid"/>
+                      <a:round/>
+                      <a:headEnd type="none" w="med" len="med"/>
+                      <a:tailEnd type="none" w="med" len="med"/>
+                    </a:lnR>
+                    <a:lnT w="12700" cap="flat" cmpd="sng" algn="ctr">
+                      <a:solidFill>
+                        <a:schemeClr val="tx1"/>
+                      </a:solidFill>
+                      <a:prstDash val="solid"/>
+                      <a:round/>
+                      <a:headEnd type="none" w="med" len="med"/>
+                      <a:tailEnd type="none" w="med" len="med"/>
+                    </a:lnT>
+                    <a:lnB w="12700" cap="flat" cmpd="sng" algn="ctr">
+                      <a:solidFill>
+                        <a:schemeClr val="tx1"/>
+                      </a:solidFill>
+                      <a:prstDash val="solid"/>
+                      <a:round/>
+                      <a:headEnd type="none" w="med" len="med"/>
+                      <a:tailEnd type="none" w="med" len="med"/>
+                    </a:lnB>
+                    <a:noFill/>
+                  </a:tcPr>
+                </a:tc>
+                <a:tc>
+                  <a:txBody>
+                    <a:bodyPr/>
+                    <a:lstStyle/>
+                    <a:p>
+                      <a:pPr marL="0" marR="0" lvl="0" indent="0" algn="ctr" defTabSz="914400" rtl="0" eaLnBrk="1" fontAlgn="auto" latinLnBrk="0" hangingPunct="1">
+                        <a:lnSpc>
+                          <a:spcPct val="100000"/>
+                        </a:lnSpc>
+                        <a:spcBef>
+                          <a:spcPts val="0"/>
+                        </a:spcBef>
+                        <a:spcAft>
+                          <a:spcPts val="0"/>
+                        </a:spcAft>
+                        <a:buClrTx/>
+                        <a:buSzTx/>
+                        <a:buFontTx/>
+                        <a:buNone/>
+                        <a:tabLst/>
+                        <a:defRPr/>
+                      </a:pPr>
+                      <a:r>
+                        <a:rPr lang="km-KH" sz="1400" dirty="0">
+                          <a:solidFill>
+                            <a:schemeClr val="tx1"/>
+                          </a:solidFill>
+                          <a:latin typeface="Khmer OS Battambang" panose="02000500000000020004" pitchFamily="2" charset="0"/>
+                          <a:cs typeface="Khmer OS Battambang" panose="02000500000000020004" pitchFamily="2" charset="0"/>
+                        </a:rPr>
+                        <a:t>សម្រាប់អក្សរទ្រេត</a:t>
+                      </a:r>
+                      <a:endParaRPr lang="en-US" sz="1400" dirty="0">
+                        <a:solidFill>
+                          <a:schemeClr val="tx1"/>
+                        </a:solidFill>
+                        <a:latin typeface="Khmer OS Battambang" panose="02000500000000020004" pitchFamily="2" charset="0"/>
+                        <a:cs typeface="Khmer OS Battambang" panose="02000500000000020004" pitchFamily="2" charset="0"/>
+                      </a:endParaRPr>
+                    </a:p>
+                  </a:txBody>
+                  <a:tcPr anchor="ctr">
+                    <a:lnL w="12700" cap="flat" cmpd="sng" algn="ctr">
+                      <a:solidFill>
+                        <a:schemeClr val="tx1"/>
+                      </a:solidFill>
+                      <a:prstDash val="solid"/>
+                      <a:round/>
+                      <a:headEnd type="none" w="med" len="med"/>
+                      <a:tailEnd type="none" w="med" len="med"/>
+                    </a:lnL>
+                    <a:lnR w="12700" cap="flat" cmpd="sng" algn="ctr">
+                      <a:solidFill>
+                        <a:schemeClr val="tx1"/>
+                      </a:solidFill>
+                      <a:prstDash val="solid"/>
+                      <a:round/>
+                      <a:headEnd type="none" w="med" len="med"/>
+                      <a:tailEnd type="none" w="med" len="med"/>
+                    </a:lnR>
+                    <a:lnT w="12700" cap="flat" cmpd="sng" algn="ctr">
+                      <a:solidFill>
+                        <a:schemeClr val="tx1"/>
+                      </a:solidFill>
+                      <a:prstDash val="solid"/>
+                      <a:round/>
+                      <a:headEnd type="none" w="med" len="med"/>
+                      <a:tailEnd type="none" w="med" len="med"/>
+                    </a:lnT>
+                    <a:lnB w="12700" cap="flat" cmpd="sng" algn="ctr">
+                      <a:solidFill>
+                        <a:schemeClr val="tx1"/>
+                      </a:solidFill>
+                      <a:prstDash val="solid"/>
+                      <a:round/>
+                      <a:headEnd type="none" w="med" len="med"/>
+                      <a:tailEnd type="none" w="med" len="med"/>
+                    </a:lnB>
+                    <a:noFill/>
+                  </a:tcPr>
+                </a:tc>
+                <a:extLst>
+                  <a:ext uri="{0D108BD9-81ED-4DB2-BD59-A6C34878D82A}">
+                    <a16:rowId xmlns:a16="http://schemas.microsoft.com/office/drawing/2014/main" val="1663777087"/>
+                  </a:ext>
+                </a:extLst>
+              </a:tr>
+              <a:tr h="562916">
+                <a:tc>
+                  <a:txBody>
+                    <a:bodyPr/>
+                    <a:lstStyle/>
+                    <a:p>
+                      <a:pPr algn="ctr"/>
+                      <a:r>
+                        <a:rPr lang="en-US" sz="1400" b="1" dirty="0">
+                          <a:solidFill>
+                            <a:schemeClr val="tx1"/>
+                          </a:solidFill>
+                          <a:latin typeface="Khmer OS Battambang" panose="02000500000000020004" pitchFamily="2" charset="0"/>
+                          <a:cs typeface="Khmer OS Battambang" panose="02000500000000020004" pitchFamily="2" charset="0"/>
+                        </a:rPr>
+                        <a:t>&lt;</a:t>
+                      </a:r>
+                      <a:r>
+                        <a:rPr lang="en-US" sz="1400" b="1" dirty="0" err="1">
+                          <a:solidFill>
+                            <a:schemeClr val="tx1"/>
+                          </a:solidFill>
+                          <a:latin typeface="Khmer OS Battambang" panose="02000500000000020004" pitchFamily="2" charset="0"/>
+                          <a:cs typeface="Khmer OS Battambang" panose="02000500000000020004" pitchFamily="2" charset="0"/>
+                        </a:rPr>
+                        <a:t>em</a:t>
+                      </a:r>
+                      <a:r>
+                        <a:rPr lang="en-US" sz="1400" b="1" dirty="0">
+                          <a:solidFill>
+                            <a:schemeClr val="tx1"/>
+                          </a:solidFill>
+                          <a:latin typeface="Khmer OS Battambang" panose="02000500000000020004" pitchFamily="2" charset="0"/>
+                          <a:cs typeface="Khmer OS Battambang" panose="02000500000000020004" pitchFamily="2" charset="0"/>
+                        </a:rPr>
+                        <a:t>&gt;</a:t>
+                      </a:r>
+                    </a:p>
+                  </a:txBody>
+                  <a:tcPr anchor="ctr">
+                    <a:lnL w="12700" cap="flat" cmpd="sng" algn="ctr">
+                      <a:solidFill>
+                        <a:schemeClr val="tx1"/>
+                      </a:solidFill>
+                      <a:prstDash val="solid"/>
+                      <a:round/>
+                      <a:headEnd type="none" w="med" len="med"/>
+                      <a:tailEnd type="none" w="med" len="med"/>
+                    </a:lnL>
+                    <a:lnR w="12700" cap="flat" cmpd="sng" algn="ctr">
+                      <a:solidFill>
+                        <a:schemeClr val="tx1"/>
+                      </a:solidFill>
+                      <a:prstDash val="solid"/>
+                      <a:round/>
+                      <a:headEnd type="none" w="med" len="med"/>
+                      <a:tailEnd type="none" w="med" len="med"/>
+                    </a:lnR>
+                    <a:lnT w="12700" cap="flat" cmpd="sng" algn="ctr">
+                      <a:solidFill>
+                        <a:schemeClr val="tx1"/>
+                      </a:solidFill>
+                      <a:prstDash val="solid"/>
+                      <a:round/>
+                      <a:headEnd type="none" w="med" len="med"/>
+                      <a:tailEnd type="none" w="med" len="med"/>
+                    </a:lnT>
+                    <a:lnB w="12700" cap="flat" cmpd="sng" algn="ctr">
+                      <a:solidFill>
+                        <a:schemeClr val="tx1"/>
+                      </a:solidFill>
+                      <a:prstDash val="solid"/>
+                      <a:round/>
+                      <a:headEnd type="none" w="med" len="med"/>
+                      <a:tailEnd type="none" w="med" len="med"/>
+                    </a:lnB>
+                    <a:noFill/>
+                  </a:tcPr>
+                </a:tc>
+                <a:tc>
+                  <a:txBody>
+                    <a:bodyPr/>
+                    <a:lstStyle/>
+                    <a:p>
+                      <a:pPr marL="0" marR="0" lvl="0" indent="0" algn="ctr" defTabSz="914400" rtl="0" eaLnBrk="1" fontAlgn="auto" latinLnBrk="0" hangingPunct="1">
+                        <a:lnSpc>
+                          <a:spcPct val="100000"/>
+                        </a:lnSpc>
+                        <a:spcBef>
+                          <a:spcPts val="0"/>
+                        </a:spcBef>
+                        <a:spcAft>
+                          <a:spcPts val="0"/>
+                        </a:spcAft>
+                        <a:buClrTx/>
+                        <a:buSzTx/>
+                        <a:buFontTx/>
+                        <a:buNone/>
+                        <a:tabLst/>
+                        <a:defRPr/>
+                      </a:pPr>
+                      <a:r>
+                        <a:rPr lang="km-KH" sz="1400" dirty="0">
+                          <a:solidFill>
+                            <a:schemeClr val="tx1"/>
+                          </a:solidFill>
+                          <a:latin typeface="Khmer OS Battambang" panose="02000500000000020004" pitchFamily="2" charset="0"/>
+                          <a:cs typeface="Khmer OS Battambang" panose="02000500000000020004" pitchFamily="2" charset="0"/>
+                        </a:rPr>
+                        <a:t>សម្រាប់អក្សរទ្រេត</a:t>
+                      </a:r>
+                      <a:endParaRPr lang="en-US" sz="1400" dirty="0">
+                        <a:solidFill>
+                          <a:schemeClr val="tx1"/>
+                        </a:solidFill>
+                        <a:latin typeface="Khmer OS Battambang" panose="02000500000000020004" pitchFamily="2" charset="0"/>
+                        <a:cs typeface="Khmer OS Battambang" panose="02000500000000020004" pitchFamily="2" charset="0"/>
+                      </a:endParaRPr>
+                    </a:p>
+                  </a:txBody>
+                  <a:tcPr anchor="ctr">
+                    <a:lnL w="12700" cap="flat" cmpd="sng" algn="ctr">
+                      <a:solidFill>
+                        <a:schemeClr val="tx1"/>
+                      </a:solidFill>
+                      <a:prstDash val="solid"/>
+                      <a:round/>
+                      <a:headEnd type="none" w="med" len="med"/>
+                      <a:tailEnd type="none" w="med" len="med"/>
+                    </a:lnL>
+                    <a:lnR w="12700" cap="flat" cmpd="sng" algn="ctr">
+                      <a:solidFill>
+                        <a:schemeClr val="tx1"/>
+                      </a:solidFill>
+                      <a:prstDash val="solid"/>
+                      <a:round/>
+                      <a:headEnd type="none" w="med" len="med"/>
+                      <a:tailEnd type="none" w="med" len="med"/>
+                    </a:lnR>
+                    <a:lnT w="12700" cap="flat" cmpd="sng" algn="ctr">
+                      <a:solidFill>
+                        <a:schemeClr val="tx1"/>
+                      </a:solidFill>
+                      <a:prstDash val="solid"/>
+                      <a:round/>
+                      <a:headEnd type="none" w="med" len="med"/>
+                      <a:tailEnd type="none" w="med" len="med"/>
+                    </a:lnT>
+                    <a:lnB w="12700" cap="flat" cmpd="sng" algn="ctr">
+                      <a:solidFill>
+                        <a:schemeClr val="tx1"/>
+                      </a:solidFill>
+                      <a:prstDash val="solid"/>
+                      <a:round/>
+                      <a:headEnd type="none" w="med" len="med"/>
+                      <a:tailEnd type="none" w="med" len="med"/>
+                    </a:lnB>
+                    <a:noFill/>
+                  </a:tcPr>
+                </a:tc>
+                <a:extLst>
+                  <a:ext uri="{0D108BD9-81ED-4DB2-BD59-A6C34878D82A}">
+                    <a16:rowId xmlns:a16="http://schemas.microsoft.com/office/drawing/2014/main" val="2346367462"/>
+                  </a:ext>
+                </a:extLst>
+              </a:tr>
+              <a:tr h="562916">
+                <a:tc>
+                  <a:txBody>
+                    <a:bodyPr/>
+                    <a:lstStyle/>
+                    <a:p>
+                      <a:pPr algn="ctr"/>
+                      <a:r>
+                        <a:rPr lang="en-US" sz="1400" b="1" dirty="0">
+                          <a:solidFill>
+                            <a:schemeClr val="tx1"/>
+                          </a:solidFill>
+                          <a:latin typeface="Khmer OS Battambang" panose="02000500000000020004" pitchFamily="2" charset="0"/>
+                          <a:cs typeface="Khmer OS Battambang" panose="02000500000000020004" pitchFamily="2" charset="0"/>
+                        </a:rPr>
+                        <a:t>&lt;mark&gt;</a:t>
+                      </a:r>
+                    </a:p>
+                  </a:txBody>
+                  <a:tcPr anchor="ctr">
+                    <a:lnL w="12700" cap="flat" cmpd="sng" algn="ctr">
+                      <a:solidFill>
+                        <a:schemeClr val="tx1"/>
+                      </a:solidFill>
+                      <a:prstDash val="solid"/>
+                      <a:round/>
+                      <a:headEnd type="none" w="med" len="med"/>
+                      <a:tailEnd type="none" w="med" len="med"/>
+                    </a:lnL>
+                    <a:lnR w="12700" cap="flat" cmpd="sng" algn="ctr">
+                      <a:solidFill>
+                        <a:schemeClr val="tx1"/>
+                      </a:solidFill>
+                      <a:prstDash val="solid"/>
+                      <a:round/>
+                      <a:headEnd type="none" w="med" len="med"/>
+                      <a:tailEnd type="none" w="med" len="med"/>
+                    </a:lnR>
+                    <a:lnT w="12700" cap="flat" cmpd="sng" algn="ctr">
+                      <a:solidFill>
+                        <a:schemeClr val="tx1"/>
+                      </a:solidFill>
+                      <a:prstDash val="solid"/>
+                      <a:round/>
+                      <a:headEnd type="none" w="med" len="med"/>
+                      <a:tailEnd type="none" w="med" len="med"/>
+                    </a:lnT>
+                    <a:lnB w="12700" cap="flat" cmpd="sng" algn="ctr">
+                      <a:solidFill>
+                        <a:schemeClr val="tx1"/>
+                      </a:solidFill>
+                      <a:prstDash val="solid"/>
+                      <a:round/>
+                      <a:headEnd type="none" w="med" len="med"/>
+                      <a:tailEnd type="none" w="med" len="med"/>
+                    </a:lnB>
+                    <a:noFill/>
+                  </a:tcPr>
+                </a:tc>
+                <a:tc>
+                  <a:txBody>
+                    <a:bodyPr/>
+                    <a:lstStyle/>
+                    <a:p>
+                      <a:pPr algn="ctr"/>
+                      <a:r>
+                        <a:rPr lang="km-KH" sz="1400" dirty="0">
+                          <a:solidFill>
+                            <a:schemeClr val="tx1"/>
+                          </a:solidFill>
+                          <a:latin typeface="Khmer OS Battambang" panose="02000500000000020004" pitchFamily="2" charset="0"/>
+                          <a:cs typeface="Khmer OS Battambang" panose="02000500000000020004" pitchFamily="2" charset="0"/>
+                        </a:rPr>
+                        <a:t>សម្រាប់អក្សរគូសចំណាំ</a:t>
+                      </a:r>
+                      <a:endParaRPr lang="en-US" sz="1400" dirty="0">
+                        <a:solidFill>
+                          <a:schemeClr val="tx1"/>
+                        </a:solidFill>
+                        <a:latin typeface="Khmer OS Battambang" panose="02000500000000020004" pitchFamily="2" charset="0"/>
+                        <a:cs typeface="Khmer OS Battambang" panose="02000500000000020004" pitchFamily="2" charset="0"/>
+                      </a:endParaRPr>
+                    </a:p>
+                  </a:txBody>
+                  <a:tcPr anchor="ctr">
+                    <a:lnL w="12700" cap="flat" cmpd="sng" algn="ctr">
+                      <a:solidFill>
+                        <a:schemeClr val="tx1"/>
+                      </a:solidFill>
+                      <a:prstDash val="solid"/>
+                      <a:round/>
+                      <a:headEnd type="none" w="med" len="med"/>
+                      <a:tailEnd type="none" w="med" len="med"/>
+                    </a:lnL>
+                    <a:lnR w="12700" cap="flat" cmpd="sng" algn="ctr">
+                      <a:solidFill>
+                        <a:schemeClr val="tx1"/>
+                      </a:solidFill>
+                      <a:prstDash val="solid"/>
+                      <a:round/>
+                      <a:headEnd type="none" w="med" len="med"/>
+                      <a:tailEnd type="none" w="med" len="med"/>
+                    </a:lnR>
+                    <a:lnT w="12700" cap="flat" cmpd="sng" algn="ctr">
+                      <a:solidFill>
+                        <a:schemeClr val="tx1"/>
+                      </a:solidFill>
+                      <a:prstDash val="solid"/>
+                      <a:round/>
+                      <a:headEnd type="none" w="med" len="med"/>
+                      <a:tailEnd type="none" w="med" len="med"/>
+                    </a:lnT>
+                    <a:lnB w="12700" cap="flat" cmpd="sng" algn="ctr">
+                      <a:solidFill>
+                        <a:schemeClr val="tx1"/>
+                      </a:solidFill>
+                      <a:prstDash val="solid"/>
+                      <a:round/>
+                      <a:headEnd type="none" w="med" len="med"/>
+                      <a:tailEnd type="none" w="med" len="med"/>
+                    </a:lnB>
+                    <a:noFill/>
+                  </a:tcPr>
+                </a:tc>
+                <a:extLst>
+                  <a:ext uri="{0D108BD9-81ED-4DB2-BD59-A6C34878D82A}">
+                    <a16:rowId xmlns:a16="http://schemas.microsoft.com/office/drawing/2014/main" val="2647124961"/>
+                  </a:ext>
+                </a:extLst>
+              </a:tr>
+              <a:tr h="562916">
+                <a:tc>
+                  <a:txBody>
+                    <a:bodyPr/>
+                    <a:lstStyle/>
+                    <a:p>
+                      <a:pPr algn="ctr"/>
+                      <a:r>
+                        <a:rPr lang="en-US" sz="1400" b="1" dirty="0">
+                          <a:solidFill>
+                            <a:schemeClr val="tx1"/>
+                          </a:solidFill>
+                          <a:latin typeface="Khmer OS Battambang" panose="02000500000000020004" pitchFamily="2" charset="0"/>
+                          <a:cs typeface="Khmer OS Battambang" panose="02000500000000020004" pitchFamily="2" charset="0"/>
+                        </a:rPr>
+                        <a:t>&lt;small&gt;</a:t>
+                      </a:r>
+                    </a:p>
+                  </a:txBody>
+                  <a:tcPr anchor="ctr">
+                    <a:lnL w="12700" cap="flat" cmpd="sng" algn="ctr">
+                      <a:solidFill>
+                        <a:schemeClr val="tx1"/>
+                      </a:solidFill>
+                      <a:prstDash val="solid"/>
+                      <a:round/>
+                      <a:headEnd type="none" w="med" len="med"/>
+                      <a:tailEnd type="none" w="med" len="med"/>
+                    </a:lnL>
+                    <a:lnR w="12700" cap="flat" cmpd="sng" algn="ctr">
+                      <a:solidFill>
+                        <a:schemeClr val="tx1"/>
+                      </a:solidFill>
+                      <a:prstDash val="solid"/>
+                      <a:round/>
+                      <a:headEnd type="none" w="med" len="med"/>
+                      <a:tailEnd type="none" w="med" len="med"/>
+                    </a:lnR>
+                    <a:lnT w="12700" cap="flat" cmpd="sng" algn="ctr">
+                      <a:solidFill>
+                        <a:schemeClr val="tx1"/>
+                      </a:solidFill>
+                      <a:prstDash val="solid"/>
+                      <a:round/>
+                      <a:headEnd type="none" w="med" len="med"/>
+                      <a:tailEnd type="none" w="med" len="med"/>
+                    </a:lnT>
+                    <a:lnB w="12700" cap="flat" cmpd="sng" algn="ctr">
+                      <a:solidFill>
+                        <a:schemeClr val="tx1"/>
+                      </a:solidFill>
+                      <a:prstDash val="solid"/>
+                      <a:round/>
+                      <a:headEnd type="none" w="med" len="med"/>
+                      <a:tailEnd type="none" w="med" len="med"/>
+                    </a:lnB>
+                    <a:noFill/>
+                  </a:tcPr>
+                </a:tc>
+                <a:tc>
+                  <a:txBody>
+                    <a:bodyPr/>
+                    <a:lstStyle/>
+                    <a:p>
+                      <a:pPr marL="0" marR="0" lvl="0" indent="0" algn="ctr" defTabSz="914400" rtl="0" eaLnBrk="1" fontAlgn="auto" latinLnBrk="0" hangingPunct="1">
+                        <a:lnSpc>
+                          <a:spcPct val="100000"/>
+                        </a:lnSpc>
+                        <a:spcBef>
+                          <a:spcPts val="0"/>
+                        </a:spcBef>
+                        <a:spcAft>
+                          <a:spcPts val="0"/>
+                        </a:spcAft>
+                        <a:buClrTx/>
+                        <a:buSzTx/>
+                        <a:buFontTx/>
+                        <a:buNone/>
+                        <a:tabLst/>
+                        <a:defRPr/>
+                      </a:pPr>
+                      <a:r>
+                        <a:rPr lang="km-KH" sz="1400" dirty="0">
+                          <a:solidFill>
+                            <a:schemeClr val="tx1"/>
+                          </a:solidFill>
+                          <a:latin typeface="Khmer OS Battambang" panose="02000500000000020004" pitchFamily="2" charset="0"/>
+                          <a:cs typeface="Khmer OS Battambang" panose="02000500000000020004" pitchFamily="2" charset="0"/>
+                        </a:rPr>
+                        <a:t>សម្រាប់អក្សរតូច</a:t>
+                      </a:r>
+                      <a:endParaRPr lang="en-US" sz="1400" dirty="0">
+                        <a:solidFill>
+                          <a:schemeClr val="tx1"/>
+                        </a:solidFill>
+                        <a:latin typeface="Khmer OS Battambang" panose="02000500000000020004" pitchFamily="2" charset="0"/>
+                        <a:cs typeface="Khmer OS Battambang" panose="02000500000000020004" pitchFamily="2" charset="0"/>
+                      </a:endParaRPr>
+                    </a:p>
+                  </a:txBody>
+                  <a:tcPr anchor="ctr">
+                    <a:lnL w="12700" cap="flat" cmpd="sng" algn="ctr">
+                      <a:solidFill>
+                        <a:schemeClr val="tx1"/>
+                      </a:solidFill>
+                      <a:prstDash val="solid"/>
+                      <a:round/>
+                      <a:headEnd type="none" w="med" len="med"/>
+                      <a:tailEnd type="none" w="med" len="med"/>
+                    </a:lnL>
+                    <a:lnR w="12700" cap="flat" cmpd="sng" algn="ctr">
+                      <a:solidFill>
+                        <a:schemeClr val="tx1"/>
+                      </a:solidFill>
+                      <a:prstDash val="solid"/>
+                      <a:round/>
+                      <a:headEnd type="none" w="med" len="med"/>
+                      <a:tailEnd type="none" w="med" len="med"/>
+                    </a:lnR>
+                    <a:lnT w="12700" cap="flat" cmpd="sng" algn="ctr">
+                      <a:solidFill>
+                        <a:schemeClr val="tx1"/>
+                      </a:solidFill>
+                      <a:prstDash val="solid"/>
+                      <a:round/>
+                      <a:headEnd type="none" w="med" len="med"/>
+                      <a:tailEnd type="none" w="med" len="med"/>
+                    </a:lnT>
+                    <a:lnB w="12700" cap="flat" cmpd="sng" algn="ctr">
+                      <a:solidFill>
+                        <a:schemeClr val="tx1"/>
+                      </a:solidFill>
+                      <a:prstDash val="solid"/>
+                      <a:round/>
+                      <a:headEnd type="none" w="med" len="med"/>
+                      <a:tailEnd type="none" w="med" len="med"/>
+                    </a:lnB>
+                    <a:noFill/>
+                  </a:tcPr>
+                </a:tc>
+                <a:extLst>
+                  <a:ext uri="{0D108BD9-81ED-4DB2-BD59-A6C34878D82A}">
+                    <a16:rowId xmlns:a16="http://schemas.microsoft.com/office/drawing/2014/main" val="2961383056"/>
+                  </a:ext>
+                </a:extLst>
+              </a:tr>
+              <a:tr h="562916">
+                <a:tc>
+                  <a:txBody>
+                    <a:bodyPr/>
+                    <a:lstStyle/>
+                    <a:p>
+                      <a:pPr algn="ctr"/>
+                      <a:r>
+                        <a:rPr lang="en-US" sz="1400" b="1" dirty="0">
+                          <a:solidFill>
+                            <a:schemeClr val="tx1"/>
+                          </a:solidFill>
+                          <a:latin typeface="Khmer OS Battambang" panose="02000500000000020004" pitchFamily="2" charset="0"/>
+                          <a:cs typeface="Khmer OS Battambang" panose="02000500000000020004" pitchFamily="2" charset="0"/>
+                        </a:rPr>
+                        <a:t>&lt;del&gt;</a:t>
+                      </a:r>
+                    </a:p>
+                  </a:txBody>
+                  <a:tcPr anchor="ctr">
+                    <a:lnL w="12700" cap="flat" cmpd="sng" algn="ctr">
+                      <a:solidFill>
+                        <a:schemeClr val="tx1"/>
+                      </a:solidFill>
+                      <a:prstDash val="solid"/>
+                      <a:round/>
+                      <a:headEnd type="none" w="med" len="med"/>
+                      <a:tailEnd type="none" w="med" len="med"/>
+                    </a:lnL>
+                    <a:lnR w="12700" cap="flat" cmpd="sng" algn="ctr">
+                      <a:solidFill>
+                        <a:schemeClr val="tx1"/>
+                      </a:solidFill>
+                      <a:prstDash val="solid"/>
+                      <a:round/>
+                      <a:headEnd type="none" w="med" len="med"/>
+                      <a:tailEnd type="none" w="med" len="med"/>
+                    </a:lnR>
+                    <a:lnT w="12700" cap="flat" cmpd="sng" algn="ctr">
+                      <a:solidFill>
+                        <a:schemeClr val="tx1"/>
+                      </a:solidFill>
+                      <a:prstDash val="solid"/>
+                      <a:round/>
+                      <a:headEnd type="none" w="med" len="med"/>
+                      <a:tailEnd type="none" w="med" len="med"/>
+                    </a:lnT>
+                    <a:lnB w="12700" cap="flat" cmpd="sng" algn="ctr">
+                      <a:solidFill>
+                        <a:schemeClr val="tx1"/>
+                      </a:solidFill>
+                      <a:prstDash val="solid"/>
+                      <a:round/>
+                      <a:headEnd type="none" w="med" len="med"/>
+                      <a:tailEnd type="none" w="med" len="med"/>
+                    </a:lnB>
+                    <a:noFill/>
+                  </a:tcPr>
+                </a:tc>
+                <a:tc>
+                  <a:txBody>
+                    <a:bodyPr/>
+                    <a:lstStyle/>
+                    <a:p>
+                      <a:pPr marL="0" marR="0" lvl="0" indent="0" algn="ctr" defTabSz="914400" rtl="0" eaLnBrk="1" fontAlgn="auto" latinLnBrk="0" hangingPunct="1">
+                        <a:lnSpc>
+                          <a:spcPct val="100000"/>
+                        </a:lnSpc>
+                        <a:spcBef>
+                          <a:spcPts val="0"/>
+                        </a:spcBef>
+                        <a:spcAft>
+                          <a:spcPts val="0"/>
+                        </a:spcAft>
+                        <a:buClrTx/>
+                        <a:buSzTx/>
+                        <a:buFontTx/>
+                        <a:buNone/>
+                        <a:tabLst/>
+                        <a:defRPr/>
+                      </a:pPr>
+                      <a:r>
+                        <a:rPr lang="km-KH" sz="1400" dirty="0">
+                          <a:solidFill>
+                            <a:schemeClr val="tx1"/>
+                          </a:solidFill>
+                          <a:latin typeface="Khmer OS Battambang" panose="02000500000000020004" pitchFamily="2" charset="0"/>
+                          <a:cs typeface="Khmer OS Battambang" panose="02000500000000020004" pitchFamily="2" charset="0"/>
+                        </a:rPr>
+                        <a:t>សម្រាប់អក្សរដែលត្រូវបានលុបចេញ</a:t>
+                      </a:r>
+                      <a:endParaRPr lang="en-US" sz="1400" dirty="0">
+                        <a:solidFill>
+                          <a:schemeClr val="tx1"/>
+                        </a:solidFill>
+                        <a:latin typeface="Khmer OS Battambang" panose="02000500000000020004" pitchFamily="2" charset="0"/>
+                        <a:cs typeface="Khmer OS Battambang" panose="02000500000000020004" pitchFamily="2" charset="0"/>
+                      </a:endParaRPr>
+                    </a:p>
+                  </a:txBody>
+                  <a:tcPr anchor="ctr">
+                    <a:lnL w="12700" cap="flat" cmpd="sng" algn="ctr">
+                      <a:solidFill>
+                        <a:schemeClr val="tx1"/>
+                      </a:solidFill>
+                      <a:prstDash val="solid"/>
+                      <a:round/>
+                      <a:headEnd type="none" w="med" len="med"/>
+                      <a:tailEnd type="none" w="med" len="med"/>
+                    </a:lnL>
+                    <a:lnR w="12700" cap="flat" cmpd="sng" algn="ctr">
+                      <a:solidFill>
+                        <a:schemeClr val="tx1"/>
+                      </a:solidFill>
+                      <a:prstDash val="solid"/>
+                      <a:round/>
+                      <a:headEnd type="none" w="med" len="med"/>
+                      <a:tailEnd type="none" w="med" len="med"/>
+                    </a:lnR>
+                    <a:lnT w="12700" cap="flat" cmpd="sng" algn="ctr">
+                      <a:solidFill>
+                        <a:schemeClr val="tx1"/>
+                      </a:solidFill>
+                      <a:prstDash val="solid"/>
+                      <a:round/>
+                      <a:headEnd type="none" w="med" len="med"/>
+                      <a:tailEnd type="none" w="med" len="med"/>
+                    </a:lnT>
+                    <a:lnB w="12700" cap="flat" cmpd="sng" algn="ctr">
+                      <a:solidFill>
+                        <a:schemeClr val="tx1"/>
+                      </a:solidFill>
+                      <a:prstDash val="solid"/>
+                      <a:round/>
+                      <a:headEnd type="none" w="med" len="med"/>
+                      <a:tailEnd type="none" w="med" len="med"/>
+                    </a:lnB>
+                    <a:noFill/>
+                  </a:tcPr>
+                </a:tc>
+                <a:extLst>
+                  <a:ext uri="{0D108BD9-81ED-4DB2-BD59-A6C34878D82A}">
+                    <a16:rowId xmlns:a16="http://schemas.microsoft.com/office/drawing/2014/main" val="863046830"/>
+                  </a:ext>
+                </a:extLst>
+              </a:tr>
+              <a:tr h="562916">
+                <a:tc>
+                  <a:txBody>
+                    <a:bodyPr/>
+                    <a:lstStyle/>
+                    <a:p>
+                      <a:pPr algn="ctr"/>
+                      <a:r>
+                        <a:rPr lang="en-US" sz="1400" b="1" dirty="0">
+                          <a:solidFill>
+                            <a:schemeClr val="tx1"/>
+                          </a:solidFill>
+                          <a:latin typeface="Khmer OS Battambang" panose="02000500000000020004" pitchFamily="2" charset="0"/>
+                          <a:cs typeface="Khmer OS Battambang" panose="02000500000000020004" pitchFamily="2" charset="0"/>
+                        </a:rPr>
+                        <a:t>&lt;ins&gt;</a:t>
+                      </a:r>
+                    </a:p>
+                  </a:txBody>
+                  <a:tcPr anchor="ctr">
+                    <a:lnL w="12700" cap="flat" cmpd="sng" algn="ctr">
+                      <a:solidFill>
+                        <a:schemeClr val="tx1"/>
+                      </a:solidFill>
+                      <a:prstDash val="solid"/>
+                      <a:round/>
+                      <a:headEnd type="none" w="med" len="med"/>
+                      <a:tailEnd type="none" w="med" len="med"/>
+                    </a:lnL>
+                    <a:lnR w="12700" cap="flat" cmpd="sng" algn="ctr">
+                      <a:solidFill>
+                        <a:schemeClr val="tx1"/>
+                      </a:solidFill>
+                      <a:prstDash val="solid"/>
+                      <a:round/>
+                      <a:headEnd type="none" w="med" len="med"/>
+                      <a:tailEnd type="none" w="med" len="med"/>
+                    </a:lnR>
+                    <a:lnT w="12700" cap="flat" cmpd="sng" algn="ctr">
+                      <a:solidFill>
+                        <a:schemeClr val="tx1"/>
+                      </a:solidFill>
+                      <a:prstDash val="solid"/>
+                      <a:round/>
+                      <a:headEnd type="none" w="med" len="med"/>
+                      <a:tailEnd type="none" w="med" len="med"/>
+                    </a:lnT>
+                    <a:lnB w="12700" cap="flat" cmpd="sng" algn="ctr">
+                      <a:solidFill>
+                        <a:schemeClr val="tx1"/>
+                      </a:solidFill>
+                      <a:prstDash val="solid"/>
+                      <a:round/>
+                      <a:headEnd type="none" w="med" len="med"/>
+                      <a:tailEnd type="none" w="med" len="med"/>
+                    </a:lnB>
+                    <a:noFill/>
+                  </a:tcPr>
+                </a:tc>
+                <a:tc>
+                  <a:txBody>
+                    <a:bodyPr/>
+                    <a:lstStyle/>
+                    <a:p>
+                      <a:pPr algn="ctr"/>
+                      <a:r>
+                        <a:rPr lang="km-KH" sz="1400" dirty="0">
+                          <a:solidFill>
+                            <a:schemeClr val="tx1"/>
+                          </a:solidFill>
+                          <a:latin typeface="Khmer OS Battambang" panose="02000500000000020004" pitchFamily="2" charset="0"/>
+                          <a:cs typeface="Khmer OS Battambang" panose="02000500000000020004" pitchFamily="2" charset="0"/>
+                        </a:rPr>
+                        <a:t>សម្រាប់អក្សរគូសពីក្រោម</a:t>
+                      </a:r>
+                      <a:endParaRPr lang="en-US" sz="1400" dirty="0">
+                        <a:solidFill>
+                          <a:schemeClr val="tx1"/>
+                        </a:solidFill>
+                        <a:latin typeface="Khmer OS Battambang" panose="02000500000000020004" pitchFamily="2" charset="0"/>
+                        <a:cs typeface="Khmer OS Battambang" panose="02000500000000020004" pitchFamily="2" charset="0"/>
+                      </a:endParaRPr>
+                    </a:p>
+                  </a:txBody>
+                  <a:tcPr anchor="ctr">
+                    <a:lnL w="12700" cap="flat" cmpd="sng" algn="ctr">
+                      <a:solidFill>
+                        <a:schemeClr val="tx1"/>
+                      </a:solidFill>
+                      <a:prstDash val="solid"/>
+                      <a:round/>
+                      <a:headEnd type="none" w="med" len="med"/>
+                      <a:tailEnd type="none" w="med" len="med"/>
+                    </a:lnL>
+                    <a:lnR w="12700" cap="flat" cmpd="sng" algn="ctr">
+                      <a:solidFill>
+                        <a:schemeClr val="tx1"/>
+                      </a:solidFill>
+                      <a:prstDash val="solid"/>
+                      <a:round/>
+                      <a:headEnd type="none" w="med" len="med"/>
+                      <a:tailEnd type="none" w="med" len="med"/>
+                    </a:lnR>
+                    <a:lnT w="12700" cap="flat" cmpd="sng" algn="ctr">
+                      <a:solidFill>
+                        <a:schemeClr val="tx1"/>
+                      </a:solidFill>
+                      <a:prstDash val="solid"/>
+                      <a:round/>
+                      <a:headEnd type="none" w="med" len="med"/>
+                      <a:tailEnd type="none" w="med" len="med"/>
+                    </a:lnT>
+                    <a:lnB w="12700" cap="flat" cmpd="sng" algn="ctr">
+                      <a:solidFill>
+                        <a:schemeClr val="tx1"/>
+                      </a:solidFill>
+                      <a:prstDash val="solid"/>
+                      <a:round/>
+                      <a:headEnd type="none" w="med" len="med"/>
+                      <a:tailEnd type="none" w="med" len="med"/>
+                    </a:lnB>
+                    <a:noFill/>
+                  </a:tcPr>
+                </a:tc>
+                <a:extLst>
+                  <a:ext uri="{0D108BD9-81ED-4DB2-BD59-A6C34878D82A}">
+                    <a16:rowId xmlns:a16="http://schemas.microsoft.com/office/drawing/2014/main" val="3735809258"/>
+                  </a:ext>
+                </a:extLst>
+              </a:tr>
+              <a:tr h="562916">
+                <a:tc>
+                  <a:txBody>
+                    <a:bodyPr/>
+                    <a:lstStyle/>
+                    <a:p>
+                      <a:pPr algn="ctr"/>
+                      <a:r>
+                        <a:rPr lang="en-US" sz="1400" b="1" dirty="0">
+                          <a:solidFill>
+                            <a:schemeClr val="tx1"/>
+                          </a:solidFill>
+                          <a:latin typeface="Khmer OS Battambang" panose="02000500000000020004" pitchFamily="2" charset="0"/>
+                          <a:cs typeface="Khmer OS Battambang" panose="02000500000000020004" pitchFamily="2" charset="0"/>
+                        </a:rPr>
+                        <a:t>&lt;sub&gt;</a:t>
+                      </a:r>
+                    </a:p>
+                  </a:txBody>
+                  <a:tcPr anchor="ctr">
+                    <a:lnL w="12700" cap="flat" cmpd="sng" algn="ctr">
+                      <a:solidFill>
+                        <a:schemeClr val="tx1"/>
+                      </a:solidFill>
+                      <a:prstDash val="solid"/>
+                      <a:round/>
+                      <a:headEnd type="none" w="med" len="med"/>
+                      <a:tailEnd type="none" w="med" len="med"/>
+                    </a:lnL>
+                    <a:lnR w="12700" cap="flat" cmpd="sng" algn="ctr">
+                      <a:solidFill>
+                        <a:schemeClr val="tx1"/>
+                      </a:solidFill>
+                      <a:prstDash val="solid"/>
+                      <a:round/>
+                      <a:headEnd type="none" w="med" len="med"/>
+                      <a:tailEnd type="none" w="med" len="med"/>
+                    </a:lnR>
+                    <a:lnT w="12700" cap="flat" cmpd="sng" algn="ctr">
+                      <a:solidFill>
+                        <a:schemeClr val="tx1"/>
+                      </a:solidFill>
+                      <a:prstDash val="solid"/>
+                      <a:round/>
+                      <a:headEnd type="none" w="med" len="med"/>
+                      <a:tailEnd type="none" w="med" len="med"/>
+                    </a:lnT>
+                    <a:lnB w="12700" cap="flat" cmpd="sng" algn="ctr">
+                      <a:solidFill>
+                        <a:schemeClr val="tx1"/>
+                      </a:solidFill>
+                      <a:prstDash val="solid"/>
+                      <a:round/>
+                      <a:headEnd type="none" w="med" len="med"/>
+                      <a:tailEnd type="none" w="med" len="med"/>
+                    </a:lnB>
+                    <a:noFill/>
+                  </a:tcPr>
+                </a:tc>
+                <a:tc>
+                  <a:txBody>
+                    <a:bodyPr/>
+                    <a:lstStyle/>
+                    <a:p>
+                      <a:pPr algn="ctr"/>
+                      <a:r>
+                        <a:rPr lang="km-KH" sz="1400" dirty="0">
+                          <a:solidFill>
+                            <a:schemeClr val="tx1"/>
+                          </a:solidFill>
+                          <a:latin typeface="Khmer OS Battambang" panose="02000500000000020004" pitchFamily="2" charset="0"/>
+                          <a:cs typeface="Khmer OS Battambang" panose="02000500000000020004" pitchFamily="2" charset="0"/>
+                        </a:rPr>
+                        <a:t>សម្រាប់អក្សរដែលសរសេរជាសន្ទស្សន៍</a:t>
+                      </a:r>
+                      <a:endParaRPr lang="en-US" sz="1400" dirty="0">
+                        <a:solidFill>
+                          <a:schemeClr val="tx1"/>
+                        </a:solidFill>
+                        <a:latin typeface="Khmer OS Battambang" panose="02000500000000020004" pitchFamily="2" charset="0"/>
+                        <a:cs typeface="Khmer OS Battambang" panose="02000500000000020004" pitchFamily="2" charset="0"/>
+                      </a:endParaRPr>
+                    </a:p>
+                  </a:txBody>
+                  <a:tcPr anchor="ctr">
+                    <a:lnL w="12700" cap="flat" cmpd="sng" algn="ctr">
+                      <a:solidFill>
+                        <a:schemeClr val="tx1"/>
+                      </a:solidFill>
+                      <a:prstDash val="solid"/>
+                      <a:round/>
+                      <a:headEnd type="none" w="med" len="med"/>
+                      <a:tailEnd type="none" w="med" len="med"/>
+                    </a:lnL>
+                    <a:lnR w="12700" cap="flat" cmpd="sng" algn="ctr">
+                      <a:solidFill>
+                        <a:schemeClr val="tx1"/>
+                      </a:solidFill>
+                      <a:prstDash val="solid"/>
+                      <a:round/>
+                      <a:headEnd type="none" w="med" len="med"/>
+                      <a:tailEnd type="none" w="med" len="med"/>
+                    </a:lnR>
+                    <a:lnT w="12700" cap="flat" cmpd="sng" algn="ctr">
+                      <a:solidFill>
+                        <a:schemeClr val="tx1"/>
+                      </a:solidFill>
+                      <a:prstDash val="solid"/>
+                      <a:round/>
+                      <a:headEnd type="none" w="med" len="med"/>
+                      <a:tailEnd type="none" w="med" len="med"/>
+                    </a:lnT>
+                    <a:lnB w="12700" cap="flat" cmpd="sng" algn="ctr">
+                      <a:solidFill>
+                        <a:schemeClr val="tx1"/>
+                      </a:solidFill>
+                      <a:prstDash val="solid"/>
+                      <a:round/>
+                      <a:headEnd type="none" w="med" len="med"/>
+                      <a:tailEnd type="none" w="med" len="med"/>
+                    </a:lnB>
+                    <a:noFill/>
+                  </a:tcPr>
+                </a:tc>
+                <a:extLst>
+                  <a:ext uri="{0D108BD9-81ED-4DB2-BD59-A6C34878D82A}">
+                    <a16:rowId xmlns:a16="http://schemas.microsoft.com/office/drawing/2014/main" val="3669803569"/>
+                  </a:ext>
+                </a:extLst>
+              </a:tr>
+              <a:tr h="562916">
+                <a:tc>
+                  <a:txBody>
+                    <a:bodyPr/>
+                    <a:lstStyle/>
+                    <a:p>
+                      <a:pPr algn="ctr"/>
+                      <a:r>
+                        <a:rPr lang="en-US" sz="1400" b="1" dirty="0">
+                          <a:solidFill>
+                            <a:schemeClr val="tx1"/>
+                          </a:solidFill>
+                          <a:latin typeface="Khmer OS Battambang" panose="02000500000000020004" pitchFamily="2" charset="0"/>
+                          <a:cs typeface="Khmer OS Battambang" panose="02000500000000020004" pitchFamily="2" charset="0"/>
+                        </a:rPr>
+                        <a:t>&lt;sup&gt;</a:t>
+                      </a:r>
+                    </a:p>
+                  </a:txBody>
+                  <a:tcPr anchor="ctr">
+                    <a:lnL w="12700" cap="flat" cmpd="sng" algn="ctr">
+                      <a:solidFill>
+                        <a:schemeClr val="tx1"/>
+                      </a:solidFill>
+                      <a:prstDash val="solid"/>
+                      <a:round/>
+                      <a:headEnd type="none" w="med" len="med"/>
+                      <a:tailEnd type="none" w="med" len="med"/>
+                    </a:lnL>
+                    <a:lnR w="12700" cap="flat" cmpd="sng" algn="ctr">
+                      <a:solidFill>
+                        <a:schemeClr val="tx1"/>
+                      </a:solidFill>
+                      <a:prstDash val="solid"/>
+                      <a:round/>
+                      <a:headEnd type="none" w="med" len="med"/>
+                      <a:tailEnd type="none" w="med" len="med"/>
+                    </a:lnR>
+                    <a:lnT w="12700" cap="flat" cmpd="sng" algn="ctr">
+                      <a:solidFill>
+                        <a:schemeClr val="tx1"/>
+                      </a:solidFill>
+                      <a:prstDash val="solid"/>
+                      <a:round/>
+                      <a:headEnd type="none" w="med" len="med"/>
+                      <a:tailEnd type="none" w="med" len="med"/>
+                    </a:lnT>
+                    <a:lnB w="12700" cap="flat" cmpd="sng" algn="ctr">
+                      <a:solidFill>
+                        <a:schemeClr val="tx1"/>
+                      </a:solidFill>
+                      <a:prstDash val="solid"/>
+                      <a:round/>
+                      <a:headEnd type="none" w="med" len="med"/>
+                      <a:tailEnd type="none" w="med" len="med"/>
+                    </a:lnB>
+                    <a:noFill/>
+                  </a:tcPr>
+                </a:tc>
+                <a:tc>
+                  <a:txBody>
+                    <a:bodyPr/>
+                    <a:lstStyle/>
+                    <a:p>
+                      <a:pPr algn="ctr"/>
+                      <a:r>
+                        <a:rPr lang="km-KH" sz="1400" dirty="0">
+                          <a:solidFill>
+                            <a:schemeClr val="tx1"/>
+                          </a:solidFill>
+                          <a:latin typeface="Khmer OS Battambang" panose="02000500000000020004" pitchFamily="2" charset="0"/>
+                          <a:cs typeface="Khmer OS Battambang" panose="02000500000000020004" pitchFamily="2" charset="0"/>
+                        </a:rPr>
+                        <a:t>សម្រាប់អក្សរដែលសសេរជាស្វ័យគុណ</a:t>
+                      </a:r>
+                      <a:endParaRPr lang="en-US" sz="1400" dirty="0">
+                        <a:solidFill>
+                          <a:schemeClr val="tx1"/>
+                        </a:solidFill>
+                        <a:latin typeface="Khmer OS Battambang" panose="02000500000000020004" pitchFamily="2" charset="0"/>
+                        <a:cs typeface="Khmer OS Battambang" panose="02000500000000020004" pitchFamily="2" charset="0"/>
+                      </a:endParaRPr>
+                    </a:p>
+                  </a:txBody>
+                  <a:tcPr anchor="ctr">
+                    <a:lnL w="12700" cap="flat" cmpd="sng" algn="ctr">
+                      <a:solidFill>
+                        <a:schemeClr val="tx1"/>
+                      </a:solidFill>
+                      <a:prstDash val="solid"/>
+                      <a:round/>
+                      <a:headEnd type="none" w="med" len="med"/>
+                      <a:tailEnd type="none" w="med" len="med"/>
+                    </a:lnL>
+                    <a:lnR w="12700" cap="flat" cmpd="sng" algn="ctr">
+                      <a:solidFill>
+                        <a:schemeClr val="tx1"/>
+                      </a:solidFill>
+                      <a:prstDash val="solid"/>
+                      <a:round/>
+                      <a:headEnd type="none" w="med" len="med"/>
+                      <a:tailEnd type="none" w="med" len="med"/>
+                    </a:lnR>
+                    <a:lnT w="12700" cap="flat" cmpd="sng" algn="ctr">
+                      <a:solidFill>
+                        <a:schemeClr val="tx1"/>
+                      </a:solidFill>
+                      <a:prstDash val="solid"/>
+                      <a:round/>
+                      <a:headEnd type="none" w="med" len="med"/>
+                      <a:tailEnd type="none" w="med" len="med"/>
+                    </a:lnT>
+                    <a:lnB w="12700" cap="flat" cmpd="sng" algn="ctr">
+                      <a:solidFill>
+                        <a:schemeClr val="tx1"/>
+                      </a:solidFill>
+                      <a:prstDash val="solid"/>
+                      <a:round/>
+                      <a:headEnd type="none" w="med" len="med"/>
+                      <a:tailEnd type="none" w="med" len="med"/>
+                    </a:lnB>
+                    <a:noFill/>
+                  </a:tcPr>
+                </a:tc>
+                <a:extLst>
+                  <a:ext uri="{0D108BD9-81ED-4DB2-BD59-A6C34878D82A}">
+                    <a16:rowId xmlns:a16="http://schemas.microsoft.com/office/drawing/2014/main" val="1957925344"/>
+                  </a:ext>
+                </a:extLst>
+              </a:tr>
+            </a:tbl>
+          </a:graphicData>
+        </a:graphic>
+      </p:graphicFrame>
+    </p:spTree>
+    <p:extLst>
+      <p:ext uri="{BB962C8B-B14F-4D97-AF65-F5344CB8AC3E}">
+        <p14:creationId xmlns:p14="http://schemas.microsoft.com/office/powerpoint/2010/main" val="830625319"/>
+      </p:ext>
+    </p:extLst>
+  </p:cSld>
+  <p:clrMapOvr>
+    <a:masterClrMapping/>
+  </p:clrMapOvr>
+</p:sld>
+</file>
+
+<file path=ppt/slides/slide15.xml><?xml version="1.0" encoding="utf-8"?>
+<p:sld xmlns:a="http://schemas.openxmlformats.org/drawingml/2006/main" xmlns:r="http://schemas.openxmlformats.org/officeDocument/2006/relationships" xmlns:p="http://schemas.openxmlformats.org/presentationml/2006/main">
+  <p:cSld>
+    <p:spTree>
+      <p:nvGrpSpPr>
+        <p:cNvPr id="1" name=""/>
+        <p:cNvGrpSpPr/>
+        <p:nvPr/>
+      </p:nvGrpSpPr>
+      <p:grpSpPr>
+        <a:xfrm>
+          <a:off x="0" y="0"/>
+          <a:ext cx="0" cy="0"/>
+          <a:chOff x="0" y="0"/>
+          <a:chExt cx="0" cy="0"/>
+        </a:xfrm>
+      </p:grpSpPr>
+      <p:pic>
+        <p:nvPicPr>
+          <p:cNvPr id="7" name="Picture 8" descr="Html 5 Detailed Flat Circular Flat icon">
+            <a:extLst>
+              <a:ext uri="{FF2B5EF4-FFF2-40B4-BE49-F238E27FC236}">
+                <a16:creationId xmlns:a16="http://schemas.microsoft.com/office/drawing/2014/main" id="{26F87EE6-249B-FFEB-B903-3F54D0D4EA22}"/>
+              </a:ext>
+            </a:extLst>
+          </p:cNvPr>
+          <p:cNvPicPr>
+            <a:picLocks noChangeAspect="1" noChangeArrowheads="1"/>
+          </p:cNvPicPr>
+          <p:nvPr/>
+        </p:nvPicPr>
+        <p:blipFill>
+          <a:blip r:embed="rId2">
+            <a:extLst>
+              <a:ext uri="{28A0092B-C50C-407E-A947-70E740481C1C}">
+                <a14:useLocalDpi xmlns:a14="http://schemas.microsoft.com/office/drawing/2010/main" val="0"/>
+              </a:ext>
+            </a:extLst>
+          </a:blip>
+          <a:srcRect/>
+          <a:stretch>
+            <a:fillRect/>
+          </a:stretch>
+        </p:blipFill>
+        <p:spPr bwMode="auto">
+          <a:xfrm>
+            <a:off x="1115070" y="1664302"/>
+            <a:ext cx="3318461" cy="3318461"/>
+          </a:xfrm>
+          <a:prstGeom prst="rect">
+            <a:avLst/>
+          </a:prstGeom>
+          <a:noFill/>
+          <a:extLst>
+            <a:ext uri="{909E8E84-426E-40DD-AFC4-6F175D3DCCD1}">
+              <a14:hiddenFill xmlns:a14="http://schemas.microsoft.com/office/drawing/2010/main">
+                <a:solidFill>
+                  <a:srgbClr val="FFFFFF"/>
+                </a:solidFill>
+              </a14:hiddenFill>
+            </a:ext>
+          </a:extLst>
+        </p:spPr>
+      </p:pic>
+      <p:sp>
+        <p:nvSpPr>
+          <p:cNvPr id="2" name="TextBox 1">
+            <a:extLst>
+              <a:ext uri="{FF2B5EF4-FFF2-40B4-BE49-F238E27FC236}">
+                <a16:creationId xmlns:a16="http://schemas.microsoft.com/office/drawing/2014/main" id="{5366957A-F718-3CBF-05E0-59417ACEB6A8}"/>
+              </a:ext>
+            </a:extLst>
+          </p:cNvPr>
+          <p:cNvSpPr txBox="1"/>
+          <p:nvPr/>
+        </p:nvSpPr>
+        <p:spPr>
+          <a:xfrm>
+            <a:off x="5340221" y="2321004"/>
+            <a:ext cx="5557935" cy="2215991"/>
+          </a:xfrm>
+          <a:prstGeom prst="rect">
+            <a:avLst/>
+          </a:prstGeom>
+          <a:noFill/>
+        </p:spPr>
+        <p:txBody>
+          <a:bodyPr wrap="square" rtlCol="0">
+            <a:spAutoFit/>
+          </a:bodyPr>
+          <a:lstStyle/>
+          <a:p>
+            <a:pPr algn="ctr"/>
+            <a:r>
+              <a:rPr lang="en-US" sz="13800" b="1" dirty="0">
+                <a:latin typeface="Khmer OS Siemreap" panose="02000500000000020004" pitchFamily="2" charset="0"/>
+                <a:cs typeface="Khmer OS Siemreap" panose="02000500000000020004" pitchFamily="2" charset="0"/>
+              </a:rPr>
+              <a:t>Demo</a:t>
+            </a:r>
+          </a:p>
+        </p:txBody>
+      </p:sp>
+    </p:spTree>
+    <p:extLst>
+      <p:ext uri="{BB962C8B-B14F-4D97-AF65-F5344CB8AC3E}">
+        <p14:creationId xmlns:p14="http://schemas.microsoft.com/office/powerpoint/2010/main" val="1420779334"/>
+      </p:ext>
+    </p:extLst>
+  </p:cSld>
+  <p:clrMapOvr>
+    <a:masterClrMapping/>
+  </p:clrMapOvr>
+</p:sld>
+</file>
+
+<file path=ppt/slides/slide16.xml><?xml version="1.0" encoding="utf-8"?>
+<p:sld xmlns:a="http://schemas.openxmlformats.org/drawingml/2006/main" xmlns:r="http://schemas.openxmlformats.org/officeDocument/2006/relationships" xmlns:p="http://schemas.openxmlformats.org/presentationml/2006/main">
+  <p:cSld>
+    <p:spTree>
+      <p:nvGrpSpPr>
+        <p:cNvPr id="1" name=""/>
+        <p:cNvGrpSpPr/>
+        <p:nvPr/>
+      </p:nvGrpSpPr>
+      <p:grpSpPr>
+        <a:xfrm>
+          <a:off x="0" y="0"/>
+          <a:ext cx="0" cy="0"/>
+          <a:chOff x="0" y="0"/>
+          <a:chExt cx="0" cy="0"/>
+        </a:xfrm>
+      </p:grpSpPr>
+      <p:pic>
+        <p:nvPicPr>
+          <p:cNvPr id="7" name="Picture 8" descr="Html 5 Detailed Flat Circular Flat icon">
+            <a:extLst>
+              <a:ext uri="{FF2B5EF4-FFF2-40B4-BE49-F238E27FC236}">
+                <a16:creationId xmlns:a16="http://schemas.microsoft.com/office/drawing/2014/main" id="{26F87EE6-249B-FFEB-B903-3F54D0D4EA22}"/>
+              </a:ext>
+            </a:extLst>
+          </p:cNvPr>
+          <p:cNvPicPr>
+            <a:picLocks noChangeAspect="1" noChangeArrowheads="1"/>
+          </p:cNvPicPr>
+          <p:nvPr/>
+        </p:nvPicPr>
+        <p:blipFill>
+          <a:blip r:embed="rId2">
+            <a:extLst>
+              <a:ext uri="{28A0092B-C50C-407E-A947-70E740481C1C}">
+                <a14:useLocalDpi xmlns:a14="http://schemas.microsoft.com/office/drawing/2010/main" val="0"/>
+              </a:ext>
+            </a:extLst>
+          </a:blip>
+          <a:srcRect/>
+          <a:stretch>
+            <a:fillRect/>
+          </a:stretch>
+        </p:blipFill>
+        <p:spPr bwMode="auto">
+          <a:xfrm>
             <a:off x="723185" y="1769769"/>
             <a:ext cx="3318461" cy="3318461"/>
           </a:xfrm>
@@ -4244,6 +6565,389 @@
     <p:extLst>
       <p:ext uri="{BB962C8B-B14F-4D97-AF65-F5344CB8AC3E}">
         <p14:creationId xmlns:p14="http://schemas.microsoft.com/office/powerpoint/2010/main" val="85035572"/>
+      </p:ext>
+    </p:extLst>
+  </p:cSld>
+  <p:clrMapOvr>
+    <a:masterClrMapping/>
+  </p:clrMapOvr>
+</p:sld>
+</file>
+
+<file path=ppt/slides/slide17.xml><?xml version="1.0" encoding="utf-8"?>
+<p:sld xmlns:a="http://schemas.openxmlformats.org/drawingml/2006/main" xmlns:r="http://schemas.openxmlformats.org/officeDocument/2006/relationships" xmlns:p="http://schemas.openxmlformats.org/presentationml/2006/main">
+  <p:cSld>
+    <p:spTree>
+      <p:nvGrpSpPr>
+        <p:cNvPr id="1" name=""/>
+        <p:cNvGrpSpPr/>
+        <p:nvPr/>
+      </p:nvGrpSpPr>
+      <p:grpSpPr>
+        <a:xfrm>
+          <a:off x="0" y="0"/>
+          <a:ext cx="0" cy="0"/>
+          <a:chOff x="0" y="0"/>
+          <a:chExt cx="0" cy="0"/>
+        </a:xfrm>
+      </p:grpSpPr>
+      <p:pic>
+        <p:nvPicPr>
+          <p:cNvPr id="7" name="Picture 8" descr="Html 5 Detailed Flat Circular Flat icon">
+            <a:extLst>
+              <a:ext uri="{FF2B5EF4-FFF2-40B4-BE49-F238E27FC236}">
+                <a16:creationId xmlns:a16="http://schemas.microsoft.com/office/drawing/2014/main" id="{26F87EE6-249B-FFEB-B903-3F54D0D4EA22}"/>
+              </a:ext>
+            </a:extLst>
+          </p:cNvPr>
+          <p:cNvPicPr>
+            <a:picLocks noChangeAspect="1" noChangeArrowheads="1"/>
+          </p:cNvPicPr>
+          <p:nvPr/>
+        </p:nvPicPr>
+        <p:blipFill>
+          <a:blip r:embed="rId2">
+            <a:extLst>
+              <a:ext uri="{28A0092B-C50C-407E-A947-70E740481C1C}">
+                <a14:useLocalDpi xmlns:a14="http://schemas.microsoft.com/office/drawing/2010/main" val="0"/>
+              </a:ext>
+            </a:extLst>
+          </a:blip>
+          <a:srcRect/>
+          <a:stretch>
+            <a:fillRect/>
+          </a:stretch>
+        </p:blipFill>
+        <p:spPr bwMode="auto">
+          <a:xfrm>
+            <a:off x="1115070" y="1664302"/>
+            <a:ext cx="3318461" cy="3318461"/>
+          </a:xfrm>
+          <a:prstGeom prst="rect">
+            <a:avLst/>
+          </a:prstGeom>
+          <a:noFill/>
+          <a:extLst>
+            <a:ext uri="{909E8E84-426E-40DD-AFC4-6F175D3DCCD1}">
+              <a14:hiddenFill xmlns:a14="http://schemas.microsoft.com/office/drawing/2010/main">
+                <a:solidFill>
+                  <a:srgbClr val="FFFFFF"/>
+                </a:solidFill>
+              </a14:hiddenFill>
+            </a:ext>
+          </a:extLst>
+        </p:spPr>
+      </p:pic>
+      <p:sp>
+        <p:nvSpPr>
+          <p:cNvPr id="2" name="TextBox 1">
+            <a:extLst>
+              <a:ext uri="{FF2B5EF4-FFF2-40B4-BE49-F238E27FC236}">
+                <a16:creationId xmlns:a16="http://schemas.microsoft.com/office/drawing/2014/main" id="{5366957A-F718-3CBF-05E0-59417ACEB6A8}"/>
+              </a:ext>
+            </a:extLst>
+          </p:cNvPr>
+          <p:cNvSpPr txBox="1"/>
+          <p:nvPr/>
+        </p:nvSpPr>
+        <p:spPr>
+          <a:xfrm>
+            <a:off x="5340221" y="2321004"/>
+            <a:ext cx="5557935" cy="2215991"/>
+          </a:xfrm>
+          <a:prstGeom prst="rect">
+            <a:avLst/>
+          </a:prstGeom>
+          <a:noFill/>
+        </p:spPr>
+        <p:txBody>
+          <a:bodyPr wrap="square" rtlCol="0">
+            <a:spAutoFit/>
+          </a:bodyPr>
+          <a:lstStyle/>
+          <a:p>
+            <a:pPr algn="ctr"/>
+            <a:r>
+              <a:rPr lang="en-US" sz="13800" b="1" dirty="0">
+                <a:latin typeface="Khmer OS Siemreap" panose="02000500000000020004" pitchFamily="2" charset="0"/>
+                <a:cs typeface="Khmer OS Siemreap" panose="02000500000000020004" pitchFamily="2" charset="0"/>
+              </a:rPr>
+              <a:t>Demo</a:t>
+            </a:r>
+          </a:p>
+        </p:txBody>
+      </p:sp>
+    </p:spTree>
+    <p:extLst>
+      <p:ext uri="{BB962C8B-B14F-4D97-AF65-F5344CB8AC3E}">
+        <p14:creationId xmlns:p14="http://schemas.microsoft.com/office/powerpoint/2010/main" val="74297977"/>
+      </p:ext>
+    </p:extLst>
+  </p:cSld>
+  <p:clrMapOvr>
+    <a:masterClrMapping/>
+  </p:clrMapOvr>
+</p:sld>
+</file>
+
+<file path=ppt/slides/slide18.xml><?xml version="1.0" encoding="utf-8"?>
+<p:sld xmlns:a="http://schemas.openxmlformats.org/drawingml/2006/main" xmlns:r="http://schemas.openxmlformats.org/officeDocument/2006/relationships" xmlns:p="http://schemas.openxmlformats.org/presentationml/2006/main">
+  <p:cSld>
+    <p:spTree>
+      <p:nvGrpSpPr>
+        <p:cNvPr id="1" name=""/>
+        <p:cNvGrpSpPr/>
+        <p:nvPr/>
+      </p:nvGrpSpPr>
+      <p:grpSpPr>
+        <a:xfrm>
+          <a:off x="0" y="0"/>
+          <a:ext cx="0" cy="0"/>
+          <a:chOff x="0" y="0"/>
+          <a:chExt cx="0" cy="0"/>
+        </a:xfrm>
+      </p:grpSpPr>
+      <p:pic>
+        <p:nvPicPr>
+          <p:cNvPr id="7" name="Picture 8" descr="Html 5 Detailed Flat Circular Flat icon">
+            <a:extLst>
+              <a:ext uri="{FF2B5EF4-FFF2-40B4-BE49-F238E27FC236}">
+                <a16:creationId xmlns:a16="http://schemas.microsoft.com/office/drawing/2014/main" id="{26F87EE6-249B-FFEB-B903-3F54D0D4EA22}"/>
+              </a:ext>
+            </a:extLst>
+          </p:cNvPr>
+          <p:cNvPicPr>
+            <a:picLocks noChangeAspect="1" noChangeArrowheads="1"/>
+          </p:cNvPicPr>
+          <p:nvPr/>
+        </p:nvPicPr>
+        <p:blipFill>
+          <a:blip r:embed="rId2">
+            <a:extLst>
+              <a:ext uri="{28A0092B-C50C-407E-A947-70E740481C1C}">
+                <a14:useLocalDpi xmlns:a14="http://schemas.microsoft.com/office/drawing/2010/main" val="0"/>
+              </a:ext>
+            </a:extLst>
+          </a:blip>
+          <a:srcRect/>
+          <a:stretch>
+            <a:fillRect/>
+          </a:stretch>
+        </p:blipFill>
+        <p:spPr bwMode="auto">
+          <a:xfrm>
+            <a:off x="723185" y="1769769"/>
+            <a:ext cx="3318461" cy="3318461"/>
+          </a:xfrm>
+          <a:prstGeom prst="rect">
+            <a:avLst/>
+          </a:prstGeom>
+          <a:noFill/>
+          <a:extLst>
+            <a:ext uri="{909E8E84-426E-40DD-AFC4-6F175D3DCCD1}">
+              <a14:hiddenFill xmlns:a14="http://schemas.microsoft.com/office/drawing/2010/main">
+                <a:solidFill>
+                  <a:srgbClr val="FFFFFF"/>
+                </a:solidFill>
+              </a14:hiddenFill>
+            </a:ext>
+          </a:extLst>
+        </p:spPr>
+      </p:pic>
+      <p:sp>
+        <p:nvSpPr>
+          <p:cNvPr id="2" name="TextBox 1">
+            <a:extLst>
+              <a:ext uri="{FF2B5EF4-FFF2-40B4-BE49-F238E27FC236}">
+                <a16:creationId xmlns:a16="http://schemas.microsoft.com/office/drawing/2014/main" id="{5366957A-F718-3CBF-05E0-59417ACEB6A8}"/>
+              </a:ext>
+            </a:extLst>
+          </p:cNvPr>
+          <p:cNvSpPr txBox="1"/>
+          <p:nvPr/>
+        </p:nvSpPr>
+        <p:spPr>
+          <a:xfrm>
+            <a:off x="3957799" y="1769769"/>
+            <a:ext cx="7892079" cy="1508105"/>
+          </a:xfrm>
+          <a:prstGeom prst="rect">
+            <a:avLst/>
+          </a:prstGeom>
+          <a:noFill/>
+        </p:spPr>
+        <p:txBody>
+          <a:bodyPr wrap="square" rtlCol="0">
+            <a:spAutoFit/>
+          </a:bodyPr>
+          <a:lstStyle/>
+          <a:p>
+            <a:pPr algn="ctr"/>
+            <a:r>
+              <a:rPr lang="km-KH" sz="4800" b="1" dirty="0">
+                <a:latin typeface="Khmer OS Siemreap" panose="02000500000000020004" pitchFamily="2" charset="0"/>
+                <a:cs typeface="Khmer OS Siemreap" panose="02000500000000020004" pitchFamily="2" charset="0"/>
+              </a:rPr>
+              <a:t>តើ</a:t>
+            </a:r>
+            <a:r>
+              <a:rPr lang="km-KH" sz="4400" b="1" dirty="0">
+                <a:latin typeface="Khmer OS Siemreap" panose="02000500000000020004" pitchFamily="2" charset="0"/>
+                <a:cs typeface="Khmer OS Siemreap" panose="02000500000000020004" pitchFamily="2" charset="0"/>
+              </a:rPr>
+              <a:t>អ្វីជា</a:t>
+            </a:r>
+            <a:r>
+              <a:rPr lang="en-US" sz="4400" b="1" dirty="0">
+                <a:latin typeface="Khmer OS Siemreap" panose="02000500000000020004" pitchFamily="2" charset="0"/>
+                <a:cs typeface="Khmer OS Siemreap" panose="02000500000000020004" pitchFamily="2" charset="0"/>
+              </a:rPr>
+              <a:t> Color</a:t>
+            </a:r>
+            <a:r>
+              <a:rPr lang="km-KH" sz="4400" b="1" dirty="0">
+                <a:latin typeface="Khmer OS Siemreap" panose="02000500000000020004" pitchFamily="2" charset="0"/>
+                <a:cs typeface="Khmer OS Siemreap" panose="02000500000000020004" pitchFamily="2" charset="0"/>
+              </a:rPr>
+              <a:t> ក្នុង</a:t>
+            </a:r>
+            <a:r>
+              <a:rPr lang="en-US" sz="4400" b="1" dirty="0">
+                <a:latin typeface="Khmer OS Siemreap" panose="02000500000000020004" pitchFamily="2" charset="0"/>
+                <a:cs typeface="Khmer OS Siemreap" panose="02000500000000020004" pitchFamily="2" charset="0"/>
+              </a:rPr>
+              <a:t> HTML?</a:t>
+            </a:r>
+          </a:p>
+          <a:p>
+            <a:pPr algn="ctr"/>
+            <a:endParaRPr lang="km-KH" sz="4400" b="1" dirty="0">
+              <a:latin typeface="Khmer OS Siemreap" panose="02000500000000020004" pitchFamily="2" charset="0"/>
+              <a:cs typeface="Khmer OS Siemreap" panose="02000500000000020004" pitchFamily="2" charset="0"/>
+            </a:endParaRPr>
+          </a:p>
+        </p:txBody>
+      </p:sp>
+    </p:spTree>
+    <p:extLst>
+      <p:ext uri="{BB962C8B-B14F-4D97-AF65-F5344CB8AC3E}">
+        <p14:creationId xmlns:p14="http://schemas.microsoft.com/office/powerpoint/2010/main" val="2317476096"/>
+      </p:ext>
+    </p:extLst>
+  </p:cSld>
+  <p:clrMapOvr>
+    <a:masterClrMapping/>
+  </p:clrMapOvr>
+</p:sld>
+</file>
+
+<file path=ppt/slides/slide19.xml><?xml version="1.0" encoding="utf-8"?>
+<p:sld xmlns:a="http://schemas.openxmlformats.org/drawingml/2006/main" xmlns:r="http://schemas.openxmlformats.org/officeDocument/2006/relationships" xmlns:p="http://schemas.openxmlformats.org/presentationml/2006/main">
+  <p:cSld>
+    <p:spTree>
+      <p:nvGrpSpPr>
+        <p:cNvPr id="1" name=""/>
+        <p:cNvGrpSpPr/>
+        <p:nvPr/>
+      </p:nvGrpSpPr>
+      <p:grpSpPr>
+        <a:xfrm>
+          <a:off x="0" y="0"/>
+          <a:ext cx="0" cy="0"/>
+          <a:chOff x="0" y="0"/>
+          <a:chExt cx="0" cy="0"/>
+        </a:xfrm>
+      </p:grpSpPr>
+      <p:pic>
+        <p:nvPicPr>
+          <p:cNvPr id="7" name="Picture 8" descr="Html 5 Detailed Flat Circular Flat icon">
+            <a:extLst>
+              <a:ext uri="{FF2B5EF4-FFF2-40B4-BE49-F238E27FC236}">
+                <a16:creationId xmlns:a16="http://schemas.microsoft.com/office/drawing/2014/main" id="{26F87EE6-249B-FFEB-B903-3F54D0D4EA22}"/>
+              </a:ext>
+            </a:extLst>
+          </p:cNvPr>
+          <p:cNvPicPr>
+            <a:picLocks noChangeAspect="1" noChangeArrowheads="1"/>
+          </p:cNvPicPr>
+          <p:nvPr/>
+        </p:nvPicPr>
+        <p:blipFill>
+          <a:blip r:embed="rId2">
+            <a:extLst>
+              <a:ext uri="{28A0092B-C50C-407E-A947-70E740481C1C}">
+                <a14:useLocalDpi xmlns:a14="http://schemas.microsoft.com/office/drawing/2010/main" val="0"/>
+              </a:ext>
+            </a:extLst>
+          </a:blip>
+          <a:srcRect/>
+          <a:stretch>
+            <a:fillRect/>
+          </a:stretch>
+        </p:blipFill>
+        <p:spPr bwMode="auto">
+          <a:xfrm>
+            <a:off x="1115070" y="1664302"/>
+            <a:ext cx="3318461" cy="3318461"/>
+          </a:xfrm>
+          <a:prstGeom prst="rect">
+            <a:avLst/>
+          </a:prstGeom>
+          <a:noFill/>
+          <a:extLst>
+            <a:ext uri="{909E8E84-426E-40DD-AFC4-6F175D3DCCD1}">
+              <a14:hiddenFill xmlns:a14="http://schemas.microsoft.com/office/drawing/2010/main">
+                <a:solidFill>
+                  <a:srgbClr val="FFFFFF"/>
+                </a:solidFill>
+              </a14:hiddenFill>
+            </a:ext>
+          </a:extLst>
+        </p:spPr>
+      </p:pic>
+      <p:sp>
+        <p:nvSpPr>
+          <p:cNvPr id="2" name="TextBox 1">
+            <a:extLst>
+              <a:ext uri="{FF2B5EF4-FFF2-40B4-BE49-F238E27FC236}">
+                <a16:creationId xmlns:a16="http://schemas.microsoft.com/office/drawing/2014/main" id="{5366957A-F718-3CBF-05E0-59417ACEB6A8}"/>
+              </a:ext>
+            </a:extLst>
+          </p:cNvPr>
+          <p:cNvSpPr txBox="1"/>
+          <p:nvPr/>
+        </p:nvSpPr>
+        <p:spPr>
+          <a:xfrm>
+            <a:off x="5340221" y="2321004"/>
+            <a:ext cx="5557935" cy="2215991"/>
+          </a:xfrm>
+          <a:prstGeom prst="rect">
+            <a:avLst/>
+          </a:prstGeom>
+          <a:noFill/>
+        </p:spPr>
+        <p:txBody>
+          <a:bodyPr wrap="square" rtlCol="0">
+            <a:spAutoFit/>
+          </a:bodyPr>
+          <a:lstStyle/>
+          <a:p>
+            <a:pPr algn="ctr"/>
+            <a:r>
+              <a:rPr lang="en-US" sz="13800" b="1" dirty="0">
+                <a:latin typeface="Khmer OS Siemreap" panose="02000500000000020004" pitchFamily="2" charset="0"/>
+                <a:cs typeface="Khmer OS Siemreap" panose="02000500000000020004" pitchFamily="2" charset="0"/>
+              </a:rPr>
+              <a:t>Demo</a:t>
+            </a:r>
+          </a:p>
+        </p:txBody>
+      </p:sp>
+    </p:spTree>
+    <p:extLst>
+      <p:ext uri="{BB962C8B-B14F-4D97-AF65-F5344CB8AC3E}">
+        <p14:creationId xmlns:p14="http://schemas.microsoft.com/office/powerpoint/2010/main" val="1552306814"/>
       </p:ext>
     </p:extLst>
   </p:cSld>
@@ -4367,6 +7071,807 @@
     <p:extLst>
       <p:ext uri="{BB962C8B-B14F-4D97-AF65-F5344CB8AC3E}">
         <p14:creationId xmlns:p14="http://schemas.microsoft.com/office/powerpoint/2010/main" val="2062688673"/>
+      </p:ext>
+    </p:extLst>
+  </p:cSld>
+  <p:clrMapOvr>
+    <a:masterClrMapping/>
+  </p:clrMapOvr>
+</p:sld>
+</file>
+
+<file path=ppt/slides/slide20.xml><?xml version="1.0" encoding="utf-8"?>
+<p:sld xmlns:a="http://schemas.openxmlformats.org/drawingml/2006/main" xmlns:r="http://schemas.openxmlformats.org/officeDocument/2006/relationships" xmlns:p="http://schemas.openxmlformats.org/presentationml/2006/main">
+  <p:cSld>
+    <p:spTree>
+      <p:nvGrpSpPr>
+        <p:cNvPr id="1" name=""/>
+        <p:cNvGrpSpPr/>
+        <p:nvPr/>
+      </p:nvGrpSpPr>
+      <p:grpSpPr>
+        <a:xfrm>
+          <a:off x="0" y="0"/>
+          <a:ext cx="0" cy="0"/>
+          <a:chOff x="0" y="0"/>
+          <a:chExt cx="0" cy="0"/>
+        </a:xfrm>
+      </p:grpSpPr>
+      <p:pic>
+        <p:nvPicPr>
+          <p:cNvPr id="7" name="Picture 8" descr="Html 5 Detailed Flat Circular Flat icon">
+            <a:extLst>
+              <a:ext uri="{FF2B5EF4-FFF2-40B4-BE49-F238E27FC236}">
+                <a16:creationId xmlns:a16="http://schemas.microsoft.com/office/drawing/2014/main" id="{26F87EE6-249B-FFEB-B903-3F54D0D4EA22}"/>
+              </a:ext>
+            </a:extLst>
+          </p:cNvPr>
+          <p:cNvPicPr>
+            <a:picLocks noChangeAspect="1" noChangeArrowheads="1"/>
+          </p:cNvPicPr>
+          <p:nvPr/>
+        </p:nvPicPr>
+        <p:blipFill>
+          <a:blip r:embed="rId2">
+            <a:extLst>
+              <a:ext uri="{28A0092B-C50C-407E-A947-70E740481C1C}">
+                <a14:useLocalDpi xmlns:a14="http://schemas.microsoft.com/office/drawing/2010/main" val="0"/>
+              </a:ext>
+            </a:extLst>
+          </a:blip>
+          <a:srcRect/>
+          <a:stretch>
+            <a:fillRect/>
+          </a:stretch>
+        </p:blipFill>
+        <p:spPr bwMode="auto">
+          <a:xfrm>
+            <a:off x="723185" y="1769769"/>
+            <a:ext cx="3318461" cy="3318461"/>
+          </a:xfrm>
+          <a:prstGeom prst="rect">
+            <a:avLst/>
+          </a:prstGeom>
+          <a:noFill/>
+          <a:extLst>
+            <a:ext uri="{909E8E84-426E-40DD-AFC4-6F175D3DCCD1}">
+              <a14:hiddenFill xmlns:a14="http://schemas.microsoft.com/office/drawing/2010/main">
+                <a:solidFill>
+                  <a:srgbClr val="FFFFFF"/>
+                </a:solidFill>
+              </a14:hiddenFill>
+            </a:ext>
+          </a:extLst>
+        </p:spPr>
+      </p:pic>
+      <p:sp>
+        <p:nvSpPr>
+          <p:cNvPr id="2" name="TextBox 1">
+            <a:extLst>
+              <a:ext uri="{FF2B5EF4-FFF2-40B4-BE49-F238E27FC236}">
+                <a16:creationId xmlns:a16="http://schemas.microsoft.com/office/drawing/2014/main" id="{5366957A-F718-3CBF-05E0-59417ACEB6A8}"/>
+              </a:ext>
+            </a:extLst>
+          </p:cNvPr>
+          <p:cNvSpPr txBox="1"/>
+          <p:nvPr/>
+        </p:nvSpPr>
+        <p:spPr>
+          <a:xfrm>
+            <a:off x="3957799" y="1769769"/>
+            <a:ext cx="7892079" cy="1508105"/>
+          </a:xfrm>
+          <a:prstGeom prst="rect">
+            <a:avLst/>
+          </a:prstGeom>
+          <a:noFill/>
+        </p:spPr>
+        <p:txBody>
+          <a:bodyPr wrap="square" rtlCol="0">
+            <a:spAutoFit/>
+          </a:bodyPr>
+          <a:lstStyle/>
+          <a:p>
+            <a:pPr algn="ctr"/>
+            <a:r>
+              <a:rPr lang="km-KH" sz="4800" b="1" dirty="0">
+                <a:latin typeface="Khmer OS Siemreap" panose="02000500000000020004" pitchFamily="2" charset="0"/>
+                <a:cs typeface="Khmer OS Siemreap" panose="02000500000000020004" pitchFamily="2" charset="0"/>
+              </a:rPr>
+              <a:t>តើ</a:t>
+            </a:r>
+            <a:r>
+              <a:rPr lang="km-KH" sz="4400" b="1" dirty="0">
+                <a:latin typeface="Khmer OS Siemreap" panose="02000500000000020004" pitchFamily="2" charset="0"/>
+                <a:cs typeface="Khmer OS Siemreap" panose="02000500000000020004" pitchFamily="2" charset="0"/>
+              </a:rPr>
+              <a:t>អ្វីជា</a:t>
+            </a:r>
+            <a:r>
+              <a:rPr lang="en-US" sz="4400" b="1" dirty="0">
+                <a:latin typeface="Khmer OS Siemreap" panose="02000500000000020004" pitchFamily="2" charset="0"/>
+                <a:cs typeface="Khmer OS Siemreap" panose="02000500000000020004" pitchFamily="2" charset="0"/>
+              </a:rPr>
+              <a:t> Images</a:t>
+            </a:r>
+            <a:r>
+              <a:rPr lang="km-KH" sz="4400" b="1" dirty="0">
+                <a:latin typeface="Khmer OS Siemreap" panose="02000500000000020004" pitchFamily="2" charset="0"/>
+                <a:cs typeface="Khmer OS Siemreap" panose="02000500000000020004" pitchFamily="2" charset="0"/>
+              </a:rPr>
+              <a:t> ក្នុង</a:t>
+            </a:r>
+            <a:r>
+              <a:rPr lang="en-US" sz="4400" b="1" dirty="0">
+                <a:latin typeface="Khmer OS Siemreap" panose="02000500000000020004" pitchFamily="2" charset="0"/>
+                <a:cs typeface="Khmer OS Siemreap" panose="02000500000000020004" pitchFamily="2" charset="0"/>
+              </a:rPr>
+              <a:t> HTML?</a:t>
+            </a:r>
+          </a:p>
+          <a:p>
+            <a:pPr algn="ctr"/>
+            <a:endParaRPr lang="km-KH" sz="4400" b="1" dirty="0">
+              <a:latin typeface="Khmer OS Siemreap" panose="02000500000000020004" pitchFamily="2" charset="0"/>
+              <a:cs typeface="Khmer OS Siemreap" panose="02000500000000020004" pitchFamily="2" charset="0"/>
+            </a:endParaRPr>
+          </a:p>
+        </p:txBody>
+      </p:sp>
+    </p:spTree>
+    <p:extLst>
+      <p:ext uri="{BB962C8B-B14F-4D97-AF65-F5344CB8AC3E}">
+        <p14:creationId xmlns:p14="http://schemas.microsoft.com/office/powerpoint/2010/main" val="3649901522"/>
+      </p:ext>
+    </p:extLst>
+  </p:cSld>
+  <p:clrMapOvr>
+    <a:masterClrMapping/>
+  </p:clrMapOvr>
+</p:sld>
+</file>
+
+<file path=ppt/slides/slide21.xml><?xml version="1.0" encoding="utf-8"?>
+<p:sld xmlns:a="http://schemas.openxmlformats.org/drawingml/2006/main" xmlns:r="http://schemas.openxmlformats.org/officeDocument/2006/relationships" xmlns:p="http://schemas.openxmlformats.org/presentationml/2006/main">
+  <p:cSld>
+    <p:spTree>
+      <p:nvGrpSpPr>
+        <p:cNvPr id="1" name=""/>
+        <p:cNvGrpSpPr/>
+        <p:nvPr/>
+      </p:nvGrpSpPr>
+      <p:grpSpPr>
+        <a:xfrm>
+          <a:off x="0" y="0"/>
+          <a:ext cx="0" cy="0"/>
+          <a:chOff x="0" y="0"/>
+          <a:chExt cx="0" cy="0"/>
+        </a:xfrm>
+      </p:grpSpPr>
+      <p:pic>
+        <p:nvPicPr>
+          <p:cNvPr id="7" name="Picture 8" descr="Html 5 Detailed Flat Circular Flat icon">
+            <a:extLst>
+              <a:ext uri="{FF2B5EF4-FFF2-40B4-BE49-F238E27FC236}">
+                <a16:creationId xmlns:a16="http://schemas.microsoft.com/office/drawing/2014/main" id="{26F87EE6-249B-FFEB-B903-3F54D0D4EA22}"/>
+              </a:ext>
+            </a:extLst>
+          </p:cNvPr>
+          <p:cNvPicPr>
+            <a:picLocks noChangeAspect="1" noChangeArrowheads="1"/>
+          </p:cNvPicPr>
+          <p:nvPr/>
+        </p:nvPicPr>
+        <p:blipFill>
+          <a:blip r:embed="rId2">
+            <a:extLst>
+              <a:ext uri="{28A0092B-C50C-407E-A947-70E740481C1C}">
+                <a14:useLocalDpi xmlns:a14="http://schemas.microsoft.com/office/drawing/2010/main" val="0"/>
+              </a:ext>
+            </a:extLst>
+          </a:blip>
+          <a:srcRect/>
+          <a:stretch>
+            <a:fillRect/>
+          </a:stretch>
+        </p:blipFill>
+        <p:spPr bwMode="auto">
+          <a:xfrm>
+            <a:off x="1115070" y="1664302"/>
+            <a:ext cx="3318461" cy="3318461"/>
+          </a:xfrm>
+          <a:prstGeom prst="rect">
+            <a:avLst/>
+          </a:prstGeom>
+          <a:noFill/>
+          <a:extLst>
+            <a:ext uri="{909E8E84-426E-40DD-AFC4-6F175D3DCCD1}">
+              <a14:hiddenFill xmlns:a14="http://schemas.microsoft.com/office/drawing/2010/main">
+                <a:solidFill>
+                  <a:srgbClr val="FFFFFF"/>
+                </a:solidFill>
+              </a14:hiddenFill>
+            </a:ext>
+          </a:extLst>
+        </p:spPr>
+      </p:pic>
+      <p:sp>
+        <p:nvSpPr>
+          <p:cNvPr id="2" name="TextBox 1">
+            <a:extLst>
+              <a:ext uri="{FF2B5EF4-FFF2-40B4-BE49-F238E27FC236}">
+                <a16:creationId xmlns:a16="http://schemas.microsoft.com/office/drawing/2014/main" id="{5366957A-F718-3CBF-05E0-59417ACEB6A8}"/>
+              </a:ext>
+            </a:extLst>
+          </p:cNvPr>
+          <p:cNvSpPr txBox="1"/>
+          <p:nvPr/>
+        </p:nvSpPr>
+        <p:spPr>
+          <a:xfrm>
+            <a:off x="5340221" y="2321004"/>
+            <a:ext cx="5557935" cy="2215991"/>
+          </a:xfrm>
+          <a:prstGeom prst="rect">
+            <a:avLst/>
+          </a:prstGeom>
+          <a:noFill/>
+        </p:spPr>
+        <p:txBody>
+          <a:bodyPr wrap="square" rtlCol="0">
+            <a:spAutoFit/>
+          </a:bodyPr>
+          <a:lstStyle/>
+          <a:p>
+            <a:pPr algn="ctr"/>
+            <a:r>
+              <a:rPr lang="en-US" sz="13800" b="1" dirty="0">
+                <a:latin typeface="Khmer OS Siemreap" panose="02000500000000020004" pitchFamily="2" charset="0"/>
+                <a:cs typeface="Khmer OS Siemreap" panose="02000500000000020004" pitchFamily="2" charset="0"/>
+              </a:rPr>
+              <a:t>Demo</a:t>
+            </a:r>
+          </a:p>
+        </p:txBody>
+      </p:sp>
+    </p:spTree>
+    <p:extLst>
+      <p:ext uri="{BB962C8B-B14F-4D97-AF65-F5344CB8AC3E}">
+        <p14:creationId xmlns:p14="http://schemas.microsoft.com/office/powerpoint/2010/main" val="1301531918"/>
+      </p:ext>
+    </p:extLst>
+  </p:cSld>
+  <p:clrMapOvr>
+    <a:masterClrMapping/>
+  </p:clrMapOvr>
+</p:sld>
+</file>
+
+<file path=ppt/slides/slide22.xml><?xml version="1.0" encoding="utf-8"?>
+<p:sld xmlns:a="http://schemas.openxmlformats.org/drawingml/2006/main" xmlns:r="http://schemas.openxmlformats.org/officeDocument/2006/relationships" xmlns:p="http://schemas.openxmlformats.org/presentationml/2006/main">
+  <p:cSld>
+    <p:spTree>
+      <p:nvGrpSpPr>
+        <p:cNvPr id="1" name=""/>
+        <p:cNvGrpSpPr/>
+        <p:nvPr/>
+      </p:nvGrpSpPr>
+      <p:grpSpPr>
+        <a:xfrm>
+          <a:off x="0" y="0"/>
+          <a:ext cx="0" cy="0"/>
+          <a:chOff x="0" y="0"/>
+          <a:chExt cx="0" cy="0"/>
+        </a:xfrm>
+      </p:grpSpPr>
+      <p:pic>
+        <p:nvPicPr>
+          <p:cNvPr id="7" name="Picture 8" descr="Html 5 Detailed Flat Circular Flat icon">
+            <a:extLst>
+              <a:ext uri="{FF2B5EF4-FFF2-40B4-BE49-F238E27FC236}">
+                <a16:creationId xmlns:a16="http://schemas.microsoft.com/office/drawing/2014/main" id="{26F87EE6-249B-FFEB-B903-3F54D0D4EA22}"/>
+              </a:ext>
+            </a:extLst>
+          </p:cNvPr>
+          <p:cNvPicPr>
+            <a:picLocks noChangeAspect="1" noChangeArrowheads="1"/>
+          </p:cNvPicPr>
+          <p:nvPr/>
+        </p:nvPicPr>
+        <p:blipFill>
+          <a:blip r:embed="rId2">
+            <a:extLst>
+              <a:ext uri="{28A0092B-C50C-407E-A947-70E740481C1C}">
+                <a14:useLocalDpi xmlns:a14="http://schemas.microsoft.com/office/drawing/2010/main" val="0"/>
+              </a:ext>
+            </a:extLst>
+          </a:blip>
+          <a:srcRect/>
+          <a:stretch>
+            <a:fillRect/>
+          </a:stretch>
+        </p:blipFill>
+        <p:spPr bwMode="auto">
+          <a:xfrm>
+            <a:off x="723185" y="1769769"/>
+            <a:ext cx="3318461" cy="3318461"/>
+          </a:xfrm>
+          <a:prstGeom prst="rect">
+            <a:avLst/>
+          </a:prstGeom>
+          <a:noFill/>
+          <a:extLst>
+            <a:ext uri="{909E8E84-426E-40DD-AFC4-6F175D3DCCD1}">
+              <a14:hiddenFill xmlns:a14="http://schemas.microsoft.com/office/drawing/2010/main">
+                <a:solidFill>
+                  <a:srgbClr val="FFFFFF"/>
+                </a:solidFill>
+              </a14:hiddenFill>
+            </a:ext>
+          </a:extLst>
+        </p:spPr>
+      </p:pic>
+      <p:sp>
+        <p:nvSpPr>
+          <p:cNvPr id="2" name="TextBox 1">
+            <a:extLst>
+              <a:ext uri="{FF2B5EF4-FFF2-40B4-BE49-F238E27FC236}">
+                <a16:creationId xmlns:a16="http://schemas.microsoft.com/office/drawing/2014/main" id="{5366957A-F718-3CBF-05E0-59417ACEB6A8}"/>
+              </a:ext>
+            </a:extLst>
+          </p:cNvPr>
+          <p:cNvSpPr txBox="1"/>
+          <p:nvPr/>
+        </p:nvSpPr>
+        <p:spPr>
+          <a:xfrm>
+            <a:off x="3957799" y="1769769"/>
+            <a:ext cx="7892079" cy="1508105"/>
+          </a:xfrm>
+          <a:prstGeom prst="rect">
+            <a:avLst/>
+          </a:prstGeom>
+          <a:noFill/>
+        </p:spPr>
+        <p:txBody>
+          <a:bodyPr wrap="square" rtlCol="0">
+            <a:spAutoFit/>
+          </a:bodyPr>
+          <a:lstStyle/>
+          <a:p>
+            <a:pPr algn="ctr"/>
+            <a:r>
+              <a:rPr lang="km-KH" sz="4800" b="1" dirty="0">
+                <a:latin typeface="Khmer OS Siemreap" panose="02000500000000020004" pitchFamily="2" charset="0"/>
+                <a:cs typeface="Khmer OS Siemreap" panose="02000500000000020004" pitchFamily="2" charset="0"/>
+              </a:rPr>
+              <a:t>តើ</a:t>
+            </a:r>
+            <a:r>
+              <a:rPr lang="km-KH" sz="4400" b="1" dirty="0">
+                <a:latin typeface="Khmer OS Siemreap" panose="02000500000000020004" pitchFamily="2" charset="0"/>
+                <a:cs typeface="Khmer OS Siemreap" panose="02000500000000020004" pitchFamily="2" charset="0"/>
+              </a:rPr>
+              <a:t>អ្វីជា</a:t>
+            </a:r>
+            <a:r>
+              <a:rPr lang="en-US" sz="4400" b="1" dirty="0">
+                <a:latin typeface="Khmer OS Siemreap" panose="02000500000000020004" pitchFamily="2" charset="0"/>
+                <a:cs typeface="Khmer OS Siemreap" panose="02000500000000020004" pitchFamily="2" charset="0"/>
+              </a:rPr>
+              <a:t> Table</a:t>
+            </a:r>
+            <a:r>
+              <a:rPr lang="km-KH" sz="4400" b="1" dirty="0">
+                <a:latin typeface="Khmer OS Siemreap" panose="02000500000000020004" pitchFamily="2" charset="0"/>
+                <a:cs typeface="Khmer OS Siemreap" panose="02000500000000020004" pitchFamily="2" charset="0"/>
+              </a:rPr>
+              <a:t> ក្នុង</a:t>
+            </a:r>
+            <a:r>
+              <a:rPr lang="en-US" sz="4400" b="1" dirty="0">
+                <a:latin typeface="Khmer OS Siemreap" panose="02000500000000020004" pitchFamily="2" charset="0"/>
+                <a:cs typeface="Khmer OS Siemreap" panose="02000500000000020004" pitchFamily="2" charset="0"/>
+              </a:rPr>
+              <a:t> HTML?</a:t>
+            </a:r>
+          </a:p>
+          <a:p>
+            <a:pPr algn="ctr"/>
+            <a:endParaRPr lang="km-KH" sz="4400" b="1" dirty="0">
+              <a:latin typeface="Khmer OS Siemreap" panose="02000500000000020004" pitchFamily="2" charset="0"/>
+              <a:cs typeface="Khmer OS Siemreap" panose="02000500000000020004" pitchFamily="2" charset="0"/>
+            </a:endParaRPr>
+          </a:p>
+        </p:txBody>
+      </p:sp>
+    </p:spTree>
+    <p:extLst>
+      <p:ext uri="{BB962C8B-B14F-4D97-AF65-F5344CB8AC3E}">
+        <p14:creationId xmlns:p14="http://schemas.microsoft.com/office/powerpoint/2010/main" val="4004303302"/>
+      </p:ext>
+    </p:extLst>
+  </p:cSld>
+  <p:clrMapOvr>
+    <a:masterClrMapping/>
+  </p:clrMapOvr>
+</p:sld>
+</file>
+
+<file path=ppt/slides/slide23.xml><?xml version="1.0" encoding="utf-8"?>
+<p:sld xmlns:a="http://schemas.openxmlformats.org/drawingml/2006/main" xmlns:r="http://schemas.openxmlformats.org/officeDocument/2006/relationships" xmlns:p="http://schemas.openxmlformats.org/presentationml/2006/main">
+  <p:cSld>
+    <p:spTree>
+      <p:nvGrpSpPr>
+        <p:cNvPr id="1" name=""/>
+        <p:cNvGrpSpPr/>
+        <p:nvPr/>
+      </p:nvGrpSpPr>
+      <p:grpSpPr>
+        <a:xfrm>
+          <a:off x="0" y="0"/>
+          <a:ext cx="0" cy="0"/>
+          <a:chOff x="0" y="0"/>
+          <a:chExt cx="0" cy="0"/>
+        </a:xfrm>
+      </p:grpSpPr>
+      <p:pic>
+        <p:nvPicPr>
+          <p:cNvPr id="7" name="Picture 8" descr="Html 5 Detailed Flat Circular Flat icon">
+            <a:extLst>
+              <a:ext uri="{FF2B5EF4-FFF2-40B4-BE49-F238E27FC236}">
+                <a16:creationId xmlns:a16="http://schemas.microsoft.com/office/drawing/2014/main" id="{26F87EE6-249B-FFEB-B903-3F54D0D4EA22}"/>
+              </a:ext>
+            </a:extLst>
+          </p:cNvPr>
+          <p:cNvPicPr>
+            <a:picLocks noChangeAspect="1" noChangeArrowheads="1"/>
+          </p:cNvPicPr>
+          <p:nvPr/>
+        </p:nvPicPr>
+        <p:blipFill>
+          <a:blip r:embed="rId2">
+            <a:extLst>
+              <a:ext uri="{28A0092B-C50C-407E-A947-70E740481C1C}">
+                <a14:useLocalDpi xmlns:a14="http://schemas.microsoft.com/office/drawing/2010/main" val="0"/>
+              </a:ext>
+            </a:extLst>
+          </a:blip>
+          <a:srcRect/>
+          <a:stretch>
+            <a:fillRect/>
+          </a:stretch>
+        </p:blipFill>
+        <p:spPr bwMode="auto">
+          <a:xfrm>
+            <a:off x="1115070" y="1664302"/>
+            <a:ext cx="3318461" cy="3318461"/>
+          </a:xfrm>
+          <a:prstGeom prst="rect">
+            <a:avLst/>
+          </a:prstGeom>
+          <a:noFill/>
+          <a:extLst>
+            <a:ext uri="{909E8E84-426E-40DD-AFC4-6F175D3DCCD1}">
+              <a14:hiddenFill xmlns:a14="http://schemas.microsoft.com/office/drawing/2010/main">
+                <a:solidFill>
+                  <a:srgbClr val="FFFFFF"/>
+                </a:solidFill>
+              </a14:hiddenFill>
+            </a:ext>
+          </a:extLst>
+        </p:spPr>
+      </p:pic>
+      <p:sp>
+        <p:nvSpPr>
+          <p:cNvPr id="2" name="TextBox 1">
+            <a:extLst>
+              <a:ext uri="{FF2B5EF4-FFF2-40B4-BE49-F238E27FC236}">
+                <a16:creationId xmlns:a16="http://schemas.microsoft.com/office/drawing/2014/main" id="{5366957A-F718-3CBF-05E0-59417ACEB6A8}"/>
+              </a:ext>
+            </a:extLst>
+          </p:cNvPr>
+          <p:cNvSpPr txBox="1"/>
+          <p:nvPr/>
+        </p:nvSpPr>
+        <p:spPr>
+          <a:xfrm>
+            <a:off x="5340221" y="2321004"/>
+            <a:ext cx="5557935" cy="2215991"/>
+          </a:xfrm>
+          <a:prstGeom prst="rect">
+            <a:avLst/>
+          </a:prstGeom>
+          <a:noFill/>
+        </p:spPr>
+        <p:txBody>
+          <a:bodyPr wrap="square" rtlCol="0">
+            <a:spAutoFit/>
+          </a:bodyPr>
+          <a:lstStyle/>
+          <a:p>
+            <a:pPr algn="ctr"/>
+            <a:r>
+              <a:rPr lang="en-US" sz="13800" b="1" dirty="0">
+                <a:latin typeface="Khmer OS Siemreap" panose="02000500000000020004" pitchFamily="2" charset="0"/>
+                <a:cs typeface="Khmer OS Siemreap" panose="02000500000000020004" pitchFamily="2" charset="0"/>
+              </a:rPr>
+              <a:t>Demo</a:t>
+            </a:r>
+          </a:p>
+        </p:txBody>
+      </p:sp>
+    </p:spTree>
+    <p:extLst>
+      <p:ext uri="{BB962C8B-B14F-4D97-AF65-F5344CB8AC3E}">
+        <p14:creationId xmlns:p14="http://schemas.microsoft.com/office/powerpoint/2010/main" val="3784241961"/>
+      </p:ext>
+    </p:extLst>
+  </p:cSld>
+  <p:clrMapOvr>
+    <a:masterClrMapping/>
+  </p:clrMapOvr>
+</p:sld>
+</file>
+
+<file path=ppt/slides/slide24.xml><?xml version="1.0" encoding="utf-8"?>
+<p:sld xmlns:a="http://schemas.openxmlformats.org/drawingml/2006/main" xmlns:r="http://schemas.openxmlformats.org/officeDocument/2006/relationships" xmlns:p="http://schemas.openxmlformats.org/presentationml/2006/main">
+  <p:cSld>
+    <p:spTree>
+      <p:nvGrpSpPr>
+        <p:cNvPr id="1" name=""/>
+        <p:cNvGrpSpPr/>
+        <p:nvPr/>
+      </p:nvGrpSpPr>
+      <p:grpSpPr>
+        <a:xfrm>
+          <a:off x="0" y="0"/>
+          <a:ext cx="0" cy="0"/>
+          <a:chOff x="0" y="0"/>
+          <a:chExt cx="0" cy="0"/>
+        </a:xfrm>
+      </p:grpSpPr>
+      <p:pic>
+        <p:nvPicPr>
+          <p:cNvPr id="7" name="Picture 8" descr="Html 5 Detailed Flat Circular Flat icon">
+            <a:extLst>
+              <a:ext uri="{FF2B5EF4-FFF2-40B4-BE49-F238E27FC236}">
+                <a16:creationId xmlns:a16="http://schemas.microsoft.com/office/drawing/2014/main" id="{26F87EE6-249B-FFEB-B903-3F54D0D4EA22}"/>
+              </a:ext>
+            </a:extLst>
+          </p:cNvPr>
+          <p:cNvPicPr>
+            <a:picLocks noChangeAspect="1" noChangeArrowheads="1"/>
+          </p:cNvPicPr>
+          <p:nvPr/>
+        </p:nvPicPr>
+        <p:blipFill>
+          <a:blip r:embed="rId2">
+            <a:extLst>
+              <a:ext uri="{28A0092B-C50C-407E-A947-70E740481C1C}">
+                <a14:useLocalDpi xmlns:a14="http://schemas.microsoft.com/office/drawing/2010/main" val="0"/>
+              </a:ext>
+            </a:extLst>
+          </a:blip>
+          <a:srcRect/>
+          <a:stretch>
+            <a:fillRect/>
+          </a:stretch>
+        </p:blipFill>
+        <p:spPr bwMode="auto">
+          <a:xfrm>
+            <a:off x="723185" y="1769769"/>
+            <a:ext cx="3318461" cy="3318461"/>
+          </a:xfrm>
+          <a:prstGeom prst="rect">
+            <a:avLst/>
+          </a:prstGeom>
+          <a:noFill/>
+          <a:extLst>
+            <a:ext uri="{909E8E84-426E-40DD-AFC4-6F175D3DCCD1}">
+              <a14:hiddenFill xmlns:a14="http://schemas.microsoft.com/office/drawing/2010/main">
+                <a:solidFill>
+                  <a:srgbClr val="FFFFFF"/>
+                </a:solidFill>
+              </a14:hiddenFill>
+            </a:ext>
+          </a:extLst>
+        </p:spPr>
+      </p:pic>
+      <p:sp>
+        <p:nvSpPr>
+          <p:cNvPr id="2" name="TextBox 1">
+            <a:extLst>
+              <a:ext uri="{FF2B5EF4-FFF2-40B4-BE49-F238E27FC236}">
+                <a16:creationId xmlns:a16="http://schemas.microsoft.com/office/drawing/2014/main" id="{5366957A-F718-3CBF-05E0-59417ACEB6A8}"/>
+              </a:ext>
+            </a:extLst>
+          </p:cNvPr>
+          <p:cNvSpPr txBox="1"/>
+          <p:nvPr/>
+        </p:nvSpPr>
+        <p:spPr>
+          <a:xfrm>
+            <a:off x="3957799" y="1769769"/>
+            <a:ext cx="7892079" cy="1508105"/>
+          </a:xfrm>
+          <a:prstGeom prst="rect">
+            <a:avLst/>
+          </a:prstGeom>
+          <a:noFill/>
+        </p:spPr>
+        <p:txBody>
+          <a:bodyPr wrap="square" rtlCol="0">
+            <a:spAutoFit/>
+          </a:bodyPr>
+          <a:lstStyle/>
+          <a:p>
+            <a:pPr algn="ctr"/>
+            <a:r>
+              <a:rPr lang="km-KH" sz="4800" b="1" dirty="0">
+                <a:latin typeface="Khmer OS Siemreap" panose="02000500000000020004" pitchFamily="2" charset="0"/>
+                <a:cs typeface="Khmer OS Siemreap" panose="02000500000000020004" pitchFamily="2" charset="0"/>
+              </a:rPr>
+              <a:t>តើ</a:t>
+            </a:r>
+            <a:r>
+              <a:rPr lang="km-KH" sz="4400" b="1" dirty="0">
+                <a:latin typeface="Khmer OS Siemreap" panose="02000500000000020004" pitchFamily="2" charset="0"/>
+                <a:cs typeface="Khmer OS Siemreap" panose="02000500000000020004" pitchFamily="2" charset="0"/>
+              </a:rPr>
+              <a:t>អ្វីជា</a:t>
+            </a:r>
+            <a:r>
+              <a:rPr lang="en-US" sz="4400" b="1" dirty="0">
+                <a:latin typeface="Khmer OS Siemreap" panose="02000500000000020004" pitchFamily="2" charset="0"/>
+                <a:cs typeface="Khmer OS Siemreap" panose="02000500000000020004" pitchFamily="2" charset="0"/>
+              </a:rPr>
+              <a:t> Lists</a:t>
+            </a:r>
+            <a:r>
+              <a:rPr lang="km-KH" sz="4400" b="1" dirty="0">
+                <a:latin typeface="Khmer OS Siemreap" panose="02000500000000020004" pitchFamily="2" charset="0"/>
+                <a:cs typeface="Khmer OS Siemreap" panose="02000500000000020004" pitchFamily="2" charset="0"/>
+              </a:rPr>
+              <a:t> ក្នុង</a:t>
+            </a:r>
+            <a:r>
+              <a:rPr lang="en-US" sz="4400" b="1" dirty="0">
+                <a:latin typeface="Khmer OS Siemreap" panose="02000500000000020004" pitchFamily="2" charset="0"/>
+                <a:cs typeface="Khmer OS Siemreap" panose="02000500000000020004" pitchFamily="2" charset="0"/>
+              </a:rPr>
+              <a:t> HTML?</a:t>
+            </a:r>
+          </a:p>
+          <a:p>
+            <a:pPr algn="ctr"/>
+            <a:endParaRPr lang="km-KH" sz="4400" b="1" dirty="0">
+              <a:latin typeface="Khmer OS Siemreap" panose="02000500000000020004" pitchFamily="2" charset="0"/>
+              <a:cs typeface="Khmer OS Siemreap" panose="02000500000000020004" pitchFamily="2" charset="0"/>
+            </a:endParaRPr>
+          </a:p>
+        </p:txBody>
+      </p:sp>
+    </p:spTree>
+    <p:extLst>
+      <p:ext uri="{BB962C8B-B14F-4D97-AF65-F5344CB8AC3E}">
+        <p14:creationId xmlns:p14="http://schemas.microsoft.com/office/powerpoint/2010/main" val="3282565304"/>
+      </p:ext>
+    </p:extLst>
+  </p:cSld>
+  <p:clrMapOvr>
+    <a:masterClrMapping/>
+  </p:clrMapOvr>
+</p:sld>
+</file>
+
+<file path=ppt/slides/slide25.xml><?xml version="1.0" encoding="utf-8"?>
+<p:sld xmlns:a="http://schemas.openxmlformats.org/drawingml/2006/main" xmlns:r="http://schemas.openxmlformats.org/officeDocument/2006/relationships" xmlns:p="http://schemas.openxmlformats.org/presentationml/2006/main">
+  <p:cSld>
+    <p:spTree>
+      <p:nvGrpSpPr>
+        <p:cNvPr id="1" name=""/>
+        <p:cNvGrpSpPr/>
+        <p:nvPr/>
+      </p:nvGrpSpPr>
+      <p:grpSpPr>
+        <a:xfrm>
+          <a:off x="0" y="0"/>
+          <a:ext cx="0" cy="0"/>
+          <a:chOff x="0" y="0"/>
+          <a:chExt cx="0" cy="0"/>
+        </a:xfrm>
+      </p:grpSpPr>
+      <p:pic>
+        <p:nvPicPr>
+          <p:cNvPr id="7" name="Picture 8" descr="Html 5 Detailed Flat Circular Flat icon">
+            <a:extLst>
+              <a:ext uri="{FF2B5EF4-FFF2-40B4-BE49-F238E27FC236}">
+                <a16:creationId xmlns:a16="http://schemas.microsoft.com/office/drawing/2014/main" id="{26F87EE6-249B-FFEB-B903-3F54D0D4EA22}"/>
+              </a:ext>
+            </a:extLst>
+          </p:cNvPr>
+          <p:cNvPicPr>
+            <a:picLocks noChangeAspect="1" noChangeArrowheads="1"/>
+          </p:cNvPicPr>
+          <p:nvPr/>
+        </p:nvPicPr>
+        <p:blipFill>
+          <a:blip r:embed="rId2">
+            <a:extLst>
+              <a:ext uri="{28A0092B-C50C-407E-A947-70E740481C1C}">
+                <a14:useLocalDpi xmlns:a14="http://schemas.microsoft.com/office/drawing/2010/main" val="0"/>
+              </a:ext>
+            </a:extLst>
+          </a:blip>
+          <a:srcRect/>
+          <a:stretch>
+            <a:fillRect/>
+          </a:stretch>
+        </p:blipFill>
+        <p:spPr bwMode="auto">
+          <a:xfrm>
+            <a:off x="1115070" y="1664302"/>
+            <a:ext cx="3318461" cy="3318461"/>
+          </a:xfrm>
+          <a:prstGeom prst="rect">
+            <a:avLst/>
+          </a:prstGeom>
+          <a:noFill/>
+          <a:extLst>
+            <a:ext uri="{909E8E84-426E-40DD-AFC4-6F175D3DCCD1}">
+              <a14:hiddenFill xmlns:a14="http://schemas.microsoft.com/office/drawing/2010/main">
+                <a:solidFill>
+                  <a:srgbClr val="FFFFFF"/>
+                </a:solidFill>
+              </a14:hiddenFill>
+            </a:ext>
+          </a:extLst>
+        </p:spPr>
+      </p:pic>
+      <p:sp>
+        <p:nvSpPr>
+          <p:cNvPr id="2" name="TextBox 1">
+            <a:extLst>
+              <a:ext uri="{FF2B5EF4-FFF2-40B4-BE49-F238E27FC236}">
+                <a16:creationId xmlns:a16="http://schemas.microsoft.com/office/drawing/2014/main" id="{5366957A-F718-3CBF-05E0-59417ACEB6A8}"/>
+              </a:ext>
+            </a:extLst>
+          </p:cNvPr>
+          <p:cNvSpPr txBox="1"/>
+          <p:nvPr/>
+        </p:nvSpPr>
+        <p:spPr>
+          <a:xfrm>
+            <a:off x="5340221" y="2321004"/>
+            <a:ext cx="5557935" cy="2215991"/>
+          </a:xfrm>
+          <a:prstGeom prst="rect">
+            <a:avLst/>
+          </a:prstGeom>
+          <a:noFill/>
+        </p:spPr>
+        <p:txBody>
+          <a:bodyPr wrap="square" rtlCol="0">
+            <a:spAutoFit/>
+          </a:bodyPr>
+          <a:lstStyle/>
+          <a:p>
+            <a:pPr algn="ctr"/>
+            <a:r>
+              <a:rPr lang="en-US" sz="13800" b="1" dirty="0">
+                <a:latin typeface="Khmer OS Siemreap" panose="02000500000000020004" pitchFamily="2" charset="0"/>
+                <a:cs typeface="Khmer OS Siemreap" panose="02000500000000020004" pitchFamily="2" charset="0"/>
+              </a:rPr>
+              <a:t>Demo</a:t>
+            </a:r>
+          </a:p>
+        </p:txBody>
+      </p:sp>
+    </p:spTree>
+    <p:extLst>
+      <p:ext uri="{BB962C8B-B14F-4D97-AF65-F5344CB8AC3E}">
+        <p14:creationId xmlns:p14="http://schemas.microsoft.com/office/powerpoint/2010/main" val="1379005150"/>
       </p:ext>
     </p:extLst>
   </p:cSld>
@@ -4650,8 +8155,8 @@
         </p:nvSpPr>
         <p:spPr>
           <a:xfrm>
-            <a:off x="5030077" y="428178"/>
-            <a:ext cx="5960640" cy="6001643"/>
+            <a:off x="3853544" y="827314"/>
+            <a:ext cx="8948057" cy="5016758"/>
           </a:xfrm>
           <a:prstGeom prst="rect">
             <a:avLst/>
@@ -4665,105 +8170,603 @@
           <a:lstStyle/>
           <a:p>
             <a:r>
-              <a:rPr lang="en-US" sz="3200" b="1" dirty="0">
-                <a:latin typeface="Khmer OS Battambang" panose="02000500000000020004" pitchFamily="2" charset="0"/>
-                <a:cs typeface="Khmer OS Battambang" panose="02000500000000020004" pitchFamily="2" charset="0"/>
-              </a:rPr>
-              <a:t>&lt;!DOCTYPE html&gt;</a:t>
-            </a:r>
-          </a:p>
-          <a:p>
-            <a:r>
-              <a:rPr lang="en-US" sz="3200" b="1" dirty="0">
-                <a:latin typeface="Khmer OS Battambang" panose="02000500000000020004" pitchFamily="2" charset="0"/>
-                <a:cs typeface="Khmer OS Battambang" panose="02000500000000020004" pitchFamily="2" charset="0"/>
-              </a:rPr>
-              <a:t>&lt;html&gt;</a:t>
-            </a:r>
-          </a:p>
-          <a:p>
-            <a:r>
-              <a:rPr lang="en-US" sz="3200" b="1" dirty="0">
-                <a:latin typeface="Khmer OS Battambang" panose="02000500000000020004" pitchFamily="2" charset="0"/>
-                <a:cs typeface="Khmer OS Battambang" panose="02000500000000020004" pitchFamily="2" charset="0"/>
-              </a:rPr>
-              <a:t>&lt;head&gt;</a:t>
-            </a:r>
-          </a:p>
-          <a:p>
-            <a:r>
-              <a:rPr lang="en-US" sz="3200" b="1" dirty="0">
-                <a:latin typeface="Khmer OS Battambang" panose="02000500000000020004" pitchFamily="2" charset="0"/>
-                <a:cs typeface="Khmer OS Battambang" panose="02000500000000020004" pitchFamily="2" charset="0"/>
-              </a:rPr>
-              <a:t>&lt;title&gt;Page Title&lt;/title&gt;</a:t>
-            </a:r>
-          </a:p>
-          <a:p>
-            <a:r>
-              <a:rPr lang="en-US" sz="3200" b="1" dirty="0">
-                <a:latin typeface="Khmer OS Battambang" panose="02000500000000020004" pitchFamily="2" charset="0"/>
-                <a:cs typeface="Khmer OS Battambang" panose="02000500000000020004" pitchFamily="2" charset="0"/>
-              </a:rPr>
-              <a:t>&lt;/head&gt;</a:t>
-            </a:r>
-          </a:p>
-          <a:p>
-            <a:r>
-              <a:rPr lang="en-US" sz="3200" b="1" dirty="0">
-                <a:latin typeface="Khmer OS Battambang" panose="02000500000000020004" pitchFamily="2" charset="0"/>
-                <a:cs typeface="Khmer OS Battambang" panose="02000500000000020004" pitchFamily="2" charset="0"/>
-              </a:rPr>
-              <a:t>&lt;body&gt;</a:t>
-            </a:r>
-          </a:p>
-          <a:p>
-            <a:endParaRPr lang="en-US" sz="3200" b="1" dirty="0">
-              <a:latin typeface="Khmer OS Battambang" panose="02000500000000020004" pitchFamily="2" charset="0"/>
-              <a:cs typeface="Khmer OS Battambang" panose="02000500000000020004" pitchFamily="2" charset="0"/>
+              <a:rPr lang="en-US" sz="3200" b="0" dirty="0">
+                <a:solidFill>
+                  <a:srgbClr val="808080"/>
+                </a:solidFill>
+                <a:effectLst/>
+                <a:latin typeface="Consolas" panose="020B0609020204030204" pitchFamily="49" charset="0"/>
+              </a:rPr>
+              <a:t>&lt;!</a:t>
+            </a:r>
+            <a:r>
+              <a:rPr lang="en-US" sz="3200" b="0" dirty="0">
+                <a:solidFill>
+                  <a:srgbClr val="569CD6"/>
+                </a:solidFill>
+                <a:effectLst/>
+                <a:latin typeface="Consolas" panose="020B0609020204030204" pitchFamily="49" charset="0"/>
+              </a:rPr>
+              <a:t>DOCTYPE</a:t>
+            </a:r>
+            <a:r>
+              <a:rPr lang="en-US" sz="3200" b="0" dirty="0">
+                <a:solidFill>
+                  <a:srgbClr val="CCCCCC"/>
+                </a:solidFill>
+                <a:effectLst/>
+                <a:latin typeface="Consolas" panose="020B0609020204030204" pitchFamily="49" charset="0"/>
+              </a:rPr>
+              <a:t> </a:t>
+            </a:r>
+            <a:r>
+              <a:rPr lang="en-US" sz="3200" b="0" dirty="0">
+                <a:solidFill>
+                  <a:srgbClr val="9CDCFE"/>
+                </a:solidFill>
+                <a:effectLst/>
+                <a:latin typeface="Consolas" panose="020B0609020204030204" pitchFamily="49" charset="0"/>
+              </a:rPr>
+              <a:t>html</a:t>
+            </a:r>
+            <a:r>
+              <a:rPr lang="en-US" sz="3200" b="0" dirty="0">
+                <a:solidFill>
+                  <a:srgbClr val="808080"/>
+                </a:solidFill>
+                <a:effectLst/>
+                <a:latin typeface="Consolas" panose="020B0609020204030204" pitchFamily="49" charset="0"/>
+              </a:rPr>
+              <a:t>&gt;</a:t>
+            </a:r>
+            <a:endParaRPr lang="en-US" sz="3200" b="0" dirty="0">
+              <a:solidFill>
+                <a:srgbClr val="CCCCCC"/>
+              </a:solidFill>
+              <a:effectLst/>
+              <a:latin typeface="Consolas" panose="020B0609020204030204" pitchFamily="49" charset="0"/>
             </a:endParaRPr>
           </a:p>
           <a:p>
             <a:r>
-              <a:rPr lang="en-US" sz="3200" b="1" dirty="0">
-                <a:latin typeface="Khmer OS Battambang" panose="02000500000000020004" pitchFamily="2" charset="0"/>
-                <a:cs typeface="Khmer OS Battambang" panose="02000500000000020004" pitchFamily="2" charset="0"/>
-              </a:rPr>
-              <a:t>&lt;h1&gt;My First Heading&lt;/h1&gt;</a:t>
-            </a:r>
-          </a:p>
-          <a:p>
-            <a:r>
-              <a:rPr lang="en-US" sz="3200" b="1" dirty="0">
-                <a:latin typeface="Khmer OS Battambang" panose="02000500000000020004" pitchFamily="2" charset="0"/>
-                <a:cs typeface="Khmer OS Battambang" panose="02000500000000020004" pitchFamily="2" charset="0"/>
-              </a:rPr>
-              <a:t>&lt;p&gt;My first paragraph.&lt;/p&gt;</a:t>
-            </a:r>
-          </a:p>
-          <a:p>
-            <a:endParaRPr lang="en-US" sz="3200" b="1" dirty="0">
-              <a:latin typeface="Khmer OS Battambang" panose="02000500000000020004" pitchFamily="2" charset="0"/>
-              <a:cs typeface="Khmer OS Battambang" panose="02000500000000020004" pitchFamily="2" charset="0"/>
+              <a:rPr lang="en-US" sz="3200" b="0" dirty="0">
+                <a:solidFill>
+                  <a:srgbClr val="808080"/>
+                </a:solidFill>
+                <a:effectLst/>
+                <a:latin typeface="Consolas" panose="020B0609020204030204" pitchFamily="49" charset="0"/>
+              </a:rPr>
+              <a:t>&lt;</a:t>
+            </a:r>
+            <a:r>
+              <a:rPr lang="en-US" sz="3200" b="0" dirty="0">
+                <a:solidFill>
+                  <a:srgbClr val="569CD6"/>
+                </a:solidFill>
+                <a:effectLst/>
+                <a:latin typeface="Consolas" panose="020B0609020204030204" pitchFamily="49" charset="0"/>
+              </a:rPr>
+              <a:t>html</a:t>
+            </a:r>
+            <a:r>
+              <a:rPr lang="en-US" sz="3200" b="0" dirty="0">
+                <a:solidFill>
+                  <a:srgbClr val="808080"/>
+                </a:solidFill>
+                <a:effectLst/>
+                <a:latin typeface="Consolas" panose="020B0609020204030204" pitchFamily="49" charset="0"/>
+              </a:rPr>
+              <a:t>&gt;</a:t>
+            </a:r>
+            <a:endParaRPr lang="en-US" sz="3200" b="0" dirty="0">
+              <a:solidFill>
+                <a:srgbClr val="CCCCCC"/>
+              </a:solidFill>
+              <a:effectLst/>
+              <a:latin typeface="Consolas" panose="020B0609020204030204" pitchFamily="49" charset="0"/>
             </a:endParaRPr>
           </a:p>
           <a:p>
             <a:r>
-              <a:rPr lang="en-US" sz="3200" b="1" dirty="0">
-                <a:latin typeface="Khmer OS Battambang" panose="02000500000000020004" pitchFamily="2" charset="0"/>
-                <a:cs typeface="Khmer OS Battambang" panose="02000500000000020004" pitchFamily="2" charset="0"/>
-              </a:rPr>
-              <a:t>&lt;/body&gt;</a:t>
-            </a:r>
-          </a:p>
-          <a:p>
-            <a:r>
-              <a:rPr lang="en-US" sz="3200" b="1" dirty="0">
-                <a:latin typeface="Khmer OS Battambang" panose="02000500000000020004" pitchFamily="2" charset="0"/>
-                <a:cs typeface="Khmer OS Battambang" panose="02000500000000020004" pitchFamily="2" charset="0"/>
-              </a:rPr>
-              <a:t>&lt;/html&gt;</a:t>
-            </a:r>
+              <a:rPr lang="en-US" sz="3200" b="0" dirty="0">
+                <a:solidFill>
+                  <a:srgbClr val="CCCCCC"/>
+                </a:solidFill>
+                <a:effectLst/>
+                <a:latin typeface="Consolas" panose="020B0609020204030204" pitchFamily="49" charset="0"/>
+              </a:rPr>
+              <a:t>    </a:t>
+            </a:r>
+            <a:r>
+              <a:rPr lang="en-US" sz="3200" b="0" dirty="0">
+                <a:solidFill>
+                  <a:srgbClr val="808080"/>
+                </a:solidFill>
+                <a:effectLst/>
+                <a:latin typeface="Consolas" panose="020B0609020204030204" pitchFamily="49" charset="0"/>
+              </a:rPr>
+              <a:t>&lt;</a:t>
+            </a:r>
+            <a:r>
+              <a:rPr lang="en-US" sz="3200" b="0" dirty="0">
+                <a:solidFill>
+                  <a:srgbClr val="569CD6"/>
+                </a:solidFill>
+                <a:effectLst/>
+                <a:latin typeface="Consolas" panose="020B0609020204030204" pitchFamily="49" charset="0"/>
+              </a:rPr>
+              <a:t>head</a:t>
+            </a:r>
+            <a:r>
+              <a:rPr lang="en-US" sz="3200" b="0" dirty="0">
+                <a:solidFill>
+                  <a:srgbClr val="808080"/>
+                </a:solidFill>
+                <a:effectLst/>
+                <a:latin typeface="Consolas" panose="020B0609020204030204" pitchFamily="49" charset="0"/>
+              </a:rPr>
+              <a:t>&gt;</a:t>
+            </a:r>
+            <a:endParaRPr lang="en-US" sz="3200" b="0" dirty="0">
+              <a:solidFill>
+                <a:srgbClr val="CCCCCC"/>
+              </a:solidFill>
+              <a:effectLst/>
+              <a:latin typeface="Consolas" panose="020B0609020204030204" pitchFamily="49" charset="0"/>
+            </a:endParaRPr>
+          </a:p>
+          <a:p>
+            <a:r>
+              <a:rPr lang="en-US" sz="3200" b="0" dirty="0">
+                <a:solidFill>
+                  <a:srgbClr val="CCCCCC"/>
+                </a:solidFill>
+                <a:effectLst/>
+                <a:latin typeface="Consolas" panose="020B0609020204030204" pitchFamily="49" charset="0"/>
+              </a:rPr>
+              <a:t>        </a:t>
+            </a:r>
+            <a:r>
+              <a:rPr lang="en-US" sz="3200" b="0" dirty="0">
+                <a:solidFill>
+                  <a:srgbClr val="808080"/>
+                </a:solidFill>
+                <a:effectLst/>
+                <a:latin typeface="Consolas" panose="020B0609020204030204" pitchFamily="49" charset="0"/>
+              </a:rPr>
+              <a:t>&lt;</a:t>
+            </a:r>
+            <a:r>
+              <a:rPr lang="en-US" sz="3200" b="0" dirty="0">
+                <a:solidFill>
+                  <a:srgbClr val="569CD6"/>
+                </a:solidFill>
+                <a:effectLst/>
+                <a:latin typeface="Consolas" panose="020B0609020204030204" pitchFamily="49" charset="0"/>
+              </a:rPr>
+              <a:t>title</a:t>
+            </a:r>
+            <a:r>
+              <a:rPr lang="en-US" sz="3200" b="0" dirty="0">
+                <a:solidFill>
+                  <a:srgbClr val="808080"/>
+                </a:solidFill>
+                <a:effectLst/>
+                <a:latin typeface="Consolas" panose="020B0609020204030204" pitchFamily="49" charset="0"/>
+              </a:rPr>
+              <a:t>&gt;</a:t>
+            </a:r>
+            <a:r>
+              <a:rPr lang="en-US" sz="3200" b="0" dirty="0">
+                <a:solidFill>
+                  <a:srgbClr val="CCCCCC"/>
+                </a:solidFill>
+                <a:effectLst/>
+                <a:latin typeface="Consolas" panose="020B0609020204030204" pitchFamily="49" charset="0"/>
+              </a:rPr>
+              <a:t>Page Title</a:t>
+            </a:r>
+            <a:r>
+              <a:rPr lang="en-US" sz="3200" b="0" dirty="0">
+                <a:solidFill>
+                  <a:srgbClr val="808080"/>
+                </a:solidFill>
+                <a:effectLst/>
+                <a:latin typeface="Consolas" panose="020B0609020204030204" pitchFamily="49" charset="0"/>
+              </a:rPr>
+              <a:t>&lt;/</a:t>
+            </a:r>
+            <a:r>
+              <a:rPr lang="en-US" sz="3200" b="0" dirty="0">
+                <a:solidFill>
+                  <a:srgbClr val="569CD6"/>
+                </a:solidFill>
+                <a:effectLst/>
+                <a:latin typeface="Consolas" panose="020B0609020204030204" pitchFamily="49" charset="0"/>
+              </a:rPr>
+              <a:t>title</a:t>
+            </a:r>
+            <a:r>
+              <a:rPr lang="en-US" sz="3200" b="0" dirty="0">
+                <a:solidFill>
+                  <a:srgbClr val="808080"/>
+                </a:solidFill>
+                <a:effectLst/>
+                <a:latin typeface="Consolas" panose="020B0609020204030204" pitchFamily="49" charset="0"/>
+              </a:rPr>
+              <a:t>&gt;</a:t>
+            </a:r>
+            <a:endParaRPr lang="en-US" sz="3200" b="0" dirty="0">
+              <a:solidFill>
+                <a:srgbClr val="CCCCCC"/>
+              </a:solidFill>
+              <a:effectLst/>
+              <a:latin typeface="Consolas" panose="020B0609020204030204" pitchFamily="49" charset="0"/>
+            </a:endParaRPr>
+          </a:p>
+          <a:p>
+            <a:r>
+              <a:rPr lang="en-US" sz="3200" b="0" dirty="0">
+                <a:solidFill>
+                  <a:srgbClr val="CCCCCC"/>
+                </a:solidFill>
+                <a:effectLst/>
+                <a:latin typeface="Consolas" panose="020B0609020204030204" pitchFamily="49" charset="0"/>
+              </a:rPr>
+              <a:t>    </a:t>
+            </a:r>
+            <a:r>
+              <a:rPr lang="en-US" sz="3200" b="0" dirty="0">
+                <a:solidFill>
+                  <a:srgbClr val="808080"/>
+                </a:solidFill>
+                <a:effectLst/>
+                <a:latin typeface="Consolas" panose="020B0609020204030204" pitchFamily="49" charset="0"/>
+              </a:rPr>
+              <a:t>&lt;/</a:t>
+            </a:r>
+            <a:r>
+              <a:rPr lang="en-US" sz="3200" b="0" dirty="0">
+                <a:solidFill>
+                  <a:srgbClr val="569CD6"/>
+                </a:solidFill>
+                <a:effectLst/>
+                <a:latin typeface="Consolas" panose="020B0609020204030204" pitchFamily="49" charset="0"/>
+              </a:rPr>
+              <a:t>head</a:t>
+            </a:r>
+            <a:r>
+              <a:rPr lang="en-US" sz="3200" b="0" dirty="0">
+                <a:solidFill>
+                  <a:srgbClr val="808080"/>
+                </a:solidFill>
+                <a:effectLst/>
+                <a:latin typeface="Consolas" panose="020B0609020204030204" pitchFamily="49" charset="0"/>
+              </a:rPr>
+              <a:t>&gt;</a:t>
+            </a:r>
+            <a:endParaRPr lang="en-US" sz="3200" b="0" dirty="0">
+              <a:solidFill>
+                <a:srgbClr val="CCCCCC"/>
+              </a:solidFill>
+              <a:effectLst/>
+              <a:latin typeface="Consolas" panose="020B0609020204030204" pitchFamily="49" charset="0"/>
+            </a:endParaRPr>
+          </a:p>
+          <a:p>
+            <a:r>
+              <a:rPr lang="en-US" sz="3200" b="0" dirty="0">
+                <a:solidFill>
+                  <a:srgbClr val="CCCCCC"/>
+                </a:solidFill>
+                <a:effectLst/>
+                <a:latin typeface="Consolas" panose="020B0609020204030204" pitchFamily="49" charset="0"/>
+              </a:rPr>
+              <a:t>    </a:t>
+            </a:r>
+            <a:r>
+              <a:rPr lang="en-US" sz="3200" b="0" dirty="0">
+                <a:solidFill>
+                  <a:srgbClr val="808080"/>
+                </a:solidFill>
+                <a:effectLst/>
+                <a:latin typeface="Consolas" panose="020B0609020204030204" pitchFamily="49" charset="0"/>
+              </a:rPr>
+              <a:t>&lt;</a:t>
+            </a:r>
+            <a:r>
+              <a:rPr lang="en-US" sz="3200" b="0" dirty="0">
+                <a:solidFill>
+                  <a:srgbClr val="569CD6"/>
+                </a:solidFill>
+                <a:effectLst/>
+                <a:latin typeface="Consolas" panose="020B0609020204030204" pitchFamily="49" charset="0"/>
+              </a:rPr>
+              <a:t>body</a:t>
+            </a:r>
+            <a:r>
+              <a:rPr lang="en-US" sz="3200" b="0" dirty="0">
+                <a:solidFill>
+                  <a:srgbClr val="808080"/>
+                </a:solidFill>
+                <a:effectLst/>
+                <a:latin typeface="Consolas" panose="020B0609020204030204" pitchFamily="49" charset="0"/>
+              </a:rPr>
+              <a:t>&gt;</a:t>
+            </a:r>
+            <a:endParaRPr lang="en-US" sz="3200" b="0" dirty="0">
+              <a:solidFill>
+                <a:srgbClr val="CCCCCC"/>
+              </a:solidFill>
+              <a:effectLst/>
+              <a:latin typeface="Consolas" panose="020B0609020204030204" pitchFamily="49" charset="0"/>
+            </a:endParaRPr>
+          </a:p>
+          <a:p>
+            <a:r>
+              <a:rPr lang="en-US" sz="3200" b="0" dirty="0">
+                <a:solidFill>
+                  <a:srgbClr val="CCCCCC"/>
+                </a:solidFill>
+                <a:effectLst/>
+                <a:latin typeface="Consolas" panose="020B0609020204030204" pitchFamily="49" charset="0"/>
+              </a:rPr>
+              <a:t>        </a:t>
+            </a:r>
+            <a:r>
+              <a:rPr lang="en-US" sz="3200" b="0" dirty="0">
+                <a:solidFill>
+                  <a:srgbClr val="808080"/>
+                </a:solidFill>
+                <a:effectLst/>
+                <a:latin typeface="Consolas" panose="020B0609020204030204" pitchFamily="49" charset="0"/>
+              </a:rPr>
+              <a:t>&lt;</a:t>
+            </a:r>
+            <a:r>
+              <a:rPr lang="en-US" sz="3200" b="0" dirty="0">
+                <a:solidFill>
+                  <a:srgbClr val="569CD6"/>
+                </a:solidFill>
+                <a:effectLst/>
+                <a:latin typeface="Consolas" panose="020B0609020204030204" pitchFamily="49" charset="0"/>
+              </a:rPr>
+              <a:t>h1</a:t>
+            </a:r>
+            <a:r>
+              <a:rPr lang="en-US" sz="3200" b="0" dirty="0">
+                <a:solidFill>
+                  <a:srgbClr val="808080"/>
+                </a:solidFill>
+                <a:effectLst/>
+                <a:latin typeface="Consolas" panose="020B0609020204030204" pitchFamily="49" charset="0"/>
+              </a:rPr>
+              <a:t>&gt;</a:t>
+            </a:r>
+            <a:r>
+              <a:rPr lang="en-US" sz="3200" b="0" dirty="0">
+                <a:solidFill>
+                  <a:srgbClr val="CCCCCC"/>
+                </a:solidFill>
+                <a:effectLst/>
+                <a:latin typeface="Consolas" panose="020B0609020204030204" pitchFamily="49" charset="0"/>
+              </a:rPr>
+              <a:t>My First Heading</a:t>
+            </a:r>
+            <a:r>
+              <a:rPr lang="en-US" sz="3200" b="0" dirty="0">
+                <a:solidFill>
+                  <a:srgbClr val="808080"/>
+                </a:solidFill>
+                <a:effectLst/>
+                <a:latin typeface="Consolas" panose="020B0609020204030204" pitchFamily="49" charset="0"/>
+              </a:rPr>
+              <a:t>&lt;/</a:t>
+            </a:r>
+            <a:r>
+              <a:rPr lang="en-US" sz="3200" b="0" dirty="0">
+                <a:solidFill>
+                  <a:srgbClr val="569CD6"/>
+                </a:solidFill>
+                <a:effectLst/>
+                <a:latin typeface="Consolas" panose="020B0609020204030204" pitchFamily="49" charset="0"/>
+              </a:rPr>
+              <a:t>h1</a:t>
+            </a:r>
+            <a:r>
+              <a:rPr lang="en-US" sz="3200" b="0" dirty="0">
+                <a:solidFill>
+                  <a:srgbClr val="808080"/>
+                </a:solidFill>
+                <a:effectLst/>
+                <a:latin typeface="Consolas" panose="020B0609020204030204" pitchFamily="49" charset="0"/>
+              </a:rPr>
+              <a:t>&gt;</a:t>
+            </a:r>
+            <a:endParaRPr lang="en-US" sz="3200" b="0" dirty="0">
+              <a:solidFill>
+                <a:srgbClr val="CCCCCC"/>
+              </a:solidFill>
+              <a:effectLst/>
+              <a:latin typeface="Consolas" panose="020B0609020204030204" pitchFamily="49" charset="0"/>
+            </a:endParaRPr>
+          </a:p>
+          <a:p>
+            <a:r>
+              <a:rPr lang="en-US" sz="3200" b="0" dirty="0">
+                <a:solidFill>
+                  <a:srgbClr val="CCCCCC"/>
+                </a:solidFill>
+                <a:effectLst/>
+                <a:latin typeface="Consolas" panose="020B0609020204030204" pitchFamily="49" charset="0"/>
+              </a:rPr>
+              <a:t>        </a:t>
+            </a:r>
+            <a:r>
+              <a:rPr lang="en-US" sz="3200" b="0" dirty="0">
+                <a:solidFill>
+                  <a:srgbClr val="808080"/>
+                </a:solidFill>
+                <a:effectLst/>
+                <a:latin typeface="Consolas" panose="020B0609020204030204" pitchFamily="49" charset="0"/>
+              </a:rPr>
+              <a:t>&lt;</a:t>
+            </a:r>
+            <a:r>
+              <a:rPr lang="en-US" sz="3200" b="0" dirty="0">
+                <a:solidFill>
+                  <a:srgbClr val="569CD6"/>
+                </a:solidFill>
+                <a:effectLst/>
+                <a:latin typeface="Consolas" panose="020B0609020204030204" pitchFamily="49" charset="0"/>
+              </a:rPr>
+              <a:t>p</a:t>
+            </a:r>
+            <a:r>
+              <a:rPr lang="en-US" sz="3200" b="0" dirty="0">
+                <a:solidFill>
+                  <a:srgbClr val="808080"/>
+                </a:solidFill>
+                <a:effectLst/>
+                <a:latin typeface="Consolas" panose="020B0609020204030204" pitchFamily="49" charset="0"/>
+              </a:rPr>
+              <a:t>&gt;</a:t>
+            </a:r>
+            <a:r>
+              <a:rPr lang="en-US" sz="3200" b="0" dirty="0">
+                <a:solidFill>
+                  <a:srgbClr val="CCCCCC"/>
+                </a:solidFill>
+                <a:effectLst/>
+                <a:latin typeface="Consolas" panose="020B0609020204030204" pitchFamily="49" charset="0"/>
+              </a:rPr>
+              <a:t>My first paragraph.</a:t>
+            </a:r>
+            <a:r>
+              <a:rPr lang="en-US" sz="3200" b="0" dirty="0">
+                <a:solidFill>
+                  <a:srgbClr val="808080"/>
+                </a:solidFill>
+                <a:effectLst/>
+                <a:latin typeface="Consolas" panose="020B0609020204030204" pitchFamily="49" charset="0"/>
+              </a:rPr>
+              <a:t>&lt;/</a:t>
+            </a:r>
+            <a:r>
+              <a:rPr lang="en-US" sz="3200" b="0" dirty="0">
+                <a:solidFill>
+                  <a:srgbClr val="569CD6"/>
+                </a:solidFill>
+                <a:effectLst/>
+                <a:latin typeface="Consolas" panose="020B0609020204030204" pitchFamily="49" charset="0"/>
+              </a:rPr>
+              <a:t>p</a:t>
+            </a:r>
+            <a:r>
+              <a:rPr lang="en-US" sz="3200" b="0" dirty="0">
+                <a:solidFill>
+                  <a:srgbClr val="808080"/>
+                </a:solidFill>
+                <a:effectLst/>
+                <a:latin typeface="Consolas" panose="020B0609020204030204" pitchFamily="49" charset="0"/>
+              </a:rPr>
+              <a:t>&gt;</a:t>
+            </a:r>
+            <a:endParaRPr lang="en-US" sz="3200" b="0" dirty="0">
+              <a:solidFill>
+                <a:srgbClr val="CCCCCC"/>
+              </a:solidFill>
+              <a:effectLst/>
+              <a:latin typeface="Consolas" panose="020B0609020204030204" pitchFamily="49" charset="0"/>
+            </a:endParaRPr>
+          </a:p>
+          <a:p>
+            <a:r>
+              <a:rPr lang="en-US" sz="3200" b="0" dirty="0">
+                <a:solidFill>
+                  <a:srgbClr val="CCCCCC"/>
+                </a:solidFill>
+                <a:effectLst/>
+                <a:latin typeface="Consolas" panose="020B0609020204030204" pitchFamily="49" charset="0"/>
+              </a:rPr>
+              <a:t>    </a:t>
+            </a:r>
+            <a:r>
+              <a:rPr lang="en-US" sz="3200" b="0" dirty="0">
+                <a:solidFill>
+                  <a:srgbClr val="808080"/>
+                </a:solidFill>
+                <a:effectLst/>
+                <a:latin typeface="Consolas" panose="020B0609020204030204" pitchFamily="49" charset="0"/>
+              </a:rPr>
+              <a:t>&lt;/</a:t>
+            </a:r>
+            <a:r>
+              <a:rPr lang="en-US" sz="3200" b="0" dirty="0">
+                <a:solidFill>
+                  <a:srgbClr val="569CD6"/>
+                </a:solidFill>
+                <a:effectLst/>
+                <a:latin typeface="Consolas" panose="020B0609020204030204" pitchFamily="49" charset="0"/>
+              </a:rPr>
+              <a:t>body</a:t>
+            </a:r>
+            <a:r>
+              <a:rPr lang="en-US" sz="3200" b="0" dirty="0">
+                <a:solidFill>
+                  <a:srgbClr val="808080"/>
+                </a:solidFill>
+                <a:effectLst/>
+                <a:latin typeface="Consolas" panose="020B0609020204030204" pitchFamily="49" charset="0"/>
+              </a:rPr>
+              <a:t>&gt;</a:t>
+            </a:r>
+            <a:endParaRPr lang="en-US" sz="3200" b="0" dirty="0">
+              <a:solidFill>
+                <a:srgbClr val="CCCCCC"/>
+              </a:solidFill>
+              <a:effectLst/>
+              <a:latin typeface="Consolas" panose="020B0609020204030204" pitchFamily="49" charset="0"/>
+            </a:endParaRPr>
+          </a:p>
+          <a:p>
+            <a:r>
+              <a:rPr lang="en-US" sz="3200" b="0" dirty="0">
+                <a:solidFill>
+                  <a:srgbClr val="808080"/>
+                </a:solidFill>
+                <a:effectLst/>
+                <a:latin typeface="Consolas" panose="020B0609020204030204" pitchFamily="49" charset="0"/>
+              </a:rPr>
+              <a:t>&lt;/</a:t>
+            </a:r>
+            <a:r>
+              <a:rPr lang="en-US" sz="3200" b="0" dirty="0">
+                <a:solidFill>
+                  <a:srgbClr val="569CD6"/>
+                </a:solidFill>
+                <a:effectLst/>
+                <a:latin typeface="Consolas" panose="020B0609020204030204" pitchFamily="49" charset="0"/>
+              </a:rPr>
+              <a:t>html</a:t>
+            </a:r>
+            <a:r>
+              <a:rPr lang="en-US" sz="3200" b="0" dirty="0">
+                <a:solidFill>
+                  <a:srgbClr val="808080"/>
+                </a:solidFill>
+                <a:effectLst/>
+                <a:latin typeface="Consolas" panose="020B0609020204030204" pitchFamily="49" charset="0"/>
+              </a:rPr>
+              <a:t>&gt;</a:t>
+            </a:r>
+            <a:endParaRPr lang="en-US" sz="3200" b="0" dirty="0">
+              <a:solidFill>
+                <a:srgbClr val="CCCCCC"/>
+              </a:solidFill>
+              <a:effectLst/>
+              <a:latin typeface="Consolas" panose="020B0609020204030204" pitchFamily="49" charset="0"/>
+            </a:endParaRPr>
           </a:p>
         </p:txBody>
       </p:sp>
@@ -6170,8 +10173,8 @@
         </p:nvSpPr>
         <p:spPr>
           <a:xfrm>
-            <a:off x="3957799" y="1769769"/>
-            <a:ext cx="7892079" cy="1508105"/>
+            <a:off x="4041646" y="1015716"/>
+            <a:ext cx="7892079" cy="4893647"/>
           </a:xfrm>
           <a:prstGeom prst="rect">
             <a:avLst/>
@@ -6220,6 +10223,90 @@
               </a:rPr>
               <a:t> HTML?</a:t>
             </a:r>
+          </a:p>
+          <a:p>
+            <a:pPr algn="ctr"/>
+            <a:endParaRPr lang="km-KH" sz="4400" b="1" dirty="0">
+              <a:latin typeface="Khmer OS Siemreap" panose="02000500000000020004" pitchFamily="2" charset="0"/>
+              <a:cs typeface="Khmer OS Siemreap" panose="02000500000000020004" pitchFamily="2" charset="0"/>
+            </a:endParaRPr>
+          </a:p>
+          <a:p>
+            <a:pPr algn="ctr"/>
+            <a:r>
+              <a:rPr lang="en-US" sz="4400" b="1" dirty="0">
+                <a:latin typeface="Khmer OS Siemreap" panose="02000500000000020004" pitchFamily="2" charset="0"/>
+                <a:cs typeface="Khmer OS Siemreap" panose="02000500000000020004" pitchFamily="2" charset="0"/>
+              </a:rPr>
+              <a:t>Tag </a:t>
+            </a:r>
+            <a:r>
+              <a:rPr lang="km-KH" sz="4400" b="1" dirty="0">
+                <a:latin typeface="Khmer OS Siemreap" panose="02000500000000020004" pitchFamily="2" charset="0"/>
+                <a:cs typeface="Khmer OS Siemreap" panose="02000500000000020004" pitchFamily="2" charset="0"/>
+              </a:rPr>
+              <a:t>គឺជា​ផ្នែកមួយនៃ </a:t>
+            </a:r>
+            <a:r>
+              <a:rPr lang="en-US" sz="4400" b="1" dirty="0">
+                <a:latin typeface="Khmer OS Siemreap" panose="02000500000000020004" pitchFamily="2" charset="0"/>
+                <a:cs typeface="Khmer OS Siemreap" panose="02000500000000020004" pitchFamily="2" charset="0"/>
+              </a:rPr>
+              <a:t>HTML </a:t>
+            </a:r>
+            <a:r>
+              <a:rPr lang="km-KH" sz="4400" b="1" dirty="0">
+                <a:latin typeface="Khmer OS Siemreap" panose="02000500000000020004" pitchFamily="2" charset="0"/>
+                <a:cs typeface="Khmer OS Siemreap" panose="02000500000000020004" pitchFamily="2" charset="0"/>
+              </a:rPr>
+              <a:t>ដែលមានផ្ទុក </a:t>
+            </a:r>
+            <a:r>
+              <a:rPr lang="en-US" sz="4400" b="1" dirty="0">
+                <a:latin typeface="Khmer OS Siemreap" panose="02000500000000020004" pitchFamily="2" charset="0"/>
+                <a:cs typeface="Khmer OS Siemreap" panose="02000500000000020004" pitchFamily="2" charset="0"/>
+              </a:rPr>
+              <a:t>Elements </a:t>
+            </a:r>
+            <a:r>
+              <a:rPr lang="km-KH" sz="4400" b="1" dirty="0">
+                <a:latin typeface="Khmer OS Siemreap" panose="02000500000000020004" pitchFamily="2" charset="0"/>
+                <a:cs typeface="Khmer OS Siemreap" panose="02000500000000020004" pitchFamily="2" charset="0"/>
+              </a:rPr>
+              <a:t>របស់ </a:t>
+            </a:r>
+            <a:r>
+              <a:rPr lang="en-US" sz="4400" b="1" dirty="0">
+                <a:latin typeface="Khmer OS Siemreap" panose="02000500000000020004" pitchFamily="2" charset="0"/>
+                <a:cs typeface="Khmer OS Siemreap" panose="02000500000000020004" pitchFamily="2" charset="0"/>
+              </a:rPr>
+              <a:t>HTML </a:t>
+            </a:r>
+            <a:r>
+              <a:rPr lang="km-KH" sz="4400" b="1" dirty="0">
+                <a:latin typeface="Khmer OS Siemreap" panose="02000500000000020004" pitchFamily="2" charset="0"/>
+                <a:cs typeface="Khmer OS Siemreap" panose="02000500000000020004" pitchFamily="2" charset="0"/>
+              </a:rPr>
+              <a:t>សម្រាប់ធ្វើការបង្ហាញ វេបសាយ នៅលើ </a:t>
+            </a:r>
+            <a:r>
+              <a:rPr lang="en-US" sz="4400" b="1" dirty="0">
+                <a:latin typeface="Khmer OS Siemreap" panose="02000500000000020004" pitchFamily="2" charset="0"/>
+                <a:cs typeface="Khmer OS Siemreap" panose="02000500000000020004" pitchFamily="2" charset="0"/>
+              </a:rPr>
+              <a:t>Browser</a:t>
+            </a:r>
+            <a:r>
+              <a:rPr lang="km-KH" sz="4400" b="1" dirty="0">
+                <a:latin typeface="Khmer OS Siemreap" panose="02000500000000020004" pitchFamily="2" charset="0"/>
+                <a:cs typeface="Khmer OS Siemreap" panose="02000500000000020004" pitchFamily="2" charset="0"/>
+              </a:rPr>
+              <a:t>៕</a:t>
+            </a:r>
+            <a:endParaRPr lang="en-US" sz="4400" b="1" dirty="0">
+              <a:latin typeface="Khmer OS Siemreap" panose="02000500000000020004" pitchFamily="2" charset="0"/>
+              <a:cs typeface="Khmer OS Siemreap" panose="02000500000000020004" pitchFamily="2" charset="0"/>
+            </a:endParaRPr>
           </a:p>
           <a:p>
             <a:pPr algn="ctr"/>
@@ -6321,8 +10408,8 @@
         </p:nvSpPr>
         <p:spPr>
           <a:xfrm>
-            <a:off x="3957799" y="1769769"/>
-            <a:ext cx="7892079" cy="1508105"/>
+            <a:off x="4204316" y="982175"/>
+            <a:ext cx="7892079" cy="4893647"/>
           </a:xfrm>
           <a:prstGeom prst="rect">
             <a:avLst/>
@@ -6370,6 +10457,65 @@
                 <a:cs typeface="Khmer OS Siemreap" panose="02000500000000020004" pitchFamily="2" charset="0"/>
               </a:rPr>
               <a:t> HTML?</a:t>
+            </a:r>
+          </a:p>
+          <a:p>
+            <a:pPr algn="ctr"/>
+            <a:endParaRPr lang="en-US" sz="4400" b="1" dirty="0">
+              <a:latin typeface="Khmer OS Siemreap" panose="02000500000000020004" pitchFamily="2" charset="0"/>
+              <a:cs typeface="Khmer OS Siemreap" panose="02000500000000020004" pitchFamily="2" charset="0"/>
+            </a:endParaRPr>
+          </a:p>
+          <a:p>
+            <a:pPr algn="ctr"/>
+            <a:r>
+              <a:rPr lang="en-US" sz="4400" b="1" dirty="0">
+                <a:latin typeface="Khmer OS Siemreap" panose="02000500000000020004" pitchFamily="2" charset="0"/>
+                <a:cs typeface="Khmer OS Siemreap" panose="02000500000000020004" pitchFamily="2" charset="0"/>
+              </a:rPr>
+              <a:t>elements </a:t>
+            </a:r>
+            <a:r>
+              <a:rPr lang="km-KH" sz="4400" b="1" dirty="0">
+                <a:latin typeface="Khmer OS Siemreap" panose="02000500000000020004" pitchFamily="2" charset="0"/>
+                <a:cs typeface="Khmer OS Siemreap" panose="02000500000000020004" pitchFamily="2" charset="0"/>
+              </a:rPr>
+              <a:t>គឺជា ធាតុតូចៗនៃ​ </a:t>
+            </a:r>
+            <a:r>
+              <a:rPr lang="en-US" sz="4400" b="1" dirty="0">
+                <a:latin typeface="Khmer OS Siemreap" panose="02000500000000020004" pitchFamily="2" charset="0"/>
+                <a:cs typeface="Khmer OS Siemreap" panose="02000500000000020004" pitchFamily="2" charset="0"/>
+              </a:rPr>
+              <a:t>HTML </a:t>
+            </a:r>
+            <a:r>
+              <a:rPr lang="km-KH" sz="4400" b="1" dirty="0">
+                <a:latin typeface="Khmer OS Siemreap" panose="02000500000000020004" pitchFamily="2" charset="0"/>
+                <a:cs typeface="Khmer OS Siemreap" panose="02000500000000020004" pitchFamily="2" charset="0"/>
+              </a:rPr>
+              <a:t>ដែលប្រើប្រាស់សម្រាប់ បង្កើតវេបសាយ</a:t>
+            </a:r>
+            <a:r>
+              <a:rPr lang="en-US" sz="4400" b="1" dirty="0">
+                <a:latin typeface="Khmer OS Siemreap" panose="02000500000000020004" pitchFamily="2" charset="0"/>
+                <a:cs typeface="Khmer OS Siemreap" panose="02000500000000020004" pitchFamily="2" charset="0"/>
+              </a:rPr>
+              <a:t> (website)</a:t>
+            </a:r>
+            <a:r>
+              <a:rPr lang="km-KH" sz="4400" b="1" dirty="0">
+                <a:latin typeface="Khmer OS Siemreap" panose="02000500000000020004" pitchFamily="2" charset="0"/>
+                <a:cs typeface="Khmer OS Siemreap" panose="02000500000000020004" pitchFamily="2" charset="0"/>
+              </a:rPr>
+              <a:t>។ ឧទារហណ៍៖ </a:t>
+            </a:r>
+            <a:r>
+              <a:rPr lang="en-US" sz="4400" b="1" dirty="0">
+                <a:latin typeface="Khmer OS Siemreap" panose="02000500000000020004" pitchFamily="2" charset="0"/>
+                <a:cs typeface="Khmer OS Siemreap" panose="02000500000000020004" pitchFamily="2" charset="0"/>
+              </a:rPr>
+              <a:t>&lt;h1&gt;…&lt;/h1&gt;, &lt;p&gt;…&lt;/p&gt;, …,etc.</a:t>
             </a:r>
           </a:p>
           <a:p>
@@ -6411,53 +10557,6 @@
           <a:chExt cx="0" cy="0"/>
         </a:xfrm>
       </p:grpSpPr>
-      <p:pic>
-        <p:nvPicPr>
-          <p:cNvPr id="7" name="Picture 8" descr="Html 5 Detailed Flat Circular Flat icon">
-            <a:extLst>
-              <a:ext uri="{FF2B5EF4-FFF2-40B4-BE49-F238E27FC236}">
-                <a16:creationId xmlns:a16="http://schemas.microsoft.com/office/drawing/2014/main" id="{26F87EE6-249B-FFEB-B903-3F54D0D4EA22}"/>
-              </a:ext>
-            </a:extLst>
-          </p:cNvPr>
-          <p:cNvPicPr>
-            <a:picLocks noChangeAspect="1" noChangeArrowheads="1"/>
-          </p:cNvPicPr>
-          <p:nvPr/>
-        </p:nvPicPr>
-        <p:blipFill>
-          <a:blip r:embed="rId2">
-            <a:extLst>
-              <a:ext uri="{28A0092B-C50C-407E-A947-70E740481C1C}">
-                <a14:useLocalDpi xmlns:a14="http://schemas.microsoft.com/office/drawing/2010/main" val="0"/>
-              </a:ext>
-            </a:extLst>
-          </a:blip>
-          <a:srcRect/>
-          <a:stretch>
-            <a:fillRect/>
-          </a:stretch>
-        </p:blipFill>
-        <p:spPr bwMode="auto">
-          <a:xfrm>
-            <a:off x="723185" y="1769769"/>
-            <a:ext cx="3318461" cy="3318461"/>
-          </a:xfrm>
-          <a:prstGeom prst="rect">
-            <a:avLst/>
-          </a:prstGeom>
-          <a:noFill/>
-          <a:extLst>
-            <a:ext uri="{909E8E84-426E-40DD-AFC4-6F175D3DCCD1}">
-              <a14:hiddenFill xmlns:a14="http://schemas.microsoft.com/office/drawing/2010/main">
-                <a:solidFill>
-                  <a:srgbClr val="FFFFFF"/>
-                </a:solidFill>
-              </a14:hiddenFill>
-            </a:ext>
-          </a:extLst>
-        </p:spPr>
-      </p:pic>
       <p:sp>
         <p:nvSpPr>
           <p:cNvPr id="2" name="TextBox 1">
@@ -6472,8 +10571,8 @@
         </p:nvSpPr>
         <p:spPr>
           <a:xfrm>
-            <a:off x="3957799" y="1769769"/>
-            <a:ext cx="7892079" cy="1508105"/>
+            <a:off x="643811" y="797510"/>
+            <a:ext cx="11206067" cy="5262979"/>
           </a:xfrm>
           <a:prstGeom prst="rect">
             <a:avLst/>
@@ -6486,48 +10585,645 @@
           </a:bodyPr>
           <a:lstStyle/>
           <a:p>
-            <a:pPr algn="ctr"/>
-            <a:r>
-              <a:rPr lang="km-KH" sz="4800" b="1" dirty="0">
-                <a:latin typeface="Khmer OS Siemreap" panose="02000500000000020004" pitchFamily="2" charset="0"/>
-                <a:cs typeface="Khmer OS Siemreap" panose="02000500000000020004" pitchFamily="2" charset="0"/>
-              </a:rPr>
-              <a:t>តើ</a:t>
-            </a:r>
-            <a:r>
-              <a:rPr lang="km-KH" sz="4400" b="1" dirty="0">
-                <a:latin typeface="Khmer OS Siemreap" panose="02000500000000020004" pitchFamily="2" charset="0"/>
-                <a:cs typeface="Khmer OS Siemreap" panose="02000500000000020004" pitchFamily="2" charset="0"/>
-              </a:rPr>
-              <a:t>អ្វីជា </a:t>
-            </a:r>
-            <a:r>
-              <a:rPr lang="en-US" sz="4400" b="1" dirty="0">
-                <a:latin typeface="Khmer OS Siemreap" panose="02000500000000020004" pitchFamily="2" charset="0"/>
-                <a:cs typeface="Khmer OS Siemreap" panose="02000500000000020004" pitchFamily="2" charset="0"/>
-              </a:rPr>
-              <a:t>attribute </a:t>
-            </a:r>
-            <a:r>
-              <a:rPr lang="km-KH" sz="4400" b="1" dirty="0">
-                <a:latin typeface="Khmer OS Siemreap" panose="02000500000000020004" pitchFamily="2" charset="0"/>
-                <a:cs typeface="Khmer OS Siemreap" panose="02000500000000020004" pitchFamily="2" charset="0"/>
-              </a:rPr>
-              <a:t>ក្នុង</a:t>
-            </a:r>
-            <a:r>
-              <a:rPr lang="en-US" sz="4400" b="1" dirty="0">
-                <a:latin typeface="Khmer OS Siemreap" panose="02000500000000020004" pitchFamily="2" charset="0"/>
-                <a:cs typeface="Khmer OS Siemreap" panose="02000500000000020004" pitchFamily="2" charset="0"/>
-              </a:rPr>
-              <a:t> HTML?</a:t>
-            </a:r>
-          </a:p>
-          <a:p>
-            <a:pPr algn="ctr"/>
-            <a:endParaRPr lang="km-KH" sz="4400" b="1" dirty="0">
-              <a:latin typeface="Khmer OS Siemreap" panose="02000500000000020004" pitchFamily="2" charset="0"/>
-              <a:cs typeface="Khmer OS Siemreap" panose="02000500000000020004" pitchFamily="2" charset="0"/>
+            <a:r>
+              <a:rPr lang="en-US" sz="2400" b="0" dirty="0">
+                <a:solidFill>
+                  <a:srgbClr val="808080"/>
+                </a:solidFill>
+                <a:effectLst/>
+                <a:latin typeface="Consolas" panose="020B0609020204030204" pitchFamily="49" charset="0"/>
+              </a:rPr>
+              <a:t>&lt;!</a:t>
+            </a:r>
+            <a:r>
+              <a:rPr lang="en-US" sz="2400" b="0" dirty="0">
+                <a:solidFill>
+                  <a:srgbClr val="569CD6"/>
+                </a:solidFill>
+                <a:effectLst/>
+                <a:latin typeface="Consolas" panose="020B0609020204030204" pitchFamily="49" charset="0"/>
+              </a:rPr>
+              <a:t>DOCTYPE</a:t>
+            </a:r>
+            <a:r>
+              <a:rPr lang="en-US" sz="2400" b="0" dirty="0">
+                <a:solidFill>
+                  <a:srgbClr val="CCCCCC"/>
+                </a:solidFill>
+                <a:effectLst/>
+                <a:latin typeface="Consolas" panose="020B0609020204030204" pitchFamily="49" charset="0"/>
+              </a:rPr>
+              <a:t> </a:t>
+            </a:r>
+            <a:r>
+              <a:rPr lang="en-US" sz="2400" b="0" dirty="0">
+                <a:solidFill>
+                  <a:srgbClr val="9CDCFE"/>
+                </a:solidFill>
+                <a:effectLst/>
+                <a:latin typeface="Consolas" panose="020B0609020204030204" pitchFamily="49" charset="0"/>
+              </a:rPr>
+              <a:t>html</a:t>
+            </a:r>
+            <a:r>
+              <a:rPr lang="en-US" sz="2400" b="0" dirty="0">
+                <a:solidFill>
+                  <a:srgbClr val="808080"/>
+                </a:solidFill>
+                <a:effectLst/>
+                <a:latin typeface="Consolas" panose="020B0609020204030204" pitchFamily="49" charset="0"/>
+              </a:rPr>
+              <a:t>&gt;</a:t>
+            </a:r>
+            <a:endParaRPr lang="en-US" sz="2400" b="0" dirty="0">
+              <a:solidFill>
+                <a:srgbClr val="CCCCCC"/>
+              </a:solidFill>
+              <a:effectLst/>
+              <a:latin typeface="Consolas" panose="020B0609020204030204" pitchFamily="49" charset="0"/>
+            </a:endParaRPr>
+          </a:p>
+          <a:p>
+            <a:r>
+              <a:rPr lang="en-US" sz="2400" b="0" dirty="0">
+                <a:solidFill>
+                  <a:srgbClr val="808080"/>
+                </a:solidFill>
+                <a:effectLst/>
+                <a:latin typeface="Consolas" panose="020B0609020204030204" pitchFamily="49" charset="0"/>
+              </a:rPr>
+              <a:t>&lt;</a:t>
+            </a:r>
+            <a:r>
+              <a:rPr lang="en-US" sz="2400" b="0" dirty="0">
+                <a:solidFill>
+                  <a:srgbClr val="569CD6"/>
+                </a:solidFill>
+                <a:effectLst/>
+                <a:latin typeface="Consolas" panose="020B0609020204030204" pitchFamily="49" charset="0"/>
+              </a:rPr>
+              <a:t>html</a:t>
+            </a:r>
+            <a:r>
+              <a:rPr lang="en-US" sz="2400" b="0" dirty="0">
+                <a:solidFill>
+                  <a:srgbClr val="808080"/>
+                </a:solidFill>
+                <a:effectLst/>
+                <a:latin typeface="Consolas" panose="020B0609020204030204" pitchFamily="49" charset="0"/>
+              </a:rPr>
+              <a:t>&gt;</a:t>
+            </a:r>
+            <a:endParaRPr lang="en-US" sz="2400" b="0" dirty="0">
+              <a:solidFill>
+                <a:srgbClr val="CCCCCC"/>
+              </a:solidFill>
+              <a:effectLst/>
+              <a:latin typeface="Consolas" panose="020B0609020204030204" pitchFamily="49" charset="0"/>
+            </a:endParaRPr>
+          </a:p>
+          <a:p>
+            <a:r>
+              <a:rPr lang="en-US" sz="2400" b="0" dirty="0">
+                <a:solidFill>
+                  <a:srgbClr val="CCCCCC"/>
+                </a:solidFill>
+                <a:effectLst/>
+                <a:latin typeface="Consolas" panose="020B0609020204030204" pitchFamily="49" charset="0"/>
+              </a:rPr>
+              <a:t>    </a:t>
+            </a:r>
+            <a:r>
+              <a:rPr lang="en-US" sz="2400" b="0" dirty="0">
+                <a:solidFill>
+                  <a:srgbClr val="808080"/>
+                </a:solidFill>
+                <a:effectLst/>
+                <a:latin typeface="Consolas" panose="020B0609020204030204" pitchFamily="49" charset="0"/>
+              </a:rPr>
+              <a:t>&lt;</a:t>
+            </a:r>
+            <a:r>
+              <a:rPr lang="en-US" sz="2400" b="0" dirty="0">
+                <a:solidFill>
+                  <a:srgbClr val="569CD6"/>
+                </a:solidFill>
+                <a:effectLst/>
+                <a:latin typeface="Consolas" panose="020B0609020204030204" pitchFamily="49" charset="0"/>
+              </a:rPr>
+              <a:t>head</a:t>
+            </a:r>
+            <a:r>
+              <a:rPr lang="en-US" sz="2400" b="0" dirty="0">
+                <a:solidFill>
+                  <a:srgbClr val="808080"/>
+                </a:solidFill>
+                <a:effectLst/>
+                <a:latin typeface="Consolas" panose="020B0609020204030204" pitchFamily="49" charset="0"/>
+              </a:rPr>
+              <a:t>&gt;</a:t>
+            </a:r>
+            <a:endParaRPr lang="en-US" sz="2400" b="0" dirty="0">
+              <a:solidFill>
+                <a:srgbClr val="CCCCCC"/>
+              </a:solidFill>
+              <a:effectLst/>
+              <a:latin typeface="Consolas" panose="020B0609020204030204" pitchFamily="49" charset="0"/>
+            </a:endParaRPr>
+          </a:p>
+          <a:p>
+            <a:r>
+              <a:rPr lang="en-US" sz="2400" b="0" dirty="0">
+                <a:solidFill>
+                  <a:srgbClr val="CCCCCC"/>
+                </a:solidFill>
+                <a:effectLst/>
+                <a:latin typeface="Consolas" panose="020B0609020204030204" pitchFamily="49" charset="0"/>
+              </a:rPr>
+              <a:t>        </a:t>
+            </a:r>
+            <a:r>
+              <a:rPr lang="en-US" sz="2400" b="0" dirty="0">
+                <a:solidFill>
+                  <a:srgbClr val="808080"/>
+                </a:solidFill>
+                <a:effectLst/>
+                <a:latin typeface="Consolas" panose="020B0609020204030204" pitchFamily="49" charset="0"/>
+              </a:rPr>
+              <a:t>&lt;</a:t>
+            </a:r>
+            <a:r>
+              <a:rPr lang="en-US" sz="2400" b="0" dirty="0">
+                <a:solidFill>
+                  <a:srgbClr val="569CD6"/>
+                </a:solidFill>
+                <a:effectLst/>
+                <a:latin typeface="Consolas" panose="020B0609020204030204" pitchFamily="49" charset="0"/>
+              </a:rPr>
+              <a:t>title</a:t>
+            </a:r>
+            <a:r>
+              <a:rPr lang="en-US" sz="2400" b="0" dirty="0">
+                <a:solidFill>
+                  <a:srgbClr val="808080"/>
+                </a:solidFill>
+                <a:effectLst/>
+                <a:latin typeface="Consolas" panose="020B0609020204030204" pitchFamily="49" charset="0"/>
+              </a:rPr>
+              <a:t>&gt;</a:t>
+            </a:r>
+            <a:r>
+              <a:rPr lang="en-US" sz="2400" b="0" dirty="0">
+                <a:solidFill>
+                  <a:srgbClr val="CCCCCC"/>
+                </a:solidFill>
+                <a:effectLst/>
+                <a:latin typeface="Consolas" panose="020B0609020204030204" pitchFamily="49" charset="0"/>
+              </a:rPr>
+              <a:t>Web Design 101</a:t>
+            </a:r>
+            <a:r>
+              <a:rPr lang="en-US" sz="2400" b="0" dirty="0">
+                <a:solidFill>
+                  <a:srgbClr val="808080"/>
+                </a:solidFill>
+                <a:effectLst/>
+                <a:latin typeface="Consolas" panose="020B0609020204030204" pitchFamily="49" charset="0"/>
+              </a:rPr>
+              <a:t>&lt;/</a:t>
+            </a:r>
+            <a:r>
+              <a:rPr lang="en-US" sz="2400" b="0" dirty="0">
+                <a:solidFill>
+                  <a:srgbClr val="569CD6"/>
+                </a:solidFill>
+                <a:effectLst/>
+                <a:latin typeface="Consolas" panose="020B0609020204030204" pitchFamily="49" charset="0"/>
+              </a:rPr>
+              <a:t>title</a:t>
+            </a:r>
+            <a:r>
+              <a:rPr lang="en-US" sz="2400" b="0" dirty="0">
+                <a:solidFill>
+                  <a:srgbClr val="808080"/>
+                </a:solidFill>
+                <a:effectLst/>
+                <a:latin typeface="Consolas" panose="020B0609020204030204" pitchFamily="49" charset="0"/>
+              </a:rPr>
+              <a:t>&gt;</a:t>
+            </a:r>
+            <a:endParaRPr lang="en-US" sz="2400" b="0" dirty="0">
+              <a:solidFill>
+                <a:srgbClr val="CCCCCC"/>
+              </a:solidFill>
+              <a:effectLst/>
+              <a:latin typeface="Consolas" panose="020B0609020204030204" pitchFamily="49" charset="0"/>
+            </a:endParaRPr>
+          </a:p>
+          <a:p>
+            <a:r>
+              <a:rPr lang="en-US" sz="2400" b="0" dirty="0">
+                <a:solidFill>
+                  <a:srgbClr val="CCCCCC"/>
+                </a:solidFill>
+                <a:effectLst/>
+                <a:latin typeface="Consolas" panose="020B0609020204030204" pitchFamily="49" charset="0"/>
+              </a:rPr>
+              <a:t>    </a:t>
+            </a:r>
+            <a:r>
+              <a:rPr lang="en-US" sz="2400" b="0" dirty="0">
+                <a:solidFill>
+                  <a:srgbClr val="808080"/>
+                </a:solidFill>
+                <a:effectLst/>
+                <a:latin typeface="Consolas" panose="020B0609020204030204" pitchFamily="49" charset="0"/>
+              </a:rPr>
+              <a:t>&lt;/</a:t>
+            </a:r>
+            <a:r>
+              <a:rPr lang="en-US" sz="2400" b="0" dirty="0">
+                <a:solidFill>
+                  <a:srgbClr val="569CD6"/>
+                </a:solidFill>
+                <a:effectLst/>
+                <a:latin typeface="Consolas" panose="020B0609020204030204" pitchFamily="49" charset="0"/>
+              </a:rPr>
+              <a:t>head</a:t>
+            </a:r>
+            <a:r>
+              <a:rPr lang="en-US" sz="2400" b="0" dirty="0">
+                <a:solidFill>
+                  <a:srgbClr val="808080"/>
+                </a:solidFill>
+                <a:effectLst/>
+                <a:latin typeface="Consolas" panose="020B0609020204030204" pitchFamily="49" charset="0"/>
+              </a:rPr>
+              <a:t>&gt;</a:t>
+            </a:r>
+            <a:endParaRPr lang="en-US" sz="2400" b="0" dirty="0">
+              <a:solidFill>
+                <a:srgbClr val="CCCCCC"/>
+              </a:solidFill>
+              <a:effectLst/>
+              <a:latin typeface="Consolas" panose="020B0609020204030204" pitchFamily="49" charset="0"/>
+            </a:endParaRPr>
+          </a:p>
+          <a:p>
+            <a:r>
+              <a:rPr lang="en-US" sz="2400" b="0" dirty="0">
+                <a:solidFill>
+                  <a:srgbClr val="CCCCCC"/>
+                </a:solidFill>
+                <a:effectLst/>
+                <a:latin typeface="Consolas" panose="020B0609020204030204" pitchFamily="49" charset="0"/>
+              </a:rPr>
+              <a:t>    </a:t>
+            </a:r>
+            <a:r>
+              <a:rPr lang="en-US" sz="2400" b="0" dirty="0">
+                <a:solidFill>
+                  <a:srgbClr val="808080"/>
+                </a:solidFill>
+                <a:effectLst/>
+                <a:latin typeface="Consolas" panose="020B0609020204030204" pitchFamily="49" charset="0"/>
+              </a:rPr>
+              <a:t>&lt;</a:t>
+            </a:r>
+            <a:r>
+              <a:rPr lang="en-US" sz="2400" b="0" dirty="0">
+                <a:solidFill>
+                  <a:srgbClr val="569CD6"/>
+                </a:solidFill>
+                <a:effectLst/>
+                <a:latin typeface="Consolas" panose="020B0609020204030204" pitchFamily="49" charset="0"/>
+              </a:rPr>
+              <a:t>body</a:t>
+            </a:r>
+            <a:r>
+              <a:rPr lang="en-US" sz="2400" b="0" dirty="0">
+                <a:solidFill>
+                  <a:srgbClr val="808080"/>
+                </a:solidFill>
+                <a:effectLst/>
+                <a:latin typeface="Consolas" panose="020B0609020204030204" pitchFamily="49" charset="0"/>
+              </a:rPr>
+              <a:t>&gt;</a:t>
+            </a:r>
+            <a:endParaRPr lang="en-US" sz="2400" b="0" dirty="0">
+              <a:solidFill>
+                <a:srgbClr val="CCCCCC"/>
+              </a:solidFill>
+              <a:effectLst/>
+              <a:latin typeface="Consolas" panose="020B0609020204030204" pitchFamily="49" charset="0"/>
+            </a:endParaRPr>
+          </a:p>
+          <a:p>
+            <a:r>
+              <a:rPr lang="en-US" sz="2400" b="0" dirty="0">
+                <a:solidFill>
+                  <a:srgbClr val="CCCCCC"/>
+                </a:solidFill>
+                <a:effectLst/>
+                <a:latin typeface="Consolas" panose="020B0609020204030204" pitchFamily="49" charset="0"/>
+              </a:rPr>
+              <a:t>        </a:t>
+            </a:r>
+            <a:r>
+              <a:rPr lang="en-US" sz="2400" b="0" dirty="0">
+                <a:solidFill>
+                  <a:srgbClr val="808080"/>
+                </a:solidFill>
+                <a:effectLst/>
+                <a:latin typeface="Consolas" panose="020B0609020204030204" pitchFamily="49" charset="0"/>
+              </a:rPr>
+              <a:t>&lt;</a:t>
+            </a:r>
+            <a:r>
+              <a:rPr lang="en-US" sz="2400" b="0" dirty="0">
+                <a:solidFill>
+                  <a:srgbClr val="569CD6"/>
+                </a:solidFill>
+                <a:effectLst/>
+                <a:latin typeface="Consolas" panose="020B0609020204030204" pitchFamily="49" charset="0"/>
+              </a:rPr>
+              <a:t>h1</a:t>
+            </a:r>
+            <a:r>
+              <a:rPr lang="en-US" sz="2400" b="0" dirty="0">
+                <a:solidFill>
+                  <a:srgbClr val="808080"/>
+                </a:solidFill>
+                <a:effectLst/>
+                <a:latin typeface="Consolas" panose="020B0609020204030204" pitchFamily="49" charset="0"/>
+              </a:rPr>
+              <a:t>&gt;</a:t>
+            </a:r>
+            <a:endParaRPr lang="en-US" sz="2400" b="0" dirty="0">
+              <a:solidFill>
+                <a:srgbClr val="CCCCCC"/>
+              </a:solidFill>
+              <a:effectLst/>
+              <a:latin typeface="Consolas" panose="020B0609020204030204" pitchFamily="49" charset="0"/>
+            </a:endParaRPr>
+          </a:p>
+          <a:p>
+            <a:r>
+              <a:rPr lang="en-US" sz="2400" b="0" dirty="0">
+                <a:solidFill>
+                  <a:srgbClr val="CCCCCC"/>
+                </a:solidFill>
+                <a:effectLst/>
+                <a:latin typeface="Consolas" panose="020B0609020204030204" pitchFamily="49" charset="0"/>
+              </a:rPr>
+              <a:t>            Welcome to PSBU's Class of Computer Science</a:t>
+            </a:r>
+          </a:p>
+          <a:p>
+            <a:r>
+              <a:rPr lang="en-US" sz="2400" b="0" dirty="0">
+                <a:solidFill>
+                  <a:srgbClr val="CCCCCC"/>
+                </a:solidFill>
+                <a:effectLst/>
+                <a:latin typeface="Consolas" panose="020B0609020204030204" pitchFamily="49" charset="0"/>
+              </a:rPr>
+              <a:t>        </a:t>
+            </a:r>
+            <a:r>
+              <a:rPr lang="en-US" sz="2400" b="0" dirty="0">
+                <a:solidFill>
+                  <a:srgbClr val="808080"/>
+                </a:solidFill>
+                <a:effectLst/>
+                <a:latin typeface="Consolas" panose="020B0609020204030204" pitchFamily="49" charset="0"/>
+              </a:rPr>
+              <a:t>&lt;/</a:t>
+            </a:r>
+            <a:r>
+              <a:rPr lang="en-US" sz="2400" b="0" dirty="0">
+                <a:solidFill>
+                  <a:srgbClr val="569CD6"/>
+                </a:solidFill>
+                <a:effectLst/>
+                <a:latin typeface="Consolas" panose="020B0609020204030204" pitchFamily="49" charset="0"/>
+              </a:rPr>
+              <a:t>h1</a:t>
+            </a:r>
+            <a:r>
+              <a:rPr lang="en-US" sz="2400" b="0" dirty="0">
+                <a:solidFill>
+                  <a:srgbClr val="808080"/>
+                </a:solidFill>
+                <a:effectLst/>
+                <a:latin typeface="Consolas" panose="020B0609020204030204" pitchFamily="49" charset="0"/>
+              </a:rPr>
+              <a:t>&gt;</a:t>
+            </a:r>
+            <a:endParaRPr lang="en-US" sz="2400" b="0" dirty="0">
+              <a:solidFill>
+                <a:srgbClr val="CCCCCC"/>
+              </a:solidFill>
+              <a:effectLst/>
+              <a:latin typeface="Consolas" panose="020B0609020204030204" pitchFamily="49" charset="0"/>
+            </a:endParaRPr>
+          </a:p>
+          <a:p>
+            <a:r>
+              <a:rPr lang="en-US" sz="2400" b="0" dirty="0">
+                <a:solidFill>
+                  <a:srgbClr val="CCCCCC"/>
+                </a:solidFill>
+                <a:effectLst/>
+                <a:latin typeface="Consolas" panose="020B0609020204030204" pitchFamily="49" charset="0"/>
+              </a:rPr>
+              <a:t>        </a:t>
+            </a:r>
+            <a:r>
+              <a:rPr lang="en-US" sz="2400" b="0" dirty="0">
+                <a:solidFill>
+                  <a:srgbClr val="808080"/>
+                </a:solidFill>
+                <a:effectLst/>
+                <a:latin typeface="Consolas" panose="020B0609020204030204" pitchFamily="49" charset="0"/>
+              </a:rPr>
+              <a:t>&lt;</a:t>
+            </a:r>
+            <a:r>
+              <a:rPr lang="en-US" sz="2400" b="0" dirty="0">
+                <a:solidFill>
+                  <a:srgbClr val="569CD6"/>
+                </a:solidFill>
+                <a:effectLst/>
+                <a:latin typeface="Consolas" panose="020B0609020204030204" pitchFamily="49" charset="0"/>
+              </a:rPr>
+              <a:t>p</a:t>
+            </a:r>
+            <a:r>
+              <a:rPr lang="en-US" sz="2400" b="0" dirty="0">
+                <a:solidFill>
+                  <a:srgbClr val="808080"/>
+                </a:solidFill>
+                <a:effectLst/>
+                <a:latin typeface="Consolas" panose="020B0609020204030204" pitchFamily="49" charset="0"/>
+              </a:rPr>
+              <a:t>&gt;</a:t>
+            </a:r>
+            <a:endParaRPr lang="en-US" sz="2400" b="0" dirty="0">
+              <a:solidFill>
+                <a:srgbClr val="CCCCCC"/>
+              </a:solidFill>
+              <a:effectLst/>
+              <a:latin typeface="Consolas" panose="020B0609020204030204" pitchFamily="49" charset="0"/>
+            </a:endParaRPr>
+          </a:p>
+          <a:p>
+            <a:r>
+              <a:rPr lang="en-US" sz="2400" b="0" dirty="0">
+                <a:solidFill>
+                  <a:srgbClr val="CCCCCC"/>
+                </a:solidFill>
+                <a:effectLst/>
+                <a:latin typeface="Consolas" panose="020B0609020204030204" pitchFamily="49" charset="0"/>
+              </a:rPr>
+              <a:t>            Today, we are learning html programming language. </a:t>
+            </a:r>
+          </a:p>
+          <a:p>
+            <a:r>
+              <a:rPr lang="en-US" sz="2400" b="0" dirty="0">
+                <a:solidFill>
+                  <a:srgbClr val="CCCCCC"/>
+                </a:solidFill>
+                <a:effectLst/>
+                <a:latin typeface="Consolas" panose="020B0609020204030204" pitchFamily="49" charset="0"/>
+              </a:rPr>
+              <a:t>        </a:t>
+            </a:r>
+            <a:r>
+              <a:rPr lang="en-US" sz="2400" b="0" dirty="0">
+                <a:solidFill>
+                  <a:srgbClr val="808080"/>
+                </a:solidFill>
+                <a:effectLst/>
+                <a:latin typeface="Consolas" panose="020B0609020204030204" pitchFamily="49" charset="0"/>
+              </a:rPr>
+              <a:t>&lt;/</a:t>
+            </a:r>
+            <a:r>
+              <a:rPr lang="en-US" sz="2400" b="0" dirty="0">
+                <a:solidFill>
+                  <a:srgbClr val="569CD6"/>
+                </a:solidFill>
+                <a:effectLst/>
+                <a:latin typeface="Consolas" panose="020B0609020204030204" pitchFamily="49" charset="0"/>
+              </a:rPr>
+              <a:t>p</a:t>
+            </a:r>
+            <a:r>
+              <a:rPr lang="en-US" sz="2400" b="0" dirty="0">
+                <a:solidFill>
+                  <a:srgbClr val="808080"/>
+                </a:solidFill>
+                <a:effectLst/>
+                <a:latin typeface="Consolas" panose="020B0609020204030204" pitchFamily="49" charset="0"/>
+              </a:rPr>
+              <a:t>&gt;</a:t>
+            </a:r>
+            <a:endParaRPr lang="en-US" sz="2400" b="0" dirty="0">
+              <a:solidFill>
+                <a:srgbClr val="CCCCCC"/>
+              </a:solidFill>
+              <a:effectLst/>
+              <a:latin typeface="Consolas" panose="020B0609020204030204" pitchFamily="49" charset="0"/>
+            </a:endParaRPr>
+          </a:p>
+          <a:p>
+            <a:r>
+              <a:rPr lang="en-US" sz="2400" b="0" dirty="0">
+                <a:solidFill>
+                  <a:srgbClr val="CCCCCC"/>
+                </a:solidFill>
+                <a:effectLst/>
+                <a:latin typeface="Consolas" panose="020B0609020204030204" pitchFamily="49" charset="0"/>
+              </a:rPr>
+              <a:t>    </a:t>
+            </a:r>
+            <a:r>
+              <a:rPr lang="en-US" sz="2400" b="0" dirty="0">
+                <a:solidFill>
+                  <a:srgbClr val="808080"/>
+                </a:solidFill>
+                <a:effectLst/>
+                <a:latin typeface="Consolas" panose="020B0609020204030204" pitchFamily="49" charset="0"/>
+              </a:rPr>
+              <a:t>&lt;/</a:t>
+            </a:r>
+            <a:r>
+              <a:rPr lang="en-US" sz="2400" b="0" dirty="0">
+                <a:solidFill>
+                  <a:srgbClr val="569CD6"/>
+                </a:solidFill>
+                <a:effectLst/>
+                <a:latin typeface="Consolas" panose="020B0609020204030204" pitchFamily="49" charset="0"/>
+              </a:rPr>
+              <a:t>body</a:t>
+            </a:r>
+            <a:r>
+              <a:rPr lang="en-US" sz="2400" b="0" dirty="0">
+                <a:solidFill>
+                  <a:srgbClr val="808080"/>
+                </a:solidFill>
+                <a:effectLst/>
+                <a:latin typeface="Consolas" panose="020B0609020204030204" pitchFamily="49" charset="0"/>
+              </a:rPr>
+              <a:t>&gt;</a:t>
+            </a:r>
+            <a:endParaRPr lang="en-US" sz="2400" b="0" dirty="0">
+              <a:solidFill>
+                <a:srgbClr val="CCCCCC"/>
+              </a:solidFill>
+              <a:effectLst/>
+              <a:latin typeface="Consolas" panose="020B0609020204030204" pitchFamily="49" charset="0"/>
+            </a:endParaRPr>
+          </a:p>
+          <a:p>
+            <a:r>
+              <a:rPr lang="en-US" sz="2400" b="0" dirty="0">
+                <a:solidFill>
+                  <a:srgbClr val="808080"/>
+                </a:solidFill>
+                <a:effectLst/>
+                <a:latin typeface="Consolas" panose="020B0609020204030204" pitchFamily="49" charset="0"/>
+              </a:rPr>
+              <a:t>&lt;/</a:t>
+            </a:r>
+            <a:r>
+              <a:rPr lang="en-US" sz="2400" b="0" dirty="0">
+                <a:solidFill>
+                  <a:srgbClr val="569CD6"/>
+                </a:solidFill>
+                <a:effectLst/>
+                <a:latin typeface="Consolas" panose="020B0609020204030204" pitchFamily="49" charset="0"/>
+              </a:rPr>
+              <a:t>html</a:t>
+            </a:r>
+            <a:r>
+              <a:rPr lang="en-US" sz="2400" b="0" dirty="0">
+                <a:solidFill>
+                  <a:srgbClr val="808080"/>
+                </a:solidFill>
+                <a:effectLst/>
+                <a:latin typeface="Consolas" panose="020B0609020204030204" pitchFamily="49" charset="0"/>
+              </a:rPr>
+              <a:t>&gt;</a:t>
+            </a:r>
+            <a:endParaRPr lang="en-US" sz="2400" b="0" dirty="0">
+              <a:solidFill>
+                <a:srgbClr val="CCCCCC"/>
+              </a:solidFill>
+              <a:effectLst/>
+              <a:latin typeface="Consolas" panose="020B0609020204030204" pitchFamily="49" charset="0"/>
             </a:endParaRPr>
           </a:p>
         </p:txBody>
@@ -6535,7 +11231,7 @@
     </p:spTree>
     <p:extLst>
       <p:ext uri="{BB962C8B-B14F-4D97-AF65-F5344CB8AC3E}">
-        <p14:creationId xmlns:p14="http://schemas.microsoft.com/office/powerpoint/2010/main" val="3238177855"/>
+        <p14:creationId xmlns:p14="http://schemas.microsoft.com/office/powerpoint/2010/main" val="2553412290"/>
       </p:ext>
     </p:extLst>
   </p:cSld>

--- a/Slide/Web Design 2.pptx
+++ b/Slide/Web Design 2.pptx
@@ -24,12 +24,19 @@
     <p:sldId id="276" r:id="rId18"/>
     <p:sldId id="268" r:id="rId19"/>
     <p:sldId id="277" r:id="rId20"/>
-    <p:sldId id="269" r:id="rId21"/>
-    <p:sldId id="278" r:id="rId22"/>
-    <p:sldId id="270" r:id="rId23"/>
-    <p:sldId id="279" r:id="rId24"/>
-    <p:sldId id="271" r:id="rId25"/>
-    <p:sldId id="280" r:id="rId26"/>
+    <p:sldId id="283" r:id="rId21"/>
+    <p:sldId id="284" r:id="rId22"/>
+    <p:sldId id="269" r:id="rId23"/>
+    <p:sldId id="278" r:id="rId24"/>
+    <p:sldId id="285" r:id="rId25"/>
+    <p:sldId id="279" r:id="rId26"/>
+    <p:sldId id="286" r:id="rId27"/>
+    <p:sldId id="280" r:id="rId28"/>
+    <p:sldId id="287" r:id="rId29"/>
+    <p:sldId id="288" r:id="rId30"/>
+    <p:sldId id="289" r:id="rId31"/>
+    <p:sldId id="290" r:id="rId32"/>
+    <p:sldId id="291" r:id="rId33"/>
   </p:sldIdLst>
   <p:sldSz cx="12192000" cy="6858000"/>
   <p:notesSz cx="6858000" cy="9144000"/>
@@ -139,7 +146,7 @@
 <file path=ppt/revisionInfo.xml><?xml version="1.0" encoding="utf-8"?>
 <p1510:revInfo xmlns:a="http://schemas.openxmlformats.org/drawingml/2006/main" xmlns:r="http://schemas.openxmlformats.org/officeDocument/2006/relationships" xmlns:p1510="http://schemas.microsoft.com/office/powerpoint/2015/10/main">
   <p1510:revLst>
-    <p1510:client id="{0F61687B-2F3F-47F8-8EB1-337DF2D05EEF}" v="66" dt="2023-09-26T11:57:55.289"/>
+    <p1510:client id="{0F61687B-2F3F-47F8-8EB1-337DF2D05EEF}" v="81" dt="2023-09-26T16:48:40.701"/>
   </p1510:revLst>
 </p1510:revInfo>
 </file>
@@ -149,7 +156,7 @@
   <pc:docChgLst>
     <pc:chgData name="kheang ly" userId="0b0eb30075b8a81a" providerId="LiveId" clId="{0F61687B-2F3F-47F8-8EB1-337DF2D05EEF}"/>
     <pc:docChg chg="undo custSel addSld delSld modSld sldOrd">
-      <pc:chgData name="kheang ly" userId="0b0eb30075b8a81a" providerId="LiveId" clId="{0F61687B-2F3F-47F8-8EB1-337DF2D05EEF}" dt="2023-09-26T12:00:22.167" v="2643" actId="403"/>
+      <pc:chgData name="kheang ly" userId="0b0eb30075b8a81a" providerId="LiveId" clId="{0F61687B-2F3F-47F8-8EB1-337DF2D05EEF}" dt="2023-09-26T16:49:16.728" v="4312" actId="1076"/>
       <pc:docMkLst>
         <pc:docMk/>
       </pc:docMkLst>
@@ -391,13 +398,13 @@
         </pc:picChg>
       </pc:sldChg>
       <pc:sldChg chg="modSp add mod">
-        <pc:chgData name="kheang ly" userId="0b0eb30075b8a81a" providerId="LiveId" clId="{0F61687B-2F3F-47F8-8EB1-337DF2D05EEF}" dt="2023-09-26T10:49:57.108" v="1474" actId="20577"/>
+        <pc:chgData name="kheang ly" userId="0b0eb30075b8a81a" providerId="LiveId" clId="{0F61687B-2F3F-47F8-8EB1-337DF2D05EEF}" dt="2023-09-26T14:50:23.156" v="2782" actId="1076"/>
         <pc:sldMkLst>
           <pc:docMk/>
           <pc:sldMk cId="85035572" sldId="267"/>
         </pc:sldMkLst>
         <pc:spChg chg="mod">
-          <ac:chgData name="kheang ly" userId="0b0eb30075b8a81a" providerId="LiveId" clId="{0F61687B-2F3F-47F8-8EB1-337DF2D05EEF}" dt="2023-09-26T10:49:57.108" v="1474" actId="20577"/>
+          <ac:chgData name="kheang ly" userId="0b0eb30075b8a81a" providerId="LiveId" clId="{0F61687B-2F3F-47F8-8EB1-337DF2D05EEF}" dt="2023-09-26T14:50:23.156" v="2782" actId="1076"/>
           <ac:spMkLst>
             <pc:docMk/>
             <pc:sldMk cId="85035572" sldId="267"/>
@@ -406,13 +413,13 @@
         </pc:spChg>
       </pc:sldChg>
       <pc:sldChg chg="modSp add mod">
-        <pc:chgData name="kheang ly" userId="0b0eb30075b8a81a" providerId="LiveId" clId="{0F61687B-2F3F-47F8-8EB1-337DF2D05EEF}" dt="2023-09-26T11:11:55.220" v="1486" actId="20577"/>
+        <pc:chgData name="kheang ly" userId="0b0eb30075b8a81a" providerId="LiveId" clId="{0F61687B-2F3F-47F8-8EB1-337DF2D05EEF}" dt="2023-09-26T15:39:37.533" v="3095" actId="404"/>
         <pc:sldMkLst>
           <pc:docMk/>
           <pc:sldMk cId="2317476096" sldId="268"/>
         </pc:sldMkLst>
         <pc:spChg chg="mod">
-          <ac:chgData name="kheang ly" userId="0b0eb30075b8a81a" providerId="LiveId" clId="{0F61687B-2F3F-47F8-8EB1-337DF2D05EEF}" dt="2023-09-26T11:11:55.220" v="1486" actId="20577"/>
+          <ac:chgData name="kheang ly" userId="0b0eb30075b8a81a" providerId="LiveId" clId="{0F61687B-2F3F-47F8-8EB1-337DF2D05EEF}" dt="2023-09-26T15:39:37.533" v="3095" actId="404"/>
           <ac:spMkLst>
             <pc:docMk/>
             <pc:sldMk cId="2317476096" sldId="268"/>
@@ -421,13 +428,13 @@
         </pc:spChg>
       </pc:sldChg>
       <pc:sldChg chg="modSp add mod">
-        <pc:chgData name="kheang ly" userId="0b0eb30075b8a81a" providerId="LiveId" clId="{0F61687B-2F3F-47F8-8EB1-337DF2D05EEF}" dt="2023-09-26T11:13:01.462" v="1515" actId="20577"/>
+        <pc:chgData name="kheang ly" userId="0b0eb30075b8a81a" providerId="LiveId" clId="{0F61687B-2F3F-47F8-8EB1-337DF2D05EEF}" dt="2023-09-26T15:50:35.568" v="3282" actId="20577"/>
         <pc:sldMkLst>
           <pc:docMk/>
           <pc:sldMk cId="3649901522" sldId="269"/>
         </pc:sldMkLst>
         <pc:spChg chg="mod">
-          <ac:chgData name="kheang ly" userId="0b0eb30075b8a81a" providerId="LiveId" clId="{0F61687B-2F3F-47F8-8EB1-337DF2D05EEF}" dt="2023-09-26T11:13:01.462" v="1515" actId="20577"/>
+          <ac:chgData name="kheang ly" userId="0b0eb30075b8a81a" providerId="LiveId" clId="{0F61687B-2F3F-47F8-8EB1-337DF2D05EEF}" dt="2023-09-26T15:50:35.568" v="3282" actId="20577"/>
           <ac:spMkLst>
             <pc:docMk/>
             <pc:sldMk cId="3649901522" sldId="269"/>
@@ -435,8 +442,8 @@
           </ac:spMkLst>
         </pc:spChg>
       </pc:sldChg>
-      <pc:sldChg chg="modSp add mod">
-        <pc:chgData name="kheang ly" userId="0b0eb30075b8a81a" providerId="LiveId" clId="{0F61687B-2F3F-47F8-8EB1-337DF2D05EEF}" dt="2023-09-26T11:13:31.467" v="1535" actId="20577"/>
+      <pc:sldChg chg="modSp add del mod">
+        <pc:chgData name="kheang ly" userId="0b0eb30075b8a81a" providerId="LiveId" clId="{0F61687B-2F3F-47F8-8EB1-337DF2D05EEF}" dt="2023-09-26T16:12:16.692" v="3283" actId="47"/>
         <pc:sldMkLst>
           <pc:docMk/>
           <pc:sldMk cId="4004303302" sldId="270"/>
@@ -450,8 +457,8 @@
           </ac:spMkLst>
         </pc:spChg>
       </pc:sldChg>
-      <pc:sldChg chg="modSp add mod">
-        <pc:chgData name="kheang ly" userId="0b0eb30075b8a81a" providerId="LiveId" clId="{0F61687B-2F3F-47F8-8EB1-337DF2D05EEF}" dt="2023-09-26T11:13:58.343" v="1546" actId="20577"/>
+      <pc:sldChg chg="modSp add del mod">
+        <pc:chgData name="kheang ly" userId="0b0eb30075b8a81a" providerId="LiveId" clId="{0F61687B-2F3F-47F8-8EB1-337DF2D05EEF}" dt="2023-09-26T16:13:25.377" v="3322" actId="47"/>
         <pc:sldMkLst>
           <pc:docMk/>
           <pc:sldMk cId="3282565304" sldId="271"/>
@@ -572,6 +579,180 @@
           <pc:docMk/>
           <pc:sldMk cId="1950471989" sldId="282"/>
         </pc:sldMkLst>
+      </pc:sldChg>
+      <pc:sldChg chg="modSp add mod">
+        <pc:chgData name="kheang ly" userId="0b0eb30075b8a81a" providerId="LiveId" clId="{0F61687B-2F3F-47F8-8EB1-337DF2D05EEF}" dt="2023-09-26T15:49:42.021" v="3280" actId="1076"/>
+        <pc:sldMkLst>
+          <pc:docMk/>
+          <pc:sldMk cId="1189373135" sldId="283"/>
+        </pc:sldMkLst>
+        <pc:spChg chg="mod">
+          <ac:chgData name="kheang ly" userId="0b0eb30075b8a81a" providerId="LiveId" clId="{0F61687B-2F3F-47F8-8EB1-337DF2D05EEF}" dt="2023-09-26T15:49:42.021" v="3280" actId="1076"/>
+          <ac:spMkLst>
+            <pc:docMk/>
+            <pc:sldMk cId="1189373135" sldId="283"/>
+            <ac:spMk id="2" creationId="{5366957A-F718-3CBF-05E0-59417ACEB6A8}"/>
+          </ac:spMkLst>
+        </pc:spChg>
+      </pc:sldChg>
+      <pc:sldChg chg="add">
+        <pc:chgData name="kheang ly" userId="0b0eb30075b8a81a" providerId="LiveId" clId="{0F61687B-2F3F-47F8-8EB1-337DF2D05EEF}" dt="2023-09-26T15:49:44.890" v="3281"/>
+        <pc:sldMkLst>
+          <pc:docMk/>
+          <pc:sldMk cId="1113286957" sldId="284"/>
+        </pc:sldMkLst>
+      </pc:sldChg>
+      <pc:sldChg chg="modSp add mod">
+        <pc:chgData name="kheang ly" userId="0b0eb30075b8a81a" providerId="LiveId" clId="{0F61687B-2F3F-47F8-8EB1-337DF2D05EEF}" dt="2023-09-26T16:13:16.901" v="3321" actId="20577"/>
+        <pc:sldMkLst>
+          <pc:docMk/>
+          <pc:sldMk cId="3829970568" sldId="285"/>
+        </pc:sldMkLst>
+        <pc:spChg chg="mod">
+          <ac:chgData name="kheang ly" userId="0b0eb30075b8a81a" providerId="LiveId" clId="{0F61687B-2F3F-47F8-8EB1-337DF2D05EEF}" dt="2023-09-26T16:13:16.901" v="3321" actId="20577"/>
+          <ac:spMkLst>
+            <pc:docMk/>
+            <pc:sldMk cId="3829970568" sldId="285"/>
+            <ac:spMk id="2" creationId="{5366957A-F718-3CBF-05E0-59417ACEB6A8}"/>
+          </ac:spMkLst>
+        </pc:spChg>
+      </pc:sldChg>
+      <pc:sldChg chg="modSp add mod">
+        <pc:chgData name="kheang ly" userId="0b0eb30075b8a81a" providerId="LiveId" clId="{0F61687B-2F3F-47F8-8EB1-337DF2D05EEF}" dt="2023-09-26T16:14:55.168" v="3369" actId="5793"/>
+        <pc:sldMkLst>
+          <pc:docMk/>
+          <pc:sldMk cId="2978452678" sldId="286"/>
+        </pc:sldMkLst>
+        <pc:spChg chg="mod">
+          <ac:chgData name="kheang ly" userId="0b0eb30075b8a81a" providerId="LiveId" clId="{0F61687B-2F3F-47F8-8EB1-337DF2D05EEF}" dt="2023-09-26T16:14:55.168" v="3369" actId="5793"/>
+          <ac:spMkLst>
+            <pc:docMk/>
+            <pc:sldMk cId="2978452678" sldId="286"/>
+            <ac:spMk id="2" creationId="{5366957A-F718-3CBF-05E0-59417ACEB6A8}"/>
+          </ac:spMkLst>
+        </pc:spChg>
+      </pc:sldChg>
+      <pc:sldChg chg="modSp add mod">
+        <pc:chgData name="kheang ly" userId="0b0eb30075b8a81a" providerId="LiveId" clId="{0F61687B-2F3F-47F8-8EB1-337DF2D05EEF}" dt="2023-09-26T16:34:20.642" v="3402" actId="20577"/>
+        <pc:sldMkLst>
+          <pc:docMk/>
+          <pc:sldMk cId="3658540392" sldId="287"/>
+        </pc:sldMkLst>
+        <pc:spChg chg="mod">
+          <ac:chgData name="kheang ly" userId="0b0eb30075b8a81a" providerId="LiveId" clId="{0F61687B-2F3F-47F8-8EB1-337DF2D05EEF}" dt="2023-09-26T16:34:20.642" v="3402" actId="20577"/>
+          <ac:spMkLst>
+            <pc:docMk/>
+            <pc:sldMk cId="3658540392" sldId="287"/>
+            <ac:spMk id="2" creationId="{5366957A-F718-3CBF-05E0-59417ACEB6A8}"/>
+          </ac:spMkLst>
+        </pc:spChg>
+      </pc:sldChg>
+      <pc:sldChg chg="addSp delSp modSp add mod">
+        <pc:chgData name="kheang ly" userId="0b0eb30075b8a81a" providerId="LiveId" clId="{0F61687B-2F3F-47F8-8EB1-337DF2D05EEF}" dt="2023-09-26T16:38:50.999" v="3611" actId="14100"/>
+        <pc:sldMkLst>
+          <pc:docMk/>
+          <pc:sldMk cId="1573000916" sldId="288"/>
+        </pc:sldMkLst>
+        <pc:spChg chg="mod">
+          <ac:chgData name="kheang ly" userId="0b0eb30075b8a81a" providerId="LiveId" clId="{0F61687B-2F3F-47F8-8EB1-337DF2D05EEF}" dt="2023-09-26T16:37:18.621" v="3590" actId="20577"/>
+          <ac:spMkLst>
+            <pc:docMk/>
+            <pc:sldMk cId="1573000916" sldId="288"/>
+            <ac:spMk id="2" creationId="{5366957A-F718-3CBF-05E0-59417ACEB6A8}"/>
+          </ac:spMkLst>
+        </pc:spChg>
+        <pc:spChg chg="add mod">
+          <ac:chgData name="kheang ly" userId="0b0eb30075b8a81a" providerId="LiveId" clId="{0F61687B-2F3F-47F8-8EB1-337DF2D05EEF}" dt="2023-09-26T16:38:50.999" v="3611" actId="14100"/>
+          <ac:spMkLst>
+            <pc:docMk/>
+            <pc:sldMk cId="1573000916" sldId="288"/>
+            <ac:spMk id="3" creationId="{D3703452-55C6-BCCE-67D3-D23003ECAFC6}"/>
+          </ac:spMkLst>
+        </pc:spChg>
+        <pc:picChg chg="add del mod">
+          <ac:chgData name="kheang ly" userId="0b0eb30075b8a81a" providerId="LiveId" clId="{0F61687B-2F3F-47F8-8EB1-337DF2D05EEF}" dt="2023-09-26T16:34:36.705" v="3406" actId="1076"/>
+          <ac:picMkLst>
+            <pc:docMk/>
+            <pc:sldMk cId="1573000916" sldId="288"/>
+            <ac:picMk id="7" creationId="{26F87EE6-249B-FFEB-B903-3F54D0D4EA22}"/>
+          </ac:picMkLst>
+        </pc:picChg>
+      </pc:sldChg>
+      <pc:sldChg chg="add del">
+        <pc:chgData name="kheang ly" userId="0b0eb30075b8a81a" providerId="LiveId" clId="{0F61687B-2F3F-47F8-8EB1-337DF2D05EEF}" dt="2023-09-26T16:38:56.047" v="3612" actId="47"/>
+        <pc:sldMkLst>
+          <pc:docMk/>
+          <pc:sldMk cId="944642449" sldId="289"/>
+        </pc:sldMkLst>
+      </pc:sldChg>
+      <pc:sldChg chg="delSp modSp add mod">
+        <pc:chgData name="kheang ly" userId="0b0eb30075b8a81a" providerId="LiveId" clId="{0F61687B-2F3F-47F8-8EB1-337DF2D05EEF}" dt="2023-09-26T16:47:32.526" v="4239" actId="20577"/>
+        <pc:sldMkLst>
+          <pc:docMk/>
+          <pc:sldMk cId="1224539229" sldId="289"/>
+        </pc:sldMkLst>
+        <pc:spChg chg="mod">
+          <ac:chgData name="kheang ly" userId="0b0eb30075b8a81a" providerId="LiveId" clId="{0F61687B-2F3F-47F8-8EB1-337DF2D05EEF}" dt="2023-09-26T16:47:32.526" v="4239" actId="20577"/>
+          <ac:spMkLst>
+            <pc:docMk/>
+            <pc:sldMk cId="1224539229" sldId="289"/>
+            <ac:spMk id="2" creationId="{5366957A-F718-3CBF-05E0-59417ACEB6A8}"/>
+          </ac:spMkLst>
+        </pc:spChg>
+        <pc:spChg chg="mod">
+          <ac:chgData name="kheang ly" userId="0b0eb30075b8a81a" providerId="LiveId" clId="{0F61687B-2F3F-47F8-8EB1-337DF2D05EEF}" dt="2023-09-26T16:39:17.842" v="3617" actId="20577"/>
+          <ac:spMkLst>
+            <pc:docMk/>
+            <pc:sldMk cId="1224539229" sldId="289"/>
+            <ac:spMk id="3" creationId="{D3703452-55C6-BCCE-67D3-D23003ECAFC6}"/>
+          </ac:spMkLst>
+        </pc:spChg>
+        <pc:picChg chg="del">
+          <ac:chgData name="kheang ly" userId="0b0eb30075b8a81a" providerId="LiveId" clId="{0F61687B-2F3F-47F8-8EB1-337DF2D05EEF}" dt="2023-09-26T16:39:04.676" v="3614" actId="478"/>
+          <ac:picMkLst>
+            <pc:docMk/>
+            <pc:sldMk cId="1224539229" sldId="289"/>
+            <ac:picMk id="7" creationId="{26F87EE6-249B-FFEB-B903-3F54D0D4EA22}"/>
+          </ac:picMkLst>
+        </pc:picChg>
+      </pc:sldChg>
+      <pc:sldChg chg="delSp modSp add mod">
+        <pc:chgData name="kheang ly" userId="0b0eb30075b8a81a" providerId="LiveId" clId="{0F61687B-2F3F-47F8-8EB1-337DF2D05EEF}" dt="2023-09-26T16:48:21.349" v="4275" actId="1076"/>
+        <pc:sldMkLst>
+          <pc:docMk/>
+          <pc:sldMk cId="1898887618" sldId="290"/>
+        </pc:sldMkLst>
+        <pc:spChg chg="del">
+          <ac:chgData name="kheang ly" userId="0b0eb30075b8a81a" providerId="LiveId" clId="{0F61687B-2F3F-47F8-8EB1-337DF2D05EEF}" dt="2023-09-26T16:47:50.245" v="4241" actId="478"/>
+          <ac:spMkLst>
+            <pc:docMk/>
+            <pc:sldMk cId="1898887618" sldId="290"/>
+            <ac:spMk id="2" creationId="{5366957A-F718-3CBF-05E0-59417ACEB6A8}"/>
+          </ac:spMkLst>
+        </pc:spChg>
+        <pc:spChg chg="mod">
+          <ac:chgData name="kheang ly" userId="0b0eb30075b8a81a" providerId="LiveId" clId="{0F61687B-2F3F-47F8-8EB1-337DF2D05EEF}" dt="2023-09-26T16:48:21.349" v="4275" actId="1076"/>
+          <ac:spMkLst>
+            <pc:docMk/>
+            <pc:sldMk cId="1898887618" sldId="290"/>
+            <ac:spMk id="3" creationId="{D3703452-55C6-BCCE-67D3-D23003ECAFC6}"/>
+          </ac:spMkLst>
+        </pc:spChg>
+      </pc:sldChg>
+      <pc:sldChg chg="modSp add mod">
+        <pc:chgData name="kheang ly" userId="0b0eb30075b8a81a" providerId="LiveId" clId="{0F61687B-2F3F-47F8-8EB1-337DF2D05EEF}" dt="2023-09-26T16:49:16.728" v="4312" actId="1076"/>
+        <pc:sldMkLst>
+          <pc:docMk/>
+          <pc:sldMk cId="2949544485" sldId="291"/>
+        </pc:sldMkLst>
+        <pc:spChg chg="mod">
+          <ac:chgData name="kheang ly" userId="0b0eb30075b8a81a" providerId="LiveId" clId="{0F61687B-2F3F-47F8-8EB1-337DF2D05EEF}" dt="2023-09-26T16:49:16.728" v="4312" actId="1076"/>
+          <ac:spMkLst>
+            <pc:docMk/>
+            <pc:sldMk cId="2949544485" sldId="291"/>
+            <ac:spMk id="3" creationId="{D3703452-55C6-BCCE-67D3-D23003ECAFC6}"/>
+          </ac:spMkLst>
+        </pc:spChg>
       </pc:sldChg>
     </pc:docChg>
   </pc:docChgLst>
@@ -6501,8 +6682,8 @@
         </p:nvSpPr>
         <p:spPr>
           <a:xfrm>
-            <a:off x="3957799" y="1769769"/>
-            <a:ext cx="7892079" cy="1508105"/>
+            <a:off x="4041646" y="1165006"/>
+            <a:ext cx="7892079" cy="4216539"/>
           </a:xfrm>
           <a:prstGeom prst="rect">
             <a:avLst/>
@@ -6531,14 +6712,14 @@
               <a:t>អ្វីជា</a:t>
             </a:r>
             <a:r>
-              <a:rPr lang="en-US" sz="4400" b="1">
+              <a:rPr lang="en-US" sz="4400" b="1" dirty="0">
                 <a:latin typeface="Khmer OS Siemreap" panose="02000500000000020004" pitchFamily="2" charset="0"/>
                 <a:cs typeface="Khmer OS Siemreap" panose="02000500000000020004" pitchFamily="2" charset="0"/>
               </a:rPr>
               <a:t> Comments</a:t>
             </a:r>
             <a:r>
-              <a:rPr lang="km-KH" sz="4400" b="1">
+              <a:rPr lang="km-KH" sz="4400" b="1" dirty="0">
                 <a:latin typeface="Khmer OS Siemreap" panose="02000500000000020004" pitchFamily="2" charset="0"/>
                 <a:cs typeface="Khmer OS Siemreap" panose="02000500000000020004" pitchFamily="2" charset="0"/>
               </a:rPr>
@@ -6551,6 +6732,62 @@
               </a:rPr>
               <a:t> HTML?</a:t>
             </a:r>
+          </a:p>
+          <a:p>
+            <a:pPr algn="ctr"/>
+            <a:endParaRPr lang="km-KH" sz="4400" b="1" dirty="0">
+              <a:latin typeface="Khmer OS Siemreap" panose="02000500000000020004" pitchFamily="2" charset="0"/>
+              <a:cs typeface="Khmer OS Siemreap" panose="02000500000000020004" pitchFamily="2" charset="0"/>
+            </a:endParaRPr>
+          </a:p>
+          <a:p>
+            <a:pPr algn="ctr"/>
+            <a:r>
+              <a:rPr lang="en-US" sz="4400" b="1" dirty="0">
+                <a:latin typeface="Khmer OS Siemreap" panose="02000500000000020004" pitchFamily="2" charset="0"/>
+                <a:cs typeface="Khmer OS Siemreap" panose="02000500000000020004" pitchFamily="2" charset="0"/>
+              </a:rPr>
+              <a:t>Comment </a:t>
+            </a:r>
+            <a:r>
+              <a:rPr lang="km-KH" sz="4400" b="1" dirty="0">
+                <a:latin typeface="Khmer OS Siemreap" panose="02000500000000020004" pitchFamily="2" charset="0"/>
+                <a:cs typeface="Khmer OS Siemreap" panose="02000500000000020004" pitchFamily="2" charset="0"/>
+              </a:rPr>
+              <a:t>គឺជា​ ឃ្លាសម្រាប់ធ្វើការកត់ចំណាំនូវ កូដ</a:t>
+            </a:r>
+            <a:r>
+              <a:rPr lang="en-US" sz="4400" b="1" dirty="0">
+                <a:latin typeface="Khmer OS Siemreap" panose="02000500000000020004" pitchFamily="2" charset="0"/>
+                <a:cs typeface="Khmer OS Siemreap" panose="02000500000000020004" pitchFamily="2" charset="0"/>
+              </a:rPr>
+              <a:t> </a:t>
+            </a:r>
+            <a:r>
+              <a:rPr lang="km-KH" sz="4400" b="1" dirty="0">
+                <a:latin typeface="Khmer OS Siemreap" panose="02000500000000020004" pitchFamily="2" charset="0"/>
+                <a:cs typeface="Khmer OS Siemreap" panose="02000500000000020004" pitchFamily="2" charset="0"/>
+              </a:rPr>
+              <a:t>នៃ </a:t>
+            </a:r>
+            <a:r>
+              <a:rPr lang="en-US" sz="4400" b="1" dirty="0">
+                <a:latin typeface="Khmer OS Siemreap" panose="02000500000000020004" pitchFamily="2" charset="0"/>
+                <a:cs typeface="Khmer OS Siemreap" panose="02000500000000020004" pitchFamily="2" charset="0"/>
+              </a:rPr>
+              <a:t>HTML </a:t>
+            </a:r>
+            <a:r>
+              <a:rPr lang="km-KH" sz="4400" b="1" dirty="0">
+                <a:latin typeface="Khmer OS Siemreap" panose="02000500000000020004" pitchFamily="2" charset="0"/>
+                <a:cs typeface="Khmer OS Siemreap" panose="02000500000000020004" pitchFamily="2" charset="0"/>
+              </a:rPr>
+              <a:t>ដោយមិនប៉ះពាល់ដល់លទ្ធិផលនៃ កូដ។</a:t>
+            </a:r>
+            <a:endParaRPr lang="en-US" sz="4400" b="1" dirty="0">
+              <a:latin typeface="Khmer OS Siemreap" panose="02000500000000020004" pitchFamily="2" charset="0"/>
+              <a:cs typeface="Khmer OS Siemreap" panose="02000500000000020004" pitchFamily="2" charset="0"/>
+            </a:endParaRPr>
           </a:p>
           <a:p>
             <a:pPr algn="ctr"/>
@@ -6768,8 +7005,8 @@
         </p:nvSpPr>
         <p:spPr>
           <a:xfrm>
-            <a:off x="3957799" y="1769769"/>
-            <a:ext cx="7892079" cy="1508105"/>
+            <a:off x="4041646" y="493310"/>
+            <a:ext cx="7892079" cy="5816977"/>
           </a:xfrm>
           <a:prstGeom prst="rect">
             <a:avLst/>
@@ -6791,33 +7028,132 @@
               <a:t>តើ</a:t>
             </a:r>
             <a:r>
+              <a:rPr lang="en-US" sz="4400" b="1" dirty="0">
+                <a:latin typeface="Khmer OS Siemreap" panose="02000500000000020004" pitchFamily="2" charset="0"/>
+                <a:cs typeface="Khmer OS Siemreap" panose="02000500000000020004" pitchFamily="2" charset="0"/>
+              </a:rPr>
+              <a:t> Style HTML </a:t>
+            </a:r>
+            <a:r>
               <a:rPr lang="km-KH" sz="4400" b="1" dirty="0">
                 <a:latin typeface="Khmer OS Siemreap" panose="02000500000000020004" pitchFamily="2" charset="0"/>
                 <a:cs typeface="Khmer OS Siemreap" panose="02000500000000020004" pitchFamily="2" charset="0"/>
               </a:rPr>
-              <a:t>អ្វីជា</a:t>
+              <a:t>អាចប្រើប្រាស់ បានដោយរបៀបណា</a:t>
             </a:r>
             <a:r>
               <a:rPr lang="en-US" sz="4400" b="1" dirty="0">
                 <a:latin typeface="Khmer OS Siemreap" panose="02000500000000020004" pitchFamily="2" charset="0"/>
                 <a:cs typeface="Khmer OS Siemreap" panose="02000500000000020004" pitchFamily="2" charset="0"/>
               </a:rPr>
-              <a:t> Color</a:t>
-            </a:r>
-            <a:r>
-              <a:rPr lang="km-KH" sz="4400" b="1" dirty="0">
-                <a:latin typeface="Khmer OS Siemreap" panose="02000500000000020004" pitchFamily="2" charset="0"/>
-                <a:cs typeface="Khmer OS Siemreap" panose="02000500000000020004" pitchFamily="2" charset="0"/>
-              </a:rPr>
-              <a:t> ក្នុង</a:t>
-            </a:r>
-            <a:r>
-              <a:rPr lang="en-US" sz="4400" b="1" dirty="0">
-                <a:latin typeface="Khmer OS Siemreap" panose="02000500000000020004" pitchFamily="2" charset="0"/>
-                <a:cs typeface="Khmer OS Siemreap" panose="02000500000000020004" pitchFamily="2" charset="0"/>
-              </a:rPr>
-              <a:t> HTML?</a:t>
-            </a:r>
+              <a:t>?</a:t>
+            </a:r>
+            <a:endParaRPr lang="km-KH" sz="4400" b="1" dirty="0">
+              <a:latin typeface="Khmer OS Siemreap" panose="02000500000000020004" pitchFamily="2" charset="0"/>
+              <a:cs typeface="Khmer OS Siemreap" panose="02000500000000020004" pitchFamily="2" charset="0"/>
+            </a:endParaRPr>
+          </a:p>
+          <a:p>
+            <a:pPr algn="ctr"/>
+            <a:endParaRPr lang="km-KH" sz="4400" b="1" dirty="0">
+              <a:latin typeface="Khmer OS Siemreap" panose="02000500000000020004" pitchFamily="2" charset="0"/>
+              <a:cs typeface="Khmer OS Siemreap" panose="02000500000000020004" pitchFamily="2" charset="0"/>
+            </a:endParaRPr>
+          </a:p>
+          <a:p>
+            <a:pPr algn="ctr">
+              <a:lnSpc>
+                <a:spcPct val="150000"/>
+              </a:lnSpc>
+            </a:pPr>
+            <a:r>
+              <a:rPr lang="en-US" sz="3200" b="1" dirty="0">
+                <a:latin typeface="Khmer OS Siemreap" panose="02000500000000020004" pitchFamily="2" charset="0"/>
+                <a:cs typeface="Khmer OS Siemreap" panose="02000500000000020004" pitchFamily="2" charset="0"/>
+              </a:rPr>
+              <a:t>Style </a:t>
+            </a:r>
+            <a:r>
+              <a:rPr lang="km-KH" sz="3200" b="1" dirty="0">
+                <a:latin typeface="Khmer OS Siemreap" panose="02000500000000020004" pitchFamily="2" charset="0"/>
+                <a:cs typeface="Khmer OS Siemreap" panose="02000500000000020004" pitchFamily="2" charset="0"/>
+              </a:rPr>
+              <a:t>ក្នុង </a:t>
+            </a:r>
+            <a:r>
+              <a:rPr lang="en-US" sz="3200" b="1" dirty="0">
+                <a:latin typeface="Khmer OS Siemreap" panose="02000500000000020004" pitchFamily="2" charset="0"/>
+                <a:cs typeface="Khmer OS Siemreap" panose="02000500000000020004" pitchFamily="2" charset="0"/>
+              </a:rPr>
+              <a:t>HTML </a:t>
+            </a:r>
+            <a:r>
+              <a:rPr lang="km-KH" sz="3200" b="1" dirty="0">
+                <a:latin typeface="Khmer OS Siemreap" panose="02000500000000020004" pitchFamily="2" charset="0"/>
+                <a:cs typeface="Khmer OS Siemreap" panose="02000500000000020004" pitchFamily="2" charset="0"/>
+              </a:rPr>
+              <a:t>អាចប្រើប្រាស់បានដោយវិធីសាស្រ្ត សសេរ</a:t>
+            </a:r>
+            <a:r>
+              <a:rPr lang="en-US" sz="3200" b="1" dirty="0">
+                <a:latin typeface="Khmer OS Siemreap" panose="02000500000000020004" pitchFamily="2" charset="0"/>
+                <a:cs typeface="Khmer OS Siemreap" panose="02000500000000020004" pitchFamily="2" charset="0"/>
+              </a:rPr>
+              <a:t> CSS </a:t>
+            </a:r>
+            <a:r>
+              <a:rPr lang="km-KH" sz="3200" b="1" dirty="0">
+                <a:latin typeface="Khmer OS Siemreap" panose="02000500000000020004" pitchFamily="2" charset="0"/>
+                <a:cs typeface="Khmer OS Siemreap" panose="02000500000000020004" pitchFamily="2" charset="0"/>
+              </a:rPr>
+              <a:t>ក្នុង </a:t>
+            </a:r>
+            <a:r>
+              <a:rPr lang="en-US" sz="3200" b="1" dirty="0">
+                <a:latin typeface="Khmer OS Siemreap" panose="02000500000000020004" pitchFamily="2" charset="0"/>
+                <a:cs typeface="Khmer OS Siemreap" panose="02000500000000020004" pitchFamily="2" charset="0"/>
+              </a:rPr>
+              <a:t>Attribute Style </a:t>
+            </a:r>
+            <a:r>
+              <a:rPr lang="km-KH" sz="3200" b="1" dirty="0">
+                <a:latin typeface="Khmer OS Siemreap" panose="02000500000000020004" pitchFamily="2" charset="0"/>
+                <a:cs typeface="Khmer OS Siemreap" panose="02000500000000020004" pitchFamily="2" charset="0"/>
+              </a:rPr>
+              <a:t>នៅក្នុង </a:t>
+            </a:r>
+            <a:r>
+              <a:rPr lang="en-US" sz="3200" b="1" dirty="0">
+                <a:latin typeface="Khmer OS Siemreap" panose="02000500000000020004" pitchFamily="2" charset="0"/>
+                <a:cs typeface="Khmer OS Siemreap" panose="02000500000000020004" pitchFamily="2" charset="0"/>
+              </a:rPr>
+              <a:t>element </a:t>
+            </a:r>
+            <a:r>
+              <a:rPr lang="km-KH" sz="3200" b="1" dirty="0">
+                <a:latin typeface="Khmer OS Siemreap" panose="02000500000000020004" pitchFamily="2" charset="0"/>
+                <a:cs typeface="Khmer OS Siemreap" panose="02000500000000020004" pitchFamily="2" charset="0"/>
+              </a:rPr>
+              <a:t>ឬតាមរយៈការហៅចេញពី </a:t>
+            </a:r>
+            <a:r>
+              <a:rPr lang="en-US" sz="3200" b="1" dirty="0">
+                <a:latin typeface="Khmer OS Siemreap" panose="02000500000000020004" pitchFamily="2" charset="0"/>
+                <a:cs typeface="Khmer OS Siemreap" panose="02000500000000020004" pitchFamily="2" charset="0"/>
+              </a:rPr>
+              <a:t>Script Library </a:t>
+            </a:r>
+            <a:r>
+              <a:rPr lang="km-KH" sz="3200" b="1" dirty="0">
+                <a:latin typeface="Khmer OS Siemreap" panose="02000500000000020004" pitchFamily="2" charset="0"/>
+                <a:cs typeface="Khmer OS Siemreap" panose="02000500000000020004" pitchFamily="2" charset="0"/>
+              </a:rPr>
+              <a:t>ណាមួយ។</a:t>
+            </a:r>
+            <a:endParaRPr lang="en-US" sz="3200" b="1" dirty="0">
+              <a:latin typeface="Khmer OS Siemreap" panose="02000500000000020004" pitchFamily="2" charset="0"/>
+              <a:cs typeface="Khmer OS Siemreap" panose="02000500000000020004" pitchFamily="2" charset="0"/>
+            </a:endParaRPr>
           </a:p>
           <a:p>
             <a:pPr algn="ctr"/>
@@ -7158,8 +7494,8 @@
         </p:nvSpPr>
         <p:spPr>
           <a:xfrm>
-            <a:off x="3957799" y="1769769"/>
-            <a:ext cx="7892079" cy="1508105"/>
+            <a:off x="4041646" y="871691"/>
+            <a:ext cx="7892079" cy="4216539"/>
           </a:xfrm>
           <a:prstGeom prst="rect">
             <a:avLst/>
@@ -7185,28 +7521,42 @@
                 <a:latin typeface="Khmer OS Siemreap" panose="02000500000000020004" pitchFamily="2" charset="0"/>
                 <a:cs typeface="Khmer OS Siemreap" panose="02000500000000020004" pitchFamily="2" charset="0"/>
               </a:rPr>
-              <a:t>អ្វីជា</a:t>
+              <a:t>ការដាក់ </a:t>
             </a:r>
             <a:r>
               <a:rPr lang="en-US" sz="4400" b="1" dirty="0">
                 <a:latin typeface="Khmer OS Siemreap" panose="02000500000000020004" pitchFamily="2" charset="0"/>
                 <a:cs typeface="Khmer OS Siemreap" panose="02000500000000020004" pitchFamily="2" charset="0"/>
               </a:rPr>
-              <a:t> Images</a:t>
+              <a:t>Links </a:t>
             </a:r>
             <a:r>
               <a:rPr lang="km-KH" sz="4400" b="1" dirty="0">
                 <a:latin typeface="Khmer OS Siemreap" panose="02000500000000020004" pitchFamily="2" charset="0"/>
                 <a:cs typeface="Khmer OS Siemreap" panose="02000500000000020004" pitchFamily="2" charset="0"/>
               </a:rPr>
-              <a:t> ក្នុង</a:t>
+              <a:t>ក្នុង</a:t>
             </a:r>
             <a:r>
               <a:rPr lang="en-US" sz="4400" b="1" dirty="0">
                 <a:latin typeface="Khmer OS Siemreap" panose="02000500000000020004" pitchFamily="2" charset="0"/>
                 <a:cs typeface="Khmer OS Siemreap" panose="02000500000000020004" pitchFamily="2" charset="0"/>
               </a:rPr>
-              <a:t> HTML?</a:t>
+              <a:t> HTML</a:t>
+            </a:r>
+            <a:r>
+              <a:rPr lang="km-KH" sz="4400" b="1" dirty="0">
+                <a:latin typeface="Khmer OS Siemreap" panose="02000500000000020004" pitchFamily="2" charset="0"/>
+                <a:cs typeface="Khmer OS Siemreap" panose="02000500000000020004" pitchFamily="2" charset="0"/>
+              </a:rPr>
+              <a:t> ត្រូវធ្វើដោយ​របៀបណា</a:t>
+            </a:r>
+            <a:r>
+              <a:rPr lang="en-US" sz="4400" b="1" dirty="0">
+                <a:latin typeface="Khmer OS Siemreap" panose="02000500000000020004" pitchFamily="2" charset="0"/>
+                <a:cs typeface="Khmer OS Siemreap" panose="02000500000000020004" pitchFamily="2" charset="0"/>
+              </a:rPr>
+              <a:t>?</a:t>
             </a:r>
           </a:p>
           <a:p>
@@ -7216,12 +7566,64 @@
               <a:cs typeface="Khmer OS Siemreap" panose="02000500000000020004" pitchFamily="2" charset="0"/>
             </a:endParaRPr>
           </a:p>
+          <a:p>
+            <a:pPr algn="ctr"/>
+            <a:r>
+              <a:rPr lang="km-KH" sz="4400" b="1" dirty="0">
+                <a:latin typeface="Khmer OS Siemreap" panose="02000500000000020004" pitchFamily="2" charset="0"/>
+                <a:cs typeface="Khmer OS Siemreap" panose="02000500000000020004" pitchFamily="2" charset="0"/>
+              </a:rPr>
+              <a:t>យើងអាចធ្វើការដាក់ </a:t>
+            </a:r>
+            <a:r>
+              <a:rPr lang="en-US" sz="4400" b="1" dirty="0">
+                <a:latin typeface="Khmer OS Siemreap" panose="02000500000000020004" pitchFamily="2" charset="0"/>
+                <a:cs typeface="Khmer OS Siemreap" panose="02000500000000020004" pitchFamily="2" charset="0"/>
+              </a:rPr>
+              <a:t>Links</a:t>
+            </a:r>
+            <a:r>
+              <a:rPr lang="km-KH" sz="4400" b="1" dirty="0">
+                <a:latin typeface="Khmer OS Siemreap" panose="02000500000000020004" pitchFamily="2" charset="0"/>
+                <a:cs typeface="Khmer OS Siemreap" panose="02000500000000020004" pitchFamily="2" charset="0"/>
+              </a:rPr>
+              <a:t> បានតាមរយៈការ​ប្រើប្រាសនូវ </a:t>
+            </a:r>
+          </a:p>
+          <a:p>
+            <a:pPr algn="ctr"/>
+            <a:r>
+              <a:rPr lang="en-US" sz="4400" b="1" dirty="0">
+                <a:latin typeface="Khmer OS Siemreap" panose="02000500000000020004" pitchFamily="2" charset="0"/>
+                <a:cs typeface="Khmer OS Siemreap" panose="02000500000000020004" pitchFamily="2" charset="0"/>
+              </a:rPr>
+              <a:t>&lt;a&gt;</a:t>
+            </a:r>
+            <a:r>
+              <a:rPr lang="km-KH" sz="4400" b="1" dirty="0">
+                <a:latin typeface="Khmer OS Siemreap" panose="02000500000000020004" pitchFamily="2" charset="0"/>
+                <a:cs typeface="Khmer OS Siemreap" panose="02000500000000020004" pitchFamily="2" charset="0"/>
+              </a:rPr>
+              <a:t>។</a:t>
+            </a:r>
+            <a:r>
+              <a:rPr lang="en-US" sz="4400" b="1" dirty="0">
+                <a:latin typeface="Khmer OS Siemreap" panose="02000500000000020004" pitchFamily="2" charset="0"/>
+                <a:cs typeface="Khmer OS Siemreap" panose="02000500000000020004" pitchFamily="2" charset="0"/>
+              </a:rPr>
+              <a:t> </a:t>
+            </a:r>
+            <a:endParaRPr lang="km-KH" sz="4400" b="1" dirty="0">
+              <a:latin typeface="Khmer OS Siemreap" panose="02000500000000020004" pitchFamily="2" charset="0"/>
+              <a:cs typeface="Khmer OS Siemreap" panose="02000500000000020004" pitchFamily="2" charset="0"/>
+            </a:endParaRPr>
+          </a:p>
         </p:txBody>
       </p:sp>
     </p:spTree>
     <p:extLst>
       <p:ext uri="{BB962C8B-B14F-4D97-AF65-F5344CB8AC3E}">
-        <p14:creationId xmlns:p14="http://schemas.microsoft.com/office/powerpoint/2010/main" val="3649901522"/>
+        <p14:creationId xmlns:p14="http://schemas.microsoft.com/office/powerpoint/2010/main" val="1189373135"/>
       </p:ext>
     </p:extLst>
   </p:cSld>
@@ -7337,7 +7739,7 @@
     </p:spTree>
     <p:extLst>
       <p:ext uri="{BB962C8B-B14F-4D97-AF65-F5344CB8AC3E}">
-        <p14:creationId xmlns:p14="http://schemas.microsoft.com/office/powerpoint/2010/main" val="1301531918"/>
+        <p14:creationId xmlns:p14="http://schemas.microsoft.com/office/powerpoint/2010/main" val="1113286957"/>
       </p:ext>
     </p:extLst>
   </p:cSld>
@@ -7425,8 +7827,8 @@
         </p:nvSpPr>
         <p:spPr>
           <a:xfrm>
-            <a:off x="3957799" y="1769769"/>
-            <a:ext cx="7892079" cy="1508105"/>
+            <a:off x="4041646" y="677162"/>
+            <a:ext cx="7892079" cy="4216539"/>
           </a:xfrm>
           <a:prstGeom prst="rect">
             <a:avLst/>
@@ -7452,28 +7854,56 @@
                 <a:latin typeface="Khmer OS Siemreap" panose="02000500000000020004" pitchFamily="2" charset="0"/>
                 <a:cs typeface="Khmer OS Siemreap" panose="02000500000000020004" pitchFamily="2" charset="0"/>
               </a:rPr>
-              <a:t>អ្វីជា</a:t>
+              <a:t>ការដាក់ រូបភាព</a:t>
             </a:r>
             <a:r>
               <a:rPr lang="en-US" sz="4400" b="1" dirty="0">
                 <a:latin typeface="Khmer OS Siemreap" panose="02000500000000020004" pitchFamily="2" charset="0"/>
                 <a:cs typeface="Khmer OS Siemreap" panose="02000500000000020004" pitchFamily="2" charset="0"/>
               </a:rPr>
-              <a:t> Table</a:t>
+              <a:t> </a:t>
             </a:r>
             <a:r>
               <a:rPr lang="km-KH" sz="4400" b="1" dirty="0">
                 <a:latin typeface="Khmer OS Siemreap" panose="02000500000000020004" pitchFamily="2" charset="0"/>
                 <a:cs typeface="Khmer OS Siemreap" panose="02000500000000020004" pitchFamily="2" charset="0"/>
               </a:rPr>
-              <a:t> ក្នុង</a:t>
+              <a:t>(</a:t>
             </a:r>
             <a:r>
               <a:rPr lang="en-US" sz="4400" b="1" dirty="0">
                 <a:latin typeface="Khmer OS Siemreap" panose="02000500000000020004" pitchFamily="2" charset="0"/>
                 <a:cs typeface="Khmer OS Siemreap" panose="02000500000000020004" pitchFamily="2" charset="0"/>
               </a:rPr>
-              <a:t> HTML?</a:t>
+              <a:t>Images</a:t>
+            </a:r>
+            <a:r>
+              <a:rPr lang="km-KH" sz="4400" b="1" dirty="0">
+                <a:latin typeface="Khmer OS Siemreap" panose="02000500000000020004" pitchFamily="2" charset="0"/>
+                <a:cs typeface="Khmer OS Siemreap" panose="02000500000000020004" pitchFamily="2" charset="0"/>
+              </a:rPr>
+              <a:t>) ក្នុង</a:t>
+            </a:r>
+            <a:r>
+              <a:rPr lang="en-US" sz="4400" b="1" dirty="0">
+                <a:latin typeface="Khmer OS Siemreap" panose="02000500000000020004" pitchFamily="2" charset="0"/>
+                <a:cs typeface="Khmer OS Siemreap" panose="02000500000000020004" pitchFamily="2" charset="0"/>
+              </a:rPr>
+              <a:t> HTML</a:t>
+            </a:r>
+            <a:r>
+              <a:rPr lang="km-KH" sz="4400" b="1" dirty="0">
+                <a:latin typeface="Khmer OS Siemreap" panose="02000500000000020004" pitchFamily="2" charset="0"/>
+                <a:cs typeface="Khmer OS Siemreap" panose="02000500000000020004" pitchFamily="2" charset="0"/>
+              </a:rPr>
+              <a:t> ត្រូវធ្វើដោយ​របៀបណា</a:t>
+            </a:r>
+            <a:r>
+              <a:rPr lang="en-US" sz="4400" b="1" dirty="0">
+                <a:latin typeface="Khmer OS Siemreap" panose="02000500000000020004" pitchFamily="2" charset="0"/>
+                <a:cs typeface="Khmer OS Siemreap" panose="02000500000000020004" pitchFamily="2" charset="0"/>
+              </a:rPr>
+              <a:t>?</a:t>
             </a:r>
           </a:p>
           <a:p>
@@ -7483,12 +7913,78 @@
               <a:cs typeface="Khmer OS Siemreap" panose="02000500000000020004" pitchFamily="2" charset="0"/>
             </a:endParaRPr>
           </a:p>
+          <a:p>
+            <a:pPr algn="ctr"/>
+            <a:r>
+              <a:rPr lang="km-KH" sz="4400" b="1" dirty="0">
+                <a:latin typeface="Khmer OS Siemreap" panose="02000500000000020004" pitchFamily="2" charset="0"/>
+                <a:cs typeface="Khmer OS Siemreap" panose="02000500000000020004" pitchFamily="2" charset="0"/>
+              </a:rPr>
+              <a:t>យើងអាចធ្វើការដាក់ </a:t>
+            </a:r>
+            <a:r>
+              <a:rPr lang="en-US" sz="4400" b="1" dirty="0">
+                <a:latin typeface="Khmer OS Siemreap" panose="02000500000000020004" pitchFamily="2" charset="0"/>
+                <a:cs typeface="Khmer OS Siemreap" panose="02000500000000020004" pitchFamily="2" charset="0"/>
+              </a:rPr>
+              <a:t>images</a:t>
+            </a:r>
+            <a:r>
+              <a:rPr lang="km-KH" sz="4400" b="1" dirty="0">
+                <a:latin typeface="Khmer OS Siemreap" panose="02000500000000020004" pitchFamily="2" charset="0"/>
+                <a:cs typeface="Khmer OS Siemreap" panose="02000500000000020004" pitchFamily="2" charset="0"/>
+              </a:rPr>
+              <a:t> បានតាមរយៈការ​ប្រើប្រាសនូវ </a:t>
+            </a:r>
+          </a:p>
+          <a:p>
+            <a:pPr algn="ctr"/>
+            <a:r>
+              <a:rPr lang="en-US" sz="4400" b="1" dirty="0">
+                <a:latin typeface="Khmer OS Siemreap" panose="02000500000000020004" pitchFamily="2" charset="0"/>
+                <a:cs typeface="Khmer OS Siemreap" panose="02000500000000020004" pitchFamily="2" charset="0"/>
+              </a:rPr>
+              <a:t>&lt;</a:t>
+            </a:r>
+            <a:r>
+              <a:rPr lang="en-US" sz="4400" b="1" dirty="0" err="1">
+                <a:latin typeface="Khmer OS Siemreap" panose="02000500000000020004" pitchFamily="2" charset="0"/>
+                <a:cs typeface="Khmer OS Siemreap" panose="02000500000000020004" pitchFamily="2" charset="0"/>
+              </a:rPr>
+              <a:t>img</a:t>
+            </a:r>
+            <a:r>
+              <a:rPr lang="en-US" sz="4400" b="1" dirty="0">
+                <a:latin typeface="Khmer OS Siemreap" panose="02000500000000020004" pitchFamily="2" charset="0"/>
+                <a:cs typeface="Khmer OS Siemreap" panose="02000500000000020004" pitchFamily="2" charset="0"/>
+              </a:rPr>
+              <a:t>&gt;</a:t>
+            </a:r>
+            <a:r>
+              <a:rPr lang="km-KH" sz="4400" b="1" dirty="0">
+                <a:latin typeface="Khmer OS Siemreap" panose="02000500000000020004" pitchFamily="2" charset="0"/>
+                <a:cs typeface="Khmer OS Siemreap" panose="02000500000000020004" pitchFamily="2" charset="0"/>
+              </a:rPr>
+              <a:t>។</a:t>
+            </a:r>
+            <a:r>
+              <a:rPr lang="en-US" sz="4400" b="1" dirty="0">
+                <a:latin typeface="Khmer OS Siemreap" panose="02000500000000020004" pitchFamily="2" charset="0"/>
+                <a:cs typeface="Khmer OS Siemreap" panose="02000500000000020004" pitchFamily="2" charset="0"/>
+              </a:rPr>
+              <a:t> </a:t>
+            </a:r>
+            <a:endParaRPr lang="km-KH" sz="4400" b="1" dirty="0">
+              <a:latin typeface="Khmer OS Siemreap" panose="02000500000000020004" pitchFamily="2" charset="0"/>
+              <a:cs typeface="Khmer OS Siemreap" panose="02000500000000020004" pitchFamily="2" charset="0"/>
+            </a:endParaRPr>
+          </a:p>
         </p:txBody>
       </p:sp>
     </p:spTree>
     <p:extLst>
       <p:ext uri="{BB962C8B-B14F-4D97-AF65-F5344CB8AC3E}">
-        <p14:creationId xmlns:p14="http://schemas.microsoft.com/office/powerpoint/2010/main" val="4004303302"/>
+        <p14:creationId xmlns:p14="http://schemas.microsoft.com/office/powerpoint/2010/main" val="3649901522"/>
       </p:ext>
     </p:extLst>
   </p:cSld>
@@ -7604,7 +8100,7 @@
     </p:spTree>
     <p:extLst>
       <p:ext uri="{BB962C8B-B14F-4D97-AF65-F5344CB8AC3E}">
-        <p14:creationId xmlns:p14="http://schemas.microsoft.com/office/powerpoint/2010/main" val="3784241961"/>
+        <p14:creationId xmlns:p14="http://schemas.microsoft.com/office/powerpoint/2010/main" val="1301531918"/>
       </p:ext>
     </p:extLst>
   </p:cSld>
@@ -7692,8 +8188,8 @@
         </p:nvSpPr>
         <p:spPr>
           <a:xfrm>
-            <a:off x="3957799" y="1769769"/>
-            <a:ext cx="7892079" cy="1508105"/>
+            <a:off x="4041646" y="677162"/>
+            <a:ext cx="7892079" cy="4216539"/>
           </a:xfrm>
           <a:prstGeom prst="rect">
             <a:avLst/>
@@ -7719,28 +8215,56 @@
                 <a:latin typeface="Khmer OS Siemreap" panose="02000500000000020004" pitchFamily="2" charset="0"/>
                 <a:cs typeface="Khmer OS Siemreap" panose="02000500000000020004" pitchFamily="2" charset="0"/>
               </a:rPr>
-              <a:t>អ្វីជា</a:t>
+              <a:t>ការដាក់ តារាង</a:t>
             </a:r>
             <a:r>
               <a:rPr lang="en-US" sz="4400" b="1" dirty="0">
                 <a:latin typeface="Khmer OS Siemreap" panose="02000500000000020004" pitchFamily="2" charset="0"/>
                 <a:cs typeface="Khmer OS Siemreap" panose="02000500000000020004" pitchFamily="2" charset="0"/>
               </a:rPr>
-              <a:t> Lists</a:t>
+              <a:t> </a:t>
             </a:r>
             <a:r>
               <a:rPr lang="km-KH" sz="4400" b="1" dirty="0">
                 <a:latin typeface="Khmer OS Siemreap" panose="02000500000000020004" pitchFamily="2" charset="0"/>
                 <a:cs typeface="Khmer OS Siemreap" panose="02000500000000020004" pitchFamily="2" charset="0"/>
               </a:rPr>
-              <a:t> ក្នុង</a:t>
+              <a:t>(</a:t>
             </a:r>
             <a:r>
               <a:rPr lang="en-US" sz="4400" b="1" dirty="0">
                 <a:latin typeface="Khmer OS Siemreap" panose="02000500000000020004" pitchFamily="2" charset="0"/>
                 <a:cs typeface="Khmer OS Siemreap" panose="02000500000000020004" pitchFamily="2" charset="0"/>
               </a:rPr>
-              <a:t> HTML?</a:t>
+              <a:t>Table</a:t>
+            </a:r>
+            <a:r>
+              <a:rPr lang="km-KH" sz="4400" b="1" dirty="0">
+                <a:latin typeface="Khmer OS Siemreap" panose="02000500000000020004" pitchFamily="2" charset="0"/>
+                <a:cs typeface="Khmer OS Siemreap" panose="02000500000000020004" pitchFamily="2" charset="0"/>
+              </a:rPr>
+              <a:t>) ក្នុង</a:t>
+            </a:r>
+            <a:r>
+              <a:rPr lang="en-US" sz="4400" b="1" dirty="0">
+                <a:latin typeface="Khmer OS Siemreap" panose="02000500000000020004" pitchFamily="2" charset="0"/>
+                <a:cs typeface="Khmer OS Siemreap" panose="02000500000000020004" pitchFamily="2" charset="0"/>
+              </a:rPr>
+              <a:t> HTML</a:t>
+            </a:r>
+            <a:r>
+              <a:rPr lang="km-KH" sz="4400" b="1" dirty="0">
+                <a:latin typeface="Khmer OS Siemreap" panose="02000500000000020004" pitchFamily="2" charset="0"/>
+                <a:cs typeface="Khmer OS Siemreap" panose="02000500000000020004" pitchFamily="2" charset="0"/>
+              </a:rPr>
+              <a:t> ត្រូវធ្វើដោយ​របៀបណា</a:t>
+            </a:r>
+            <a:r>
+              <a:rPr lang="en-US" sz="4400" b="1" dirty="0">
+                <a:latin typeface="Khmer OS Siemreap" panose="02000500000000020004" pitchFamily="2" charset="0"/>
+                <a:cs typeface="Khmer OS Siemreap" panose="02000500000000020004" pitchFamily="2" charset="0"/>
+              </a:rPr>
+              <a:t>?</a:t>
             </a:r>
           </a:p>
           <a:p>
@@ -7750,12 +8274,64 @@
               <a:cs typeface="Khmer OS Siemreap" panose="02000500000000020004" pitchFamily="2" charset="0"/>
             </a:endParaRPr>
           </a:p>
+          <a:p>
+            <a:pPr algn="ctr"/>
+            <a:r>
+              <a:rPr lang="km-KH" sz="4400" b="1" dirty="0">
+                <a:latin typeface="Khmer OS Siemreap" panose="02000500000000020004" pitchFamily="2" charset="0"/>
+                <a:cs typeface="Khmer OS Siemreap" panose="02000500000000020004" pitchFamily="2" charset="0"/>
+              </a:rPr>
+              <a:t>យើងអាចធ្វើការដាក់</a:t>
+            </a:r>
+            <a:r>
+              <a:rPr lang="en-US" sz="4400" b="1" dirty="0">
+                <a:latin typeface="Khmer OS Siemreap" panose="02000500000000020004" pitchFamily="2" charset="0"/>
+                <a:cs typeface="Khmer OS Siemreap" panose="02000500000000020004" pitchFamily="2" charset="0"/>
+              </a:rPr>
+              <a:t> Table </a:t>
+            </a:r>
+            <a:r>
+              <a:rPr lang="km-KH" sz="4400" b="1" dirty="0">
+                <a:latin typeface="Khmer OS Siemreap" panose="02000500000000020004" pitchFamily="2" charset="0"/>
+                <a:cs typeface="Khmer OS Siemreap" panose="02000500000000020004" pitchFamily="2" charset="0"/>
+              </a:rPr>
+              <a:t>បានតាមរយៈការ​ប្រើប្រាសនូវ </a:t>
+            </a:r>
+          </a:p>
+          <a:p>
+            <a:pPr algn="ctr"/>
+            <a:r>
+              <a:rPr lang="en-US" sz="4400" b="1" dirty="0">
+                <a:latin typeface="Khmer OS Siemreap" panose="02000500000000020004" pitchFamily="2" charset="0"/>
+                <a:cs typeface="Khmer OS Siemreap" panose="02000500000000020004" pitchFamily="2" charset="0"/>
+              </a:rPr>
+              <a:t>&lt;table&gt;</a:t>
+            </a:r>
+            <a:r>
+              <a:rPr lang="km-KH" sz="4400" b="1" dirty="0">
+                <a:latin typeface="Khmer OS Siemreap" panose="02000500000000020004" pitchFamily="2" charset="0"/>
+                <a:cs typeface="Khmer OS Siemreap" panose="02000500000000020004" pitchFamily="2" charset="0"/>
+              </a:rPr>
+              <a:t>។</a:t>
+            </a:r>
+            <a:r>
+              <a:rPr lang="en-US" sz="4400" b="1" dirty="0">
+                <a:latin typeface="Khmer OS Siemreap" panose="02000500000000020004" pitchFamily="2" charset="0"/>
+                <a:cs typeface="Khmer OS Siemreap" panose="02000500000000020004" pitchFamily="2" charset="0"/>
+              </a:rPr>
+              <a:t> </a:t>
+            </a:r>
+            <a:endParaRPr lang="km-KH" sz="4400" b="1" dirty="0">
+              <a:latin typeface="Khmer OS Siemreap" panose="02000500000000020004" pitchFamily="2" charset="0"/>
+              <a:cs typeface="Khmer OS Siemreap" panose="02000500000000020004" pitchFamily="2" charset="0"/>
+            </a:endParaRPr>
+          </a:p>
         </p:txBody>
       </p:sp>
     </p:spTree>
     <p:extLst>
       <p:ext uri="{BB962C8B-B14F-4D97-AF65-F5344CB8AC3E}">
-        <p14:creationId xmlns:p14="http://schemas.microsoft.com/office/powerpoint/2010/main" val="3282565304"/>
+        <p14:creationId xmlns:p14="http://schemas.microsoft.com/office/powerpoint/2010/main" val="3829970568"/>
       </p:ext>
     </p:extLst>
   </p:cSld>
@@ -7871,7 +8447,657 @@
     </p:spTree>
     <p:extLst>
       <p:ext uri="{BB962C8B-B14F-4D97-AF65-F5344CB8AC3E}">
+        <p14:creationId xmlns:p14="http://schemas.microsoft.com/office/powerpoint/2010/main" val="3784241961"/>
+      </p:ext>
+    </p:extLst>
+  </p:cSld>
+  <p:clrMapOvr>
+    <a:masterClrMapping/>
+  </p:clrMapOvr>
+</p:sld>
+</file>
+
+<file path=ppt/slides/slide26.xml><?xml version="1.0" encoding="utf-8"?>
+<p:sld xmlns:a="http://schemas.openxmlformats.org/drawingml/2006/main" xmlns:r="http://schemas.openxmlformats.org/officeDocument/2006/relationships" xmlns:p="http://schemas.openxmlformats.org/presentationml/2006/main">
+  <p:cSld>
+    <p:spTree>
+      <p:nvGrpSpPr>
+        <p:cNvPr id="1" name=""/>
+        <p:cNvGrpSpPr/>
+        <p:nvPr/>
+      </p:nvGrpSpPr>
+      <p:grpSpPr>
+        <a:xfrm>
+          <a:off x="0" y="0"/>
+          <a:ext cx="0" cy="0"/>
+          <a:chOff x="0" y="0"/>
+          <a:chExt cx="0" cy="0"/>
+        </a:xfrm>
+      </p:grpSpPr>
+      <p:pic>
+        <p:nvPicPr>
+          <p:cNvPr id="7" name="Picture 8" descr="Html 5 Detailed Flat Circular Flat icon">
+            <a:extLst>
+              <a:ext uri="{FF2B5EF4-FFF2-40B4-BE49-F238E27FC236}">
+                <a16:creationId xmlns:a16="http://schemas.microsoft.com/office/drawing/2014/main" id="{26F87EE6-249B-FFEB-B903-3F54D0D4EA22}"/>
+              </a:ext>
+            </a:extLst>
+          </p:cNvPr>
+          <p:cNvPicPr>
+            <a:picLocks noChangeAspect="1" noChangeArrowheads="1"/>
+          </p:cNvPicPr>
+          <p:nvPr/>
+        </p:nvPicPr>
+        <p:blipFill>
+          <a:blip r:embed="rId2">
+            <a:extLst>
+              <a:ext uri="{28A0092B-C50C-407E-A947-70E740481C1C}">
+                <a14:useLocalDpi xmlns:a14="http://schemas.microsoft.com/office/drawing/2010/main" val="0"/>
+              </a:ext>
+            </a:extLst>
+          </a:blip>
+          <a:srcRect/>
+          <a:stretch>
+            <a:fillRect/>
+          </a:stretch>
+        </p:blipFill>
+        <p:spPr bwMode="auto">
+          <a:xfrm>
+            <a:off x="723185" y="1769769"/>
+            <a:ext cx="3318461" cy="3318461"/>
+          </a:xfrm>
+          <a:prstGeom prst="rect">
+            <a:avLst/>
+          </a:prstGeom>
+          <a:noFill/>
+          <a:extLst>
+            <a:ext uri="{909E8E84-426E-40DD-AFC4-6F175D3DCCD1}">
+              <a14:hiddenFill xmlns:a14="http://schemas.microsoft.com/office/drawing/2010/main">
+                <a:solidFill>
+                  <a:srgbClr val="FFFFFF"/>
+                </a:solidFill>
+              </a14:hiddenFill>
+            </a:ext>
+          </a:extLst>
+        </p:spPr>
+      </p:pic>
+      <p:sp>
+        <p:nvSpPr>
+          <p:cNvPr id="2" name="TextBox 1">
+            <a:extLst>
+              <a:ext uri="{FF2B5EF4-FFF2-40B4-BE49-F238E27FC236}">
+                <a16:creationId xmlns:a16="http://schemas.microsoft.com/office/drawing/2014/main" id="{5366957A-F718-3CBF-05E0-59417ACEB6A8}"/>
+              </a:ext>
+            </a:extLst>
+          </p:cNvPr>
+          <p:cNvSpPr txBox="1"/>
+          <p:nvPr/>
+        </p:nvSpPr>
+        <p:spPr>
+          <a:xfrm>
+            <a:off x="4041646" y="677162"/>
+            <a:ext cx="7892079" cy="4216539"/>
+          </a:xfrm>
+          <a:prstGeom prst="rect">
+            <a:avLst/>
+          </a:prstGeom>
+          <a:noFill/>
+        </p:spPr>
+        <p:txBody>
+          <a:bodyPr wrap="square" rtlCol="0">
+            <a:spAutoFit/>
+          </a:bodyPr>
+          <a:lstStyle/>
+          <a:p>
+            <a:pPr algn="ctr"/>
+            <a:r>
+              <a:rPr lang="km-KH" sz="4800" b="1" dirty="0">
+                <a:latin typeface="Khmer OS Siemreap" panose="02000500000000020004" pitchFamily="2" charset="0"/>
+                <a:cs typeface="Khmer OS Siemreap" panose="02000500000000020004" pitchFamily="2" charset="0"/>
+              </a:rPr>
+              <a:t>តើ</a:t>
+            </a:r>
+            <a:r>
+              <a:rPr lang="km-KH" sz="4400" b="1" dirty="0">
+                <a:latin typeface="Khmer OS Siemreap" panose="02000500000000020004" pitchFamily="2" charset="0"/>
+                <a:cs typeface="Khmer OS Siemreap" panose="02000500000000020004" pitchFamily="2" charset="0"/>
+              </a:rPr>
+              <a:t>ការដាក់ </a:t>
+            </a:r>
+            <a:r>
+              <a:rPr lang="en-US" sz="4400" b="1" dirty="0">
+                <a:latin typeface="Khmer OS Siemreap" panose="02000500000000020004" pitchFamily="2" charset="0"/>
+                <a:cs typeface="Khmer OS Siemreap" panose="02000500000000020004" pitchFamily="2" charset="0"/>
+              </a:rPr>
+              <a:t>Lists</a:t>
+            </a:r>
+            <a:r>
+              <a:rPr lang="km-KH" sz="4400" b="1" dirty="0">
+                <a:latin typeface="Khmer OS Siemreap" panose="02000500000000020004" pitchFamily="2" charset="0"/>
+                <a:cs typeface="Khmer OS Siemreap" panose="02000500000000020004" pitchFamily="2" charset="0"/>
+              </a:rPr>
+              <a:t> ក្នុង</a:t>
+            </a:r>
+            <a:r>
+              <a:rPr lang="en-US" sz="4400" b="1" dirty="0">
+                <a:latin typeface="Khmer OS Siemreap" panose="02000500000000020004" pitchFamily="2" charset="0"/>
+                <a:cs typeface="Khmer OS Siemreap" panose="02000500000000020004" pitchFamily="2" charset="0"/>
+              </a:rPr>
+              <a:t> HTML</a:t>
+            </a:r>
+            <a:r>
+              <a:rPr lang="km-KH" sz="4400" b="1" dirty="0">
+                <a:latin typeface="Khmer OS Siemreap" panose="02000500000000020004" pitchFamily="2" charset="0"/>
+                <a:cs typeface="Khmer OS Siemreap" panose="02000500000000020004" pitchFamily="2" charset="0"/>
+              </a:rPr>
+              <a:t> ត្រូវធ្វើដោយ​របៀបណា</a:t>
+            </a:r>
+            <a:r>
+              <a:rPr lang="en-US" sz="4400" b="1" dirty="0">
+                <a:latin typeface="Khmer OS Siemreap" panose="02000500000000020004" pitchFamily="2" charset="0"/>
+                <a:cs typeface="Khmer OS Siemreap" panose="02000500000000020004" pitchFamily="2" charset="0"/>
+              </a:rPr>
+              <a:t>?</a:t>
+            </a:r>
+          </a:p>
+          <a:p>
+            <a:pPr algn="ctr"/>
+            <a:endParaRPr lang="km-KH" sz="4400" b="1" dirty="0">
+              <a:latin typeface="Khmer OS Siemreap" panose="02000500000000020004" pitchFamily="2" charset="0"/>
+              <a:cs typeface="Khmer OS Siemreap" panose="02000500000000020004" pitchFamily="2" charset="0"/>
+            </a:endParaRPr>
+          </a:p>
+          <a:p>
+            <a:pPr algn="ctr"/>
+            <a:r>
+              <a:rPr lang="km-KH" sz="4400" b="1" dirty="0">
+                <a:latin typeface="Khmer OS Siemreap" panose="02000500000000020004" pitchFamily="2" charset="0"/>
+                <a:cs typeface="Khmer OS Siemreap" panose="02000500000000020004" pitchFamily="2" charset="0"/>
+              </a:rPr>
+              <a:t>យើងអាចធ្វើការដាក់</a:t>
+            </a:r>
+            <a:r>
+              <a:rPr lang="en-US" sz="4400" b="1" dirty="0">
+                <a:latin typeface="Khmer OS Siemreap" panose="02000500000000020004" pitchFamily="2" charset="0"/>
+                <a:cs typeface="Khmer OS Siemreap" panose="02000500000000020004" pitchFamily="2" charset="0"/>
+              </a:rPr>
+              <a:t> lists</a:t>
+            </a:r>
+            <a:r>
+              <a:rPr lang="km-KH" sz="4400" b="1" dirty="0">
+                <a:latin typeface="Khmer OS Siemreap" panose="02000500000000020004" pitchFamily="2" charset="0"/>
+                <a:cs typeface="Khmer OS Siemreap" panose="02000500000000020004" pitchFamily="2" charset="0"/>
+              </a:rPr>
+              <a:t>បានតាមរយៈការ​ប្រើប្រាសនូវ </a:t>
+            </a:r>
+          </a:p>
+          <a:p>
+            <a:pPr algn="ctr"/>
+            <a:r>
+              <a:rPr lang="en-US" sz="4400" b="1" dirty="0">
+                <a:latin typeface="Khmer OS Siemreap" panose="02000500000000020004" pitchFamily="2" charset="0"/>
+                <a:cs typeface="Khmer OS Siemreap" panose="02000500000000020004" pitchFamily="2" charset="0"/>
+              </a:rPr>
+              <a:t>&lt;</a:t>
+            </a:r>
+            <a:r>
+              <a:rPr lang="en-US" sz="4400" b="1" dirty="0" err="1">
+                <a:latin typeface="Khmer OS Siemreap" panose="02000500000000020004" pitchFamily="2" charset="0"/>
+                <a:cs typeface="Khmer OS Siemreap" panose="02000500000000020004" pitchFamily="2" charset="0"/>
+              </a:rPr>
+              <a:t>ul</a:t>
+            </a:r>
+            <a:r>
+              <a:rPr lang="en-US" sz="4400" b="1" dirty="0">
+                <a:latin typeface="Khmer OS Siemreap" panose="02000500000000020004" pitchFamily="2" charset="0"/>
+                <a:cs typeface="Khmer OS Siemreap" panose="02000500000000020004" pitchFamily="2" charset="0"/>
+              </a:rPr>
+              <a:t>&gt;, &lt;</a:t>
+            </a:r>
+            <a:r>
+              <a:rPr lang="en-US" sz="4400" b="1" dirty="0" err="1">
+                <a:latin typeface="Khmer OS Siemreap" panose="02000500000000020004" pitchFamily="2" charset="0"/>
+                <a:cs typeface="Khmer OS Siemreap" panose="02000500000000020004" pitchFamily="2" charset="0"/>
+              </a:rPr>
+              <a:t>ol</a:t>
+            </a:r>
+            <a:r>
+              <a:rPr lang="en-US" sz="4400" b="1" dirty="0">
+                <a:latin typeface="Khmer OS Siemreap" panose="02000500000000020004" pitchFamily="2" charset="0"/>
+                <a:cs typeface="Khmer OS Siemreap" panose="02000500000000020004" pitchFamily="2" charset="0"/>
+              </a:rPr>
+              <a:t>&gt;,…</a:t>
+            </a:r>
+            <a:r>
+              <a:rPr lang="km-KH" sz="4400" b="1" dirty="0">
+                <a:latin typeface="Khmer OS Siemreap" panose="02000500000000020004" pitchFamily="2" charset="0"/>
+                <a:cs typeface="Khmer OS Siemreap" panose="02000500000000020004" pitchFamily="2" charset="0"/>
+              </a:rPr>
+              <a:t>។</a:t>
+            </a:r>
+            <a:r>
+              <a:rPr lang="en-US" sz="4400" b="1" dirty="0">
+                <a:latin typeface="Khmer OS Siemreap" panose="02000500000000020004" pitchFamily="2" charset="0"/>
+                <a:cs typeface="Khmer OS Siemreap" panose="02000500000000020004" pitchFamily="2" charset="0"/>
+              </a:rPr>
+              <a:t> </a:t>
+            </a:r>
+            <a:endParaRPr lang="km-KH" sz="4400" b="1" dirty="0">
+              <a:latin typeface="Khmer OS Siemreap" panose="02000500000000020004" pitchFamily="2" charset="0"/>
+              <a:cs typeface="Khmer OS Siemreap" panose="02000500000000020004" pitchFamily="2" charset="0"/>
+            </a:endParaRPr>
+          </a:p>
+        </p:txBody>
+      </p:sp>
+    </p:spTree>
+    <p:extLst>
+      <p:ext uri="{BB962C8B-B14F-4D97-AF65-F5344CB8AC3E}">
+        <p14:creationId xmlns:p14="http://schemas.microsoft.com/office/powerpoint/2010/main" val="2978452678"/>
+      </p:ext>
+    </p:extLst>
+  </p:cSld>
+  <p:clrMapOvr>
+    <a:masterClrMapping/>
+  </p:clrMapOvr>
+</p:sld>
+</file>
+
+<file path=ppt/slides/slide27.xml><?xml version="1.0" encoding="utf-8"?>
+<p:sld xmlns:a="http://schemas.openxmlformats.org/drawingml/2006/main" xmlns:r="http://schemas.openxmlformats.org/officeDocument/2006/relationships" xmlns:p="http://schemas.openxmlformats.org/presentationml/2006/main">
+  <p:cSld>
+    <p:spTree>
+      <p:nvGrpSpPr>
+        <p:cNvPr id="1" name=""/>
+        <p:cNvGrpSpPr/>
+        <p:nvPr/>
+      </p:nvGrpSpPr>
+      <p:grpSpPr>
+        <a:xfrm>
+          <a:off x="0" y="0"/>
+          <a:ext cx="0" cy="0"/>
+          <a:chOff x="0" y="0"/>
+          <a:chExt cx="0" cy="0"/>
+        </a:xfrm>
+      </p:grpSpPr>
+      <p:pic>
+        <p:nvPicPr>
+          <p:cNvPr id="7" name="Picture 8" descr="Html 5 Detailed Flat Circular Flat icon">
+            <a:extLst>
+              <a:ext uri="{FF2B5EF4-FFF2-40B4-BE49-F238E27FC236}">
+                <a16:creationId xmlns:a16="http://schemas.microsoft.com/office/drawing/2014/main" id="{26F87EE6-249B-FFEB-B903-3F54D0D4EA22}"/>
+              </a:ext>
+            </a:extLst>
+          </p:cNvPr>
+          <p:cNvPicPr>
+            <a:picLocks noChangeAspect="1" noChangeArrowheads="1"/>
+          </p:cNvPicPr>
+          <p:nvPr/>
+        </p:nvPicPr>
+        <p:blipFill>
+          <a:blip r:embed="rId2">
+            <a:extLst>
+              <a:ext uri="{28A0092B-C50C-407E-A947-70E740481C1C}">
+                <a14:useLocalDpi xmlns:a14="http://schemas.microsoft.com/office/drawing/2010/main" val="0"/>
+              </a:ext>
+            </a:extLst>
+          </a:blip>
+          <a:srcRect/>
+          <a:stretch>
+            <a:fillRect/>
+          </a:stretch>
+        </p:blipFill>
+        <p:spPr bwMode="auto">
+          <a:xfrm>
+            <a:off x="1115070" y="1664302"/>
+            <a:ext cx="3318461" cy="3318461"/>
+          </a:xfrm>
+          <a:prstGeom prst="rect">
+            <a:avLst/>
+          </a:prstGeom>
+          <a:noFill/>
+          <a:extLst>
+            <a:ext uri="{909E8E84-426E-40DD-AFC4-6F175D3DCCD1}">
+              <a14:hiddenFill xmlns:a14="http://schemas.microsoft.com/office/drawing/2010/main">
+                <a:solidFill>
+                  <a:srgbClr val="FFFFFF"/>
+                </a:solidFill>
+              </a14:hiddenFill>
+            </a:ext>
+          </a:extLst>
+        </p:spPr>
+      </p:pic>
+      <p:sp>
+        <p:nvSpPr>
+          <p:cNvPr id="2" name="TextBox 1">
+            <a:extLst>
+              <a:ext uri="{FF2B5EF4-FFF2-40B4-BE49-F238E27FC236}">
+                <a16:creationId xmlns:a16="http://schemas.microsoft.com/office/drawing/2014/main" id="{5366957A-F718-3CBF-05E0-59417ACEB6A8}"/>
+              </a:ext>
+            </a:extLst>
+          </p:cNvPr>
+          <p:cNvSpPr txBox="1"/>
+          <p:nvPr/>
+        </p:nvSpPr>
+        <p:spPr>
+          <a:xfrm>
+            <a:off x="5340221" y="2321004"/>
+            <a:ext cx="5557935" cy="2215991"/>
+          </a:xfrm>
+          <a:prstGeom prst="rect">
+            <a:avLst/>
+          </a:prstGeom>
+          <a:noFill/>
+        </p:spPr>
+        <p:txBody>
+          <a:bodyPr wrap="square" rtlCol="0">
+            <a:spAutoFit/>
+          </a:bodyPr>
+          <a:lstStyle/>
+          <a:p>
+            <a:pPr algn="ctr"/>
+            <a:r>
+              <a:rPr lang="en-US" sz="13800" b="1" dirty="0">
+                <a:latin typeface="Khmer OS Siemreap" panose="02000500000000020004" pitchFamily="2" charset="0"/>
+                <a:cs typeface="Khmer OS Siemreap" panose="02000500000000020004" pitchFamily="2" charset="0"/>
+              </a:rPr>
+              <a:t>Demo</a:t>
+            </a:r>
+          </a:p>
+        </p:txBody>
+      </p:sp>
+    </p:spTree>
+    <p:extLst>
+      <p:ext uri="{BB962C8B-B14F-4D97-AF65-F5344CB8AC3E}">
         <p14:creationId xmlns:p14="http://schemas.microsoft.com/office/powerpoint/2010/main" val="1379005150"/>
+      </p:ext>
+    </p:extLst>
+  </p:cSld>
+  <p:clrMapOvr>
+    <a:masterClrMapping/>
+  </p:clrMapOvr>
+</p:sld>
+</file>
+
+<file path=ppt/slides/slide28.xml><?xml version="1.0" encoding="utf-8"?>
+<p:sld xmlns:a="http://schemas.openxmlformats.org/drawingml/2006/main" xmlns:r="http://schemas.openxmlformats.org/officeDocument/2006/relationships" xmlns:p="http://schemas.openxmlformats.org/presentationml/2006/main">
+  <p:cSld>
+    <p:spTree>
+      <p:nvGrpSpPr>
+        <p:cNvPr id="1" name=""/>
+        <p:cNvGrpSpPr/>
+        <p:nvPr/>
+      </p:nvGrpSpPr>
+      <p:grpSpPr>
+        <a:xfrm>
+          <a:off x="0" y="0"/>
+          <a:ext cx="0" cy="0"/>
+          <a:chOff x="0" y="0"/>
+          <a:chExt cx="0" cy="0"/>
+        </a:xfrm>
+      </p:grpSpPr>
+      <p:pic>
+        <p:nvPicPr>
+          <p:cNvPr id="7" name="Picture 8" descr="Html 5 Detailed Flat Circular Flat icon">
+            <a:extLst>
+              <a:ext uri="{FF2B5EF4-FFF2-40B4-BE49-F238E27FC236}">
+                <a16:creationId xmlns:a16="http://schemas.microsoft.com/office/drawing/2014/main" id="{26F87EE6-249B-FFEB-B903-3F54D0D4EA22}"/>
+              </a:ext>
+            </a:extLst>
+          </p:cNvPr>
+          <p:cNvPicPr>
+            <a:picLocks noChangeAspect="1" noChangeArrowheads="1"/>
+          </p:cNvPicPr>
+          <p:nvPr/>
+        </p:nvPicPr>
+        <p:blipFill>
+          <a:blip r:embed="rId2">
+            <a:extLst>
+              <a:ext uri="{28A0092B-C50C-407E-A947-70E740481C1C}">
+                <a14:useLocalDpi xmlns:a14="http://schemas.microsoft.com/office/drawing/2010/main" val="0"/>
+              </a:ext>
+            </a:extLst>
+          </a:blip>
+          <a:srcRect/>
+          <a:stretch>
+            <a:fillRect/>
+          </a:stretch>
+        </p:blipFill>
+        <p:spPr bwMode="auto">
+          <a:xfrm>
+            <a:off x="4436768" y="2121286"/>
+            <a:ext cx="3318461" cy="3318461"/>
+          </a:xfrm>
+          <a:prstGeom prst="rect">
+            <a:avLst/>
+          </a:prstGeom>
+          <a:noFill/>
+          <a:extLst>
+            <a:ext uri="{909E8E84-426E-40DD-AFC4-6F175D3DCCD1}">
+              <a14:hiddenFill xmlns:a14="http://schemas.microsoft.com/office/drawing/2010/main">
+                <a:solidFill>
+                  <a:srgbClr val="FFFFFF"/>
+                </a:solidFill>
+              </a14:hiddenFill>
+            </a:ext>
+          </a:extLst>
+        </p:spPr>
+      </p:pic>
+      <p:sp>
+        <p:nvSpPr>
+          <p:cNvPr id="2" name="TextBox 1">
+            <a:extLst>
+              <a:ext uri="{FF2B5EF4-FFF2-40B4-BE49-F238E27FC236}">
+                <a16:creationId xmlns:a16="http://schemas.microsoft.com/office/drawing/2014/main" id="{5366957A-F718-3CBF-05E0-59417ACEB6A8}"/>
+              </a:ext>
+            </a:extLst>
+          </p:cNvPr>
+          <p:cNvSpPr txBox="1"/>
+          <p:nvPr/>
+        </p:nvSpPr>
+        <p:spPr>
+          <a:xfrm>
+            <a:off x="954830" y="1197956"/>
+            <a:ext cx="10282335" cy="923330"/>
+          </a:xfrm>
+          <a:prstGeom prst="rect">
+            <a:avLst/>
+          </a:prstGeom>
+          <a:noFill/>
+        </p:spPr>
+        <p:txBody>
+          <a:bodyPr wrap="square" rtlCol="0">
+            <a:spAutoFit/>
+          </a:bodyPr>
+          <a:lstStyle/>
+          <a:p>
+            <a:pPr algn="ctr"/>
+            <a:r>
+              <a:rPr lang="km-KH" sz="5400" b="1" dirty="0">
+                <a:latin typeface="Khmer OS Siemreap" panose="02000500000000020004" pitchFamily="2" charset="0"/>
+                <a:cs typeface="Khmer OS Siemreap" panose="02000500000000020004" pitchFamily="2" charset="0"/>
+              </a:rPr>
+              <a:t>ការ អនុវត្តន៍ ប្រើប្រាស់ </a:t>
+            </a:r>
+            <a:r>
+              <a:rPr lang="en-US" sz="5400" b="1" dirty="0">
+                <a:latin typeface="Khmer OS Siemreap" panose="02000500000000020004" pitchFamily="2" charset="0"/>
+                <a:cs typeface="Khmer OS Siemreap" panose="02000500000000020004" pitchFamily="2" charset="0"/>
+              </a:rPr>
+              <a:t>HTML</a:t>
+            </a:r>
+          </a:p>
+        </p:txBody>
+      </p:sp>
+    </p:spTree>
+    <p:extLst>
+      <p:ext uri="{BB962C8B-B14F-4D97-AF65-F5344CB8AC3E}">
+        <p14:creationId xmlns:p14="http://schemas.microsoft.com/office/powerpoint/2010/main" val="3658540392"/>
+      </p:ext>
+    </p:extLst>
+  </p:cSld>
+  <p:clrMapOvr>
+    <a:masterClrMapping/>
+  </p:clrMapOvr>
+</p:sld>
+</file>
+
+<file path=ppt/slides/slide29.xml><?xml version="1.0" encoding="utf-8"?>
+<p:sld xmlns:a="http://schemas.openxmlformats.org/drawingml/2006/main" xmlns:r="http://schemas.openxmlformats.org/officeDocument/2006/relationships" xmlns:p="http://schemas.openxmlformats.org/presentationml/2006/main">
+  <p:cSld>
+    <p:spTree>
+      <p:nvGrpSpPr>
+        <p:cNvPr id="1" name=""/>
+        <p:cNvGrpSpPr/>
+        <p:nvPr/>
+      </p:nvGrpSpPr>
+      <p:grpSpPr>
+        <a:xfrm>
+          <a:off x="0" y="0"/>
+          <a:ext cx="0" cy="0"/>
+          <a:chOff x="0" y="0"/>
+          <a:chExt cx="0" cy="0"/>
+        </a:xfrm>
+      </p:grpSpPr>
+      <p:pic>
+        <p:nvPicPr>
+          <p:cNvPr id="7" name="Picture 8" descr="Html 5 Detailed Flat Circular Flat icon">
+            <a:extLst>
+              <a:ext uri="{FF2B5EF4-FFF2-40B4-BE49-F238E27FC236}">
+                <a16:creationId xmlns:a16="http://schemas.microsoft.com/office/drawing/2014/main" id="{26F87EE6-249B-FFEB-B903-3F54D0D4EA22}"/>
+              </a:ext>
+            </a:extLst>
+          </p:cNvPr>
+          <p:cNvPicPr>
+            <a:picLocks noChangeAspect="1" noChangeArrowheads="1"/>
+          </p:cNvPicPr>
+          <p:nvPr/>
+        </p:nvPicPr>
+        <p:blipFill>
+          <a:blip r:embed="rId2">
+            <a:extLst>
+              <a:ext uri="{28A0092B-C50C-407E-A947-70E740481C1C}">
+                <a14:useLocalDpi xmlns:a14="http://schemas.microsoft.com/office/drawing/2010/main" val="0"/>
+              </a:ext>
+            </a:extLst>
+          </a:blip>
+          <a:srcRect/>
+          <a:stretch>
+            <a:fillRect/>
+          </a:stretch>
+        </p:blipFill>
+        <p:spPr bwMode="auto">
+          <a:xfrm>
+            <a:off x="349960" y="1769769"/>
+            <a:ext cx="3318461" cy="3318461"/>
+          </a:xfrm>
+          <a:prstGeom prst="rect">
+            <a:avLst/>
+          </a:prstGeom>
+          <a:noFill/>
+          <a:extLst>
+            <a:ext uri="{909E8E84-426E-40DD-AFC4-6F175D3DCCD1}">
+              <a14:hiddenFill xmlns:a14="http://schemas.microsoft.com/office/drawing/2010/main">
+                <a:solidFill>
+                  <a:srgbClr val="FFFFFF"/>
+                </a:solidFill>
+              </a14:hiddenFill>
+            </a:ext>
+          </a:extLst>
+        </p:spPr>
+      </p:pic>
+      <p:sp>
+        <p:nvSpPr>
+          <p:cNvPr id="2" name="TextBox 1">
+            <a:extLst>
+              <a:ext uri="{FF2B5EF4-FFF2-40B4-BE49-F238E27FC236}">
+                <a16:creationId xmlns:a16="http://schemas.microsoft.com/office/drawing/2014/main" id="{5366957A-F718-3CBF-05E0-59417ACEB6A8}"/>
+              </a:ext>
+            </a:extLst>
+          </p:cNvPr>
+          <p:cNvSpPr txBox="1"/>
+          <p:nvPr/>
+        </p:nvSpPr>
+        <p:spPr>
+          <a:xfrm>
+            <a:off x="3511424" y="941780"/>
+            <a:ext cx="8535890" cy="4974439"/>
+          </a:xfrm>
+          <a:prstGeom prst="rect">
+            <a:avLst/>
+          </a:prstGeom>
+          <a:noFill/>
+        </p:spPr>
+        <p:txBody>
+          <a:bodyPr wrap="square" rtlCol="0">
+            <a:spAutoFit/>
+          </a:bodyPr>
+          <a:lstStyle/>
+          <a:p>
+            <a:pPr algn="ctr">
+              <a:lnSpc>
+                <a:spcPct val="150000"/>
+              </a:lnSpc>
+            </a:pPr>
+            <a:r>
+              <a:rPr lang="km-KH" sz="5400" b="1" dirty="0">
+                <a:latin typeface="Khmer OS Siemreap" panose="02000500000000020004" pitchFamily="2" charset="0"/>
+                <a:cs typeface="Khmer OS Siemreap" panose="02000500000000020004" pitchFamily="2" charset="0"/>
+              </a:rPr>
+              <a:t>សាកល្បង បង្កើតនូវវេបសាយថ្មីមួយដែលខ្លួនចង់បានដោយមានដាក់បញ្ចូលរូបភាព​, ការអក្សរទៅតាមសិល្បៈនៃការតុបតែង</a:t>
+            </a:r>
+            <a:endParaRPr lang="en-US" sz="5400" b="1" dirty="0">
+              <a:latin typeface="Khmer OS Siemreap" panose="02000500000000020004" pitchFamily="2" charset="0"/>
+              <a:cs typeface="Khmer OS Siemreap" panose="02000500000000020004" pitchFamily="2" charset="0"/>
+            </a:endParaRPr>
+          </a:p>
+        </p:txBody>
+      </p:sp>
+      <p:sp>
+        <p:nvSpPr>
+          <p:cNvPr id="3" name="TextBox 2">
+            <a:extLst>
+              <a:ext uri="{FF2B5EF4-FFF2-40B4-BE49-F238E27FC236}">
+                <a16:creationId xmlns:a16="http://schemas.microsoft.com/office/drawing/2014/main" id="{D3703452-55C6-BCCE-67D3-D23003ECAFC6}"/>
+              </a:ext>
+            </a:extLst>
+          </p:cNvPr>
+          <p:cNvSpPr txBox="1"/>
+          <p:nvPr/>
+        </p:nvSpPr>
+        <p:spPr>
+          <a:xfrm>
+            <a:off x="478970" y="302216"/>
+            <a:ext cx="3766460" cy="923330"/>
+          </a:xfrm>
+          <a:prstGeom prst="rect">
+            <a:avLst/>
+          </a:prstGeom>
+          <a:noFill/>
+        </p:spPr>
+        <p:txBody>
+          <a:bodyPr wrap="square" rtlCol="0">
+            <a:spAutoFit/>
+          </a:bodyPr>
+          <a:lstStyle/>
+          <a:p>
+            <a:r>
+              <a:rPr lang="km-KH" sz="5400" b="1" dirty="0">
+                <a:latin typeface="Khmer OS Siemreap" panose="02000500000000020004" pitchFamily="2" charset="0"/>
+                <a:cs typeface="Khmer OS Siemreap" panose="02000500000000020004" pitchFamily="2" charset="0"/>
+              </a:rPr>
+              <a:t>ការងារទី១</a:t>
+            </a:r>
+            <a:endParaRPr lang="en-US" sz="5400" b="1" dirty="0">
+              <a:latin typeface="Khmer OS Siemreap" panose="02000500000000020004" pitchFamily="2" charset="0"/>
+              <a:cs typeface="Khmer OS Siemreap" panose="02000500000000020004" pitchFamily="2" charset="0"/>
+            </a:endParaRPr>
+          </a:p>
+        </p:txBody>
+      </p:sp>
+    </p:spTree>
+    <p:extLst>
+      <p:ext uri="{BB962C8B-B14F-4D97-AF65-F5344CB8AC3E}">
+        <p14:creationId xmlns:p14="http://schemas.microsoft.com/office/powerpoint/2010/main" val="1573000916"/>
       </p:ext>
     </p:extLst>
   </p:cSld>
@@ -8068,6 +9294,384 @@
     <p:extLst>
       <p:ext uri="{BB962C8B-B14F-4D97-AF65-F5344CB8AC3E}">
         <p14:creationId xmlns:p14="http://schemas.microsoft.com/office/powerpoint/2010/main" val="3172222241"/>
+      </p:ext>
+    </p:extLst>
+  </p:cSld>
+  <p:clrMapOvr>
+    <a:masterClrMapping/>
+  </p:clrMapOvr>
+</p:sld>
+</file>
+
+<file path=ppt/slides/slide30.xml><?xml version="1.0" encoding="utf-8"?>
+<p:sld xmlns:a="http://schemas.openxmlformats.org/drawingml/2006/main" xmlns:r="http://schemas.openxmlformats.org/officeDocument/2006/relationships" xmlns:p="http://schemas.openxmlformats.org/presentationml/2006/main">
+  <p:cSld>
+    <p:spTree>
+      <p:nvGrpSpPr>
+        <p:cNvPr id="1" name=""/>
+        <p:cNvGrpSpPr/>
+        <p:nvPr/>
+      </p:nvGrpSpPr>
+      <p:grpSpPr>
+        <a:xfrm>
+          <a:off x="0" y="0"/>
+          <a:ext cx="0" cy="0"/>
+          <a:chOff x="0" y="0"/>
+          <a:chExt cx="0" cy="0"/>
+        </a:xfrm>
+      </p:grpSpPr>
+      <p:sp>
+        <p:nvSpPr>
+          <p:cNvPr id="2" name="TextBox 1">
+            <a:extLst>
+              <a:ext uri="{FF2B5EF4-FFF2-40B4-BE49-F238E27FC236}">
+                <a16:creationId xmlns:a16="http://schemas.microsoft.com/office/drawing/2014/main" id="{5366957A-F718-3CBF-05E0-59417ACEB6A8}"/>
+              </a:ext>
+            </a:extLst>
+          </p:cNvPr>
+          <p:cNvSpPr txBox="1"/>
+          <p:nvPr/>
+        </p:nvSpPr>
+        <p:spPr>
+          <a:xfrm>
+            <a:off x="482085" y="1105287"/>
+            <a:ext cx="11230945" cy="5755422"/>
+          </a:xfrm>
+          <a:prstGeom prst="rect">
+            <a:avLst/>
+          </a:prstGeom>
+          <a:noFill/>
+        </p:spPr>
+        <p:txBody>
+          <a:bodyPr wrap="square" rtlCol="0">
+            <a:spAutoFit/>
+          </a:bodyPr>
+          <a:lstStyle/>
+          <a:p>
+            <a:pPr algn="ctr">
+              <a:lnSpc>
+                <a:spcPct val="150000"/>
+              </a:lnSpc>
+            </a:pPr>
+            <a:r>
+              <a:rPr lang="km-KH" sz="2400" b="1" dirty="0">
+                <a:latin typeface="Khmer OS Siemreap" panose="02000500000000020004" pitchFamily="2" charset="0"/>
+                <a:cs typeface="Khmer OS Siemreap" panose="02000500000000020004" pitchFamily="2" charset="0"/>
+              </a:rPr>
+              <a:t>ក្រុមនីមួយៗនិងត្រូវជ្រើសរើសវិញ្ញាសារខាងក្រោមដើម្បីធ្វើការបង្កើតវេបសាយដោយប្រើ </a:t>
+            </a:r>
+            <a:r>
+              <a:rPr lang="en-US" sz="2400" b="1" dirty="0">
+                <a:latin typeface="Khmer OS Siemreap" panose="02000500000000020004" pitchFamily="2" charset="0"/>
+                <a:cs typeface="Khmer OS Siemreap" panose="02000500000000020004" pitchFamily="2" charset="0"/>
+              </a:rPr>
+              <a:t>HTML </a:t>
+            </a:r>
+            <a:r>
+              <a:rPr lang="km-KH" sz="2400" b="1" dirty="0">
+                <a:latin typeface="Khmer OS Siemreap" panose="02000500000000020004" pitchFamily="2" charset="0"/>
+                <a:cs typeface="Khmer OS Siemreap" panose="02000500000000020004" pitchFamily="2" charset="0"/>
+              </a:rPr>
+              <a:t>តាមប្រធានបទខាងក្រោម៖</a:t>
+            </a:r>
+          </a:p>
+          <a:p>
+            <a:pPr marL="514350" indent="-514350" algn="ctr">
+              <a:lnSpc>
+                <a:spcPct val="150000"/>
+              </a:lnSpc>
+              <a:buAutoNum type="arabicPeriod"/>
+            </a:pPr>
+            <a:r>
+              <a:rPr lang="km-KH" sz="2400" b="1" dirty="0">
+                <a:latin typeface="Khmer OS Siemreap" panose="02000500000000020004" pitchFamily="2" charset="0"/>
+                <a:cs typeface="Khmer OS Siemreap" panose="02000500000000020004" pitchFamily="2" charset="0"/>
+              </a:rPr>
+              <a:t>វេបសាយបង្ហាញពីតំបន់ទេសចរណ៍</a:t>
+            </a:r>
+          </a:p>
+          <a:p>
+            <a:pPr marL="514350" indent="-514350" algn="ctr">
+              <a:lnSpc>
+                <a:spcPct val="150000"/>
+              </a:lnSpc>
+              <a:buAutoNum type="arabicPeriod"/>
+            </a:pPr>
+            <a:r>
+              <a:rPr lang="km-KH" sz="2400" b="1" dirty="0">
+                <a:latin typeface="Khmer OS Siemreap" panose="02000500000000020004" pitchFamily="2" charset="0"/>
+                <a:cs typeface="Khmer OS Siemreap" panose="02000500000000020004" pitchFamily="2" charset="0"/>
+              </a:rPr>
+              <a:t>វេបសាយបង្ហាញពីសាលារៀន</a:t>
+            </a:r>
+          </a:p>
+          <a:p>
+            <a:pPr marL="514350" indent="-514350" algn="ctr">
+              <a:lnSpc>
+                <a:spcPct val="150000"/>
+              </a:lnSpc>
+              <a:buAutoNum type="arabicPeriod"/>
+            </a:pPr>
+            <a:r>
+              <a:rPr lang="km-KH" sz="2400" b="1" dirty="0">
+                <a:latin typeface="Khmer OS Siemreap" panose="02000500000000020004" pitchFamily="2" charset="0"/>
+                <a:cs typeface="Khmer OS Siemreap" panose="02000500000000020004" pitchFamily="2" charset="0"/>
+              </a:rPr>
+              <a:t>វេបសាយបង្ហាញពីកម្មវិធីបុណ្យចូលឆ្នាំខ្មែរ</a:t>
+            </a:r>
+          </a:p>
+          <a:p>
+            <a:pPr marL="514350" indent="-514350" algn="ctr">
+              <a:lnSpc>
+                <a:spcPct val="150000"/>
+              </a:lnSpc>
+              <a:buFontTx/>
+              <a:buAutoNum type="arabicPeriod"/>
+            </a:pPr>
+            <a:r>
+              <a:rPr lang="km-KH" sz="2400" b="1" dirty="0">
+                <a:latin typeface="Khmer OS Siemreap" panose="02000500000000020004" pitchFamily="2" charset="0"/>
+                <a:cs typeface="Khmer OS Siemreap" panose="02000500000000020004" pitchFamily="2" charset="0"/>
+              </a:rPr>
+              <a:t>វេបសាយបង្ហាញពីកម្មវិធីភ្ជុំបិណ្យ</a:t>
+            </a:r>
+          </a:p>
+          <a:p>
+            <a:pPr marL="514350" indent="-514350" algn="ctr">
+              <a:lnSpc>
+                <a:spcPct val="150000"/>
+              </a:lnSpc>
+              <a:buFontTx/>
+              <a:buAutoNum type="arabicPeriod"/>
+            </a:pPr>
+            <a:r>
+              <a:rPr lang="km-KH" sz="2400" b="1" dirty="0">
+                <a:latin typeface="Khmer OS Siemreap" panose="02000500000000020004" pitchFamily="2" charset="0"/>
+                <a:cs typeface="Khmer OS Siemreap" panose="02000500000000020004" pitchFamily="2" charset="0"/>
+              </a:rPr>
+              <a:t>វេបសាយបង្ហាញពីបច្ចេកវិទ្យា</a:t>
+            </a:r>
+          </a:p>
+          <a:p>
+            <a:pPr algn="ctr">
+              <a:lnSpc>
+                <a:spcPct val="150000"/>
+              </a:lnSpc>
+            </a:pPr>
+            <a:r>
+              <a:rPr lang="km-KH" sz="2400" b="1" dirty="0">
+                <a:latin typeface="Khmer OS Siemreap" panose="02000500000000020004" pitchFamily="2" charset="0"/>
+                <a:cs typeface="Khmer OS Siemreap" panose="02000500000000020004" pitchFamily="2" charset="0"/>
+              </a:rPr>
+              <a:t>ក្រុមនីមួយៗ មានពេលវេលាចំនួនមួយសបា្តហ៍ក្នុងការរៀបចំនូវលំហាត់ខាងលើដោយនិងមានការធ្វើបទបង្ហាញនូវសប្ដាហ៍ក្រោយ។</a:t>
+            </a:r>
+          </a:p>
+          <a:p>
+            <a:pPr marL="514350" indent="-514350" algn="ctr">
+              <a:lnSpc>
+                <a:spcPct val="150000"/>
+              </a:lnSpc>
+              <a:buAutoNum type="arabicPeriod"/>
+            </a:pPr>
+            <a:endParaRPr lang="en-US" sz="3200" b="1" dirty="0">
+              <a:latin typeface="Khmer OS Siemreap" panose="02000500000000020004" pitchFamily="2" charset="0"/>
+              <a:cs typeface="Khmer OS Siemreap" panose="02000500000000020004" pitchFamily="2" charset="0"/>
+            </a:endParaRPr>
+          </a:p>
+        </p:txBody>
+      </p:sp>
+      <p:sp>
+        <p:nvSpPr>
+          <p:cNvPr id="3" name="TextBox 2">
+            <a:extLst>
+              <a:ext uri="{FF2B5EF4-FFF2-40B4-BE49-F238E27FC236}">
+                <a16:creationId xmlns:a16="http://schemas.microsoft.com/office/drawing/2014/main" id="{D3703452-55C6-BCCE-67D3-D23003ECAFC6}"/>
+              </a:ext>
+            </a:extLst>
+          </p:cNvPr>
+          <p:cNvSpPr txBox="1"/>
+          <p:nvPr/>
+        </p:nvSpPr>
+        <p:spPr>
+          <a:xfrm>
+            <a:off x="478970" y="302216"/>
+            <a:ext cx="3766460" cy="923330"/>
+          </a:xfrm>
+          <a:prstGeom prst="rect">
+            <a:avLst/>
+          </a:prstGeom>
+          <a:noFill/>
+        </p:spPr>
+        <p:txBody>
+          <a:bodyPr wrap="square" rtlCol="0">
+            <a:spAutoFit/>
+          </a:bodyPr>
+          <a:lstStyle/>
+          <a:p>
+            <a:r>
+              <a:rPr lang="km-KH" sz="5400" b="1" dirty="0">
+                <a:latin typeface="Khmer OS Siemreap" panose="02000500000000020004" pitchFamily="2" charset="0"/>
+                <a:cs typeface="Khmer OS Siemreap" panose="02000500000000020004" pitchFamily="2" charset="0"/>
+              </a:rPr>
+              <a:t>ការងារទី២</a:t>
+            </a:r>
+            <a:endParaRPr lang="en-US" sz="5400" b="1" dirty="0">
+              <a:latin typeface="Khmer OS Siemreap" panose="02000500000000020004" pitchFamily="2" charset="0"/>
+              <a:cs typeface="Khmer OS Siemreap" panose="02000500000000020004" pitchFamily="2" charset="0"/>
+            </a:endParaRPr>
+          </a:p>
+        </p:txBody>
+      </p:sp>
+    </p:spTree>
+    <p:extLst>
+      <p:ext uri="{BB962C8B-B14F-4D97-AF65-F5344CB8AC3E}">
+        <p14:creationId xmlns:p14="http://schemas.microsoft.com/office/powerpoint/2010/main" val="1224539229"/>
+      </p:ext>
+    </p:extLst>
+  </p:cSld>
+  <p:clrMapOvr>
+    <a:masterClrMapping/>
+  </p:clrMapOvr>
+</p:sld>
+</file>
+
+<file path=ppt/slides/slide31.xml><?xml version="1.0" encoding="utf-8"?>
+<p:sld xmlns:a="http://schemas.openxmlformats.org/drawingml/2006/main" xmlns:r="http://schemas.openxmlformats.org/officeDocument/2006/relationships" xmlns:p="http://schemas.openxmlformats.org/presentationml/2006/main">
+  <p:cSld>
+    <p:spTree>
+      <p:nvGrpSpPr>
+        <p:cNvPr id="1" name=""/>
+        <p:cNvGrpSpPr/>
+        <p:nvPr/>
+      </p:nvGrpSpPr>
+      <p:grpSpPr>
+        <a:xfrm>
+          <a:off x="0" y="0"/>
+          <a:ext cx="0" cy="0"/>
+          <a:chOff x="0" y="0"/>
+          <a:chExt cx="0" cy="0"/>
+        </a:xfrm>
+      </p:grpSpPr>
+      <p:sp>
+        <p:nvSpPr>
+          <p:cNvPr id="3" name="TextBox 2">
+            <a:extLst>
+              <a:ext uri="{FF2B5EF4-FFF2-40B4-BE49-F238E27FC236}">
+                <a16:creationId xmlns:a16="http://schemas.microsoft.com/office/drawing/2014/main" id="{D3703452-55C6-BCCE-67D3-D23003ECAFC6}"/>
+              </a:ext>
+            </a:extLst>
+          </p:cNvPr>
+          <p:cNvSpPr txBox="1"/>
+          <p:nvPr/>
+        </p:nvSpPr>
+        <p:spPr>
+          <a:xfrm>
+            <a:off x="2355978" y="2321004"/>
+            <a:ext cx="7480043" cy="2215991"/>
+          </a:xfrm>
+          <a:prstGeom prst="rect">
+            <a:avLst/>
+          </a:prstGeom>
+          <a:noFill/>
+        </p:spPr>
+        <p:txBody>
+          <a:bodyPr wrap="square" rtlCol="0">
+            <a:spAutoFit/>
+          </a:bodyPr>
+          <a:lstStyle/>
+          <a:p>
+            <a:pPr algn="ctr"/>
+            <a:r>
+              <a:rPr lang="km-KH" sz="13800" b="1" dirty="0">
+                <a:latin typeface="Khmer OS Siemreap" panose="02000500000000020004" pitchFamily="2" charset="0"/>
+                <a:cs typeface="Khmer OS Siemreap" panose="02000500000000020004" pitchFamily="2" charset="0"/>
+              </a:rPr>
+              <a:t>សំណួរ?</a:t>
+            </a:r>
+            <a:endParaRPr lang="en-US" sz="13800" b="1" dirty="0">
+              <a:latin typeface="Khmer OS Siemreap" panose="02000500000000020004" pitchFamily="2" charset="0"/>
+              <a:cs typeface="Khmer OS Siemreap" panose="02000500000000020004" pitchFamily="2" charset="0"/>
+            </a:endParaRPr>
+          </a:p>
+        </p:txBody>
+      </p:sp>
+    </p:spTree>
+    <p:extLst>
+      <p:ext uri="{BB962C8B-B14F-4D97-AF65-F5344CB8AC3E}">
+        <p14:creationId xmlns:p14="http://schemas.microsoft.com/office/powerpoint/2010/main" val="1898887618"/>
+      </p:ext>
+    </p:extLst>
+  </p:cSld>
+  <p:clrMapOvr>
+    <a:masterClrMapping/>
+  </p:clrMapOvr>
+</p:sld>
+</file>
+
+<file path=ppt/slides/slide32.xml><?xml version="1.0" encoding="utf-8"?>
+<p:sld xmlns:a="http://schemas.openxmlformats.org/drawingml/2006/main" xmlns:r="http://schemas.openxmlformats.org/officeDocument/2006/relationships" xmlns:p="http://schemas.openxmlformats.org/presentationml/2006/main">
+  <p:cSld>
+    <p:spTree>
+      <p:nvGrpSpPr>
+        <p:cNvPr id="1" name=""/>
+        <p:cNvGrpSpPr/>
+        <p:nvPr/>
+      </p:nvGrpSpPr>
+      <p:grpSpPr>
+        <a:xfrm>
+          <a:off x="0" y="0"/>
+          <a:ext cx="0" cy="0"/>
+          <a:chOff x="0" y="0"/>
+          <a:chExt cx="0" cy="0"/>
+        </a:xfrm>
+      </p:grpSpPr>
+      <p:sp>
+        <p:nvSpPr>
+          <p:cNvPr id="3" name="TextBox 2">
+            <a:extLst>
+              <a:ext uri="{FF2B5EF4-FFF2-40B4-BE49-F238E27FC236}">
+                <a16:creationId xmlns:a16="http://schemas.microsoft.com/office/drawing/2014/main" id="{D3703452-55C6-BCCE-67D3-D23003ECAFC6}"/>
+              </a:ext>
+            </a:extLst>
+          </p:cNvPr>
+          <p:cNvSpPr txBox="1"/>
+          <p:nvPr/>
+        </p:nvSpPr>
+        <p:spPr>
+          <a:xfrm>
+            <a:off x="996820" y="1397274"/>
+            <a:ext cx="10198359" cy="4339650"/>
+          </a:xfrm>
+          <a:prstGeom prst="rect">
+            <a:avLst/>
+          </a:prstGeom>
+          <a:noFill/>
+        </p:spPr>
+        <p:txBody>
+          <a:bodyPr wrap="square" rtlCol="0">
+            <a:spAutoFit/>
+          </a:bodyPr>
+          <a:lstStyle/>
+          <a:p>
+            <a:pPr algn="ctr"/>
+            <a:r>
+              <a:rPr lang="km-KH" sz="13800" b="1" dirty="0">
+                <a:latin typeface="Khmer OS Siemreap" panose="02000500000000020004" pitchFamily="2" charset="0"/>
+                <a:cs typeface="Khmer OS Siemreap" panose="02000500000000020004" pitchFamily="2" charset="0"/>
+              </a:rPr>
+              <a:t>ជួបគ្នាសប្ដាហ៍ក្រោយ!</a:t>
+            </a:r>
+            <a:endParaRPr lang="en-US" sz="13800" b="1" dirty="0">
+              <a:latin typeface="Khmer OS Siemreap" panose="02000500000000020004" pitchFamily="2" charset="0"/>
+              <a:cs typeface="Khmer OS Siemreap" panose="02000500000000020004" pitchFamily="2" charset="0"/>
+            </a:endParaRPr>
+          </a:p>
+        </p:txBody>
+      </p:sp>
+    </p:spTree>
+    <p:extLst>
+      <p:ext uri="{BB962C8B-B14F-4D97-AF65-F5344CB8AC3E}">
+        <p14:creationId xmlns:p14="http://schemas.microsoft.com/office/powerpoint/2010/main" val="2949544485"/>
       </p:ext>
     </p:extLst>
   </p:cSld>
